--- a/roltv.pptx
+++ b/roltv.pptx
@@ -8,15 +8,18 @@
     <p:sldId id="256" r:id="rId2"/>
     <p:sldId id="257" r:id="rId3"/>
     <p:sldId id="258" r:id="rId4"/>
-    <p:sldId id="259" r:id="rId5"/>
-    <p:sldId id="260" r:id="rId6"/>
-    <p:sldId id="262" r:id="rId7"/>
-    <p:sldId id="263" r:id="rId8"/>
-    <p:sldId id="264" r:id="rId9"/>
-    <p:sldId id="265" r:id="rId10"/>
-    <p:sldId id="266" r:id="rId11"/>
-    <p:sldId id="267" r:id="rId12"/>
-    <p:sldId id="261" r:id="rId13"/>
+    <p:sldId id="268" r:id="rId5"/>
+    <p:sldId id="259" r:id="rId6"/>
+    <p:sldId id="270" r:id="rId7"/>
+    <p:sldId id="271" r:id="rId8"/>
+    <p:sldId id="260" r:id="rId9"/>
+    <p:sldId id="262" r:id="rId10"/>
+    <p:sldId id="263" r:id="rId11"/>
+    <p:sldId id="264" r:id="rId12"/>
+    <p:sldId id="265" r:id="rId13"/>
+    <p:sldId id="266" r:id="rId14"/>
+    <p:sldId id="267" r:id="rId15"/>
+    <p:sldId id="261" r:id="rId16"/>
   </p:sldIdLst>
   <p:sldSz cx="12192000" cy="6858000"/>
   <p:notesSz cx="6858000" cy="9144000"/>
@@ -123,7 +126,10 @@
             <p14:sldId id="256"/>
             <p14:sldId id="257"/>
             <p14:sldId id="258"/>
+            <p14:sldId id="268"/>
             <p14:sldId id="259"/>
+            <p14:sldId id="270"/>
+            <p14:sldId id="271"/>
             <p14:sldId id="260"/>
             <p14:sldId id="262"/>
             <p14:sldId id="263"/>
@@ -171,6 +177,34 @@
 
 <file path=ppt/comments/comment2.xml><?xml version="1.0" encoding="utf-8"?>
 <p:cmLst xmlns:a="http://schemas.openxmlformats.org/drawingml/2006/main" xmlns:r="http://schemas.openxmlformats.org/officeDocument/2006/relationships" xmlns:p="http://schemas.openxmlformats.org/presentationml/2006/main">
+  <p:cm authorId="1" dt="2018-07-17T23:20:47.069" idx="1">
+    <p:pos x="10" y="10"/>
+    <p:text>goto the web link and show the web api on detect.</p:text>
+    <p:extLst>
+      <p:ext uri="{C676402C-5697-4E1C-873F-D02D1690AC5C}">
+        <p15:threadingInfo xmlns:p15="http://schemas.microsoft.com/office/powerpoint/2012/main" timeZoneBias="300"/>
+      </p:ext>
+    </p:extLst>
+  </p:cm>
+</p:cmLst>
+</file>
+
+<file path=ppt/comments/comment3.xml><?xml version="1.0" encoding="utf-8"?>
+<p:cmLst xmlns:a="http://schemas.openxmlformats.org/drawingml/2006/main" xmlns:r="http://schemas.openxmlformats.org/officeDocument/2006/relationships" xmlns:p="http://schemas.openxmlformats.org/presentationml/2006/main">
+  <p:cm authorId="1" dt="2018-07-17T23:20:47.069" idx="1">
+    <p:pos x="10" y="10"/>
+    <p:text>goto the web link and show the web api on detect.</p:text>
+    <p:extLst>
+      <p:ext uri="{C676402C-5697-4E1C-873F-D02D1690AC5C}">
+        <p15:threadingInfo xmlns:p15="http://schemas.microsoft.com/office/powerpoint/2012/main" timeZoneBias="300"/>
+      </p:ext>
+    </p:extLst>
+  </p:cm>
+</p:cmLst>
+</file>
+
+<file path=ppt/comments/comment4.xml><?xml version="1.0" encoding="utf-8"?>
+<p:cmLst xmlns:a="http://schemas.openxmlformats.org/drawingml/2006/main" xmlns:r="http://schemas.openxmlformats.org/officeDocument/2006/relationships" xmlns:p="http://schemas.openxmlformats.org/presentationml/2006/main">
   <p:cm authorId="1" dt="2018-07-17T23:23:33.553" idx="2">
     <p:pos x="4066" y="407"/>
     <p:text>Show the JSON</p:text>
@@ -192,7 +226,7 @@
 </p:cmLst>
 </file>
 
-<file path=ppt/comments/comment3.xml><?xml version="1.0" encoding="utf-8"?>
+<file path=ppt/comments/comment5.xml><?xml version="1.0" encoding="utf-8"?>
 <p:cmLst xmlns:a="http://schemas.openxmlformats.org/drawingml/2006/main" xmlns:r="http://schemas.openxmlformats.org/officeDocument/2006/relationships" xmlns:p="http://schemas.openxmlformats.org/presentationml/2006/main">
   <p:cm authorId="1" dt="2018-07-17T23:26:56.457" idx="4">
     <p:pos x="10" y="10"/>
@@ -5967,6 +6001,36 @@
           </a:p>
         </p:txBody>
       </p:sp>
+      <p:pic>
+        <p:nvPicPr>
+          <p:cNvPr id="5" name="Picture 4">
+            <a:extLst>
+              <a:ext uri="{FF2B5EF4-FFF2-40B4-BE49-F238E27FC236}">
+                <a16:creationId xmlns:a16="http://schemas.microsoft.com/office/drawing/2014/main" id="{3D3665C7-F30D-430A-81FF-938A29488DD4}"/>
+              </a:ext>
+            </a:extLst>
+          </p:cNvPr>
+          <p:cNvPicPr>
+            <a:picLocks noChangeAspect="1"/>
+          </p:cNvPicPr>
+          <p:nvPr/>
+        </p:nvPicPr>
+        <p:blipFill>
+          <a:blip r:embed="rId2"/>
+          <a:stretch>
+            <a:fillRect/>
+          </a:stretch>
+        </p:blipFill>
+        <p:spPr>
+          <a:xfrm>
+            <a:off x="1784472" y="2476493"/>
+            <a:ext cx="1905014" cy="1905014"/>
+          </a:xfrm>
+          <a:prstGeom prst="rect">
+            <a:avLst/>
+          </a:prstGeom>
+        </p:spPr>
+      </p:pic>
     </p:spTree>
     <p:extLst>
       <p:ext uri="{BB962C8B-B14F-4D97-AF65-F5344CB8AC3E}">
@@ -6002,7 +6066,7 @@
           <p:cNvPr id="2" name="Title 1">
             <a:extLst>
               <a:ext uri="{FF2B5EF4-FFF2-40B4-BE49-F238E27FC236}">
-                <a16:creationId xmlns:a16="http://schemas.microsoft.com/office/drawing/2014/main" id="{EAA96D82-581E-4F8D-A0AB-51A17935D779}"/>
+                <a16:creationId xmlns:a16="http://schemas.microsoft.com/office/drawing/2014/main" id="{99172343-CBFD-4DA1-8240-173467B0E5D1}"/>
               </a:ext>
             </a:extLst>
           </p:cNvPr>
@@ -6018,7 +6082,10 @@
           <a:bodyPr/>
           <a:lstStyle/>
           <a:p>
-            <a:endParaRPr lang="en-US"/>
+            <a:r>
+              <a:rPr lang="en-US" dirty="0"/>
+              <a:t>How many overlord coin does this cost?</a:t>
+            </a:r>
           </a:p>
         </p:txBody>
       </p:sp>
@@ -6027,7 +6094,7 @@
           <p:cNvPr id="3" name="Content Placeholder 2">
             <a:extLst>
               <a:ext uri="{FF2B5EF4-FFF2-40B4-BE49-F238E27FC236}">
-                <a16:creationId xmlns:a16="http://schemas.microsoft.com/office/drawing/2014/main" id="{7E847610-FC94-40D9-A36F-1585F2FD3E16}"/>
+                <a16:creationId xmlns:a16="http://schemas.microsoft.com/office/drawing/2014/main" id="{46CD42C3-9D1A-46EB-991D-0C75907316B1}"/>
               </a:ext>
             </a:extLst>
           </p:cNvPr>
@@ -6038,19 +6105,29 @@
             <p:ph idx="1"/>
           </p:nvPr>
         </p:nvSpPr>
-        <p:spPr/>
-        <p:txBody>
-          <a:bodyPr/>
-          <a:lstStyle/>
-          <a:p>
-            <a:endParaRPr lang="en-US"/>
+        <p:spPr>
+          <a:xfrm>
+            <a:off x="677334" y="1421000"/>
+            <a:ext cx="8596668" cy="4361235"/>
+          </a:xfrm>
+        </p:spPr>
+        <p:txBody>
+          <a:bodyPr>
+            <a:normAutofit/>
+          </a:bodyPr>
+          <a:lstStyle/>
+          <a:p>
+            <a:pPr marL="0" indent="0">
+              <a:buNone/>
+            </a:pPr>
+            <a:endParaRPr lang="en-US" dirty="0"/>
           </a:p>
         </p:txBody>
       </p:sp>
     </p:spTree>
     <p:extLst>
       <p:ext uri="{BB962C8B-B14F-4D97-AF65-F5344CB8AC3E}">
-        <p14:creationId xmlns:p14="http://schemas.microsoft.com/office/powerpoint/2010/main" val="2030937476"/>
+        <p14:creationId xmlns:p14="http://schemas.microsoft.com/office/powerpoint/2010/main" val="2731125121"/>
       </p:ext>
     </p:extLst>
   </p:cSld>
@@ -6082,7 +6159,7 @@
           <p:cNvPr id="2" name="Title 1">
             <a:extLst>
               <a:ext uri="{FF2B5EF4-FFF2-40B4-BE49-F238E27FC236}">
-                <a16:creationId xmlns:a16="http://schemas.microsoft.com/office/drawing/2014/main" id="{A19033E1-98CE-41E4-AD3C-E67779FD907E}"/>
+                <a16:creationId xmlns:a16="http://schemas.microsoft.com/office/drawing/2014/main" id="{F4404C3F-FE5D-4E7D-ABD4-165D7238D802}"/>
               </a:ext>
             </a:extLst>
           </p:cNvPr>
@@ -6100,7 +6177,7 @@
           <a:p>
             <a:r>
               <a:rPr lang="en-US" dirty="0"/>
-              <a:t>So where is the robot…</a:t>
+              <a:t>You sold me, so how to get started!</a:t>
             </a:r>
           </a:p>
         </p:txBody>
@@ -6110,7 +6187,7 @@
           <p:cNvPr id="3" name="Content Placeholder 2">
             <a:extLst>
               <a:ext uri="{FF2B5EF4-FFF2-40B4-BE49-F238E27FC236}">
-                <a16:creationId xmlns:a16="http://schemas.microsoft.com/office/drawing/2014/main" id="{B7FA68D7-3B83-41EA-BDB0-2B9A9567DDDD}"/>
+                <a16:creationId xmlns:a16="http://schemas.microsoft.com/office/drawing/2014/main" id="{5749BDC7-1332-4143-9AF8-D0C420ADC9AD}"/>
               </a:ext>
             </a:extLst>
           </p:cNvPr>
@@ -6126,14 +6203,26 @@
           <a:bodyPr/>
           <a:lstStyle/>
           <a:p>
-            <a:endParaRPr lang="en-US"/>
+            <a:r>
+              <a:rPr lang="en-US" dirty="0"/>
+              <a:t>Azure</a:t>
+            </a:r>
+          </a:p>
+          <a:p>
+            <a:r>
+              <a:rPr lang="en-US" dirty="0"/>
+              <a:t>Then follow through the steps on the detect and recognize….</a:t>
+            </a:r>
+          </a:p>
+          <a:p>
+            <a:endParaRPr lang="en-US" dirty="0"/>
           </a:p>
         </p:txBody>
       </p:sp>
     </p:spTree>
     <p:extLst>
       <p:ext uri="{BB962C8B-B14F-4D97-AF65-F5344CB8AC3E}">
-        <p14:creationId xmlns:p14="http://schemas.microsoft.com/office/powerpoint/2010/main" val="445193679"/>
+        <p14:creationId xmlns:p14="http://schemas.microsoft.com/office/powerpoint/2010/main" val="3422128026"/>
       </p:ext>
     </p:extLst>
   </p:cSld>
@@ -6165,6 +6254,252 @@
           <p:cNvPr id="2" name="Title 1">
             <a:extLst>
               <a:ext uri="{FF2B5EF4-FFF2-40B4-BE49-F238E27FC236}">
+                <a16:creationId xmlns:a16="http://schemas.microsoft.com/office/drawing/2014/main" id="{996EF56D-7AE3-495F-B423-0646A6864B3B}"/>
+              </a:ext>
+            </a:extLst>
+          </p:cNvPr>
+          <p:cNvSpPr>
+            <a:spLocks noGrp="1"/>
+          </p:cNvSpPr>
+          <p:nvPr>
+            <p:ph type="title"/>
+          </p:nvPr>
+        </p:nvSpPr>
+        <p:spPr/>
+        <p:txBody>
+          <a:bodyPr/>
+          <a:lstStyle/>
+          <a:p>
+            <a:r>
+              <a:rPr lang="en-US" dirty="0"/>
+              <a:t>Demos!!!!!!!</a:t>
+            </a:r>
+          </a:p>
+        </p:txBody>
+      </p:sp>
+      <p:sp>
+        <p:nvSpPr>
+          <p:cNvPr id="3" name="Content Placeholder 2">
+            <a:extLst>
+              <a:ext uri="{FF2B5EF4-FFF2-40B4-BE49-F238E27FC236}">
+                <a16:creationId xmlns:a16="http://schemas.microsoft.com/office/drawing/2014/main" id="{571BA0E3-97E8-4BEC-9ECC-0C9AC85A3E74}"/>
+              </a:ext>
+            </a:extLst>
+          </p:cNvPr>
+          <p:cNvSpPr>
+            <a:spLocks noGrp="1"/>
+          </p:cNvSpPr>
+          <p:nvPr>
+            <p:ph idx="1"/>
+          </p:nvPr>
+        </p:nvSpPr>
+        <p:spPr/>
+        <p:txBody>
+          <a:bodyPr/>
+          <a:lstStyle/>
+          <a:p>
+            <a:endParaRPr lang="en-US"/>
+          </a:p>
+        </p:txBody>
+      </p:sp>
+    </p:spTree>
+    <p:extLst>
+      <p:ext uri="{BB962C8B-B14F-4D97-AF65-F5344CB8AC3E}">
+        <p14:creationId xmlns:p14="http://schemas.microsoft.com/office/powerpoint/2010/main" val="2096994649"/>
+      </p:ext>
+    </p:extLst>
+  </p:cSld>
+  <p:clrMapOvr>
+    <a:masterClrMapping/>
+  </p:clrMapOvr>
+</p:sld>
+</file>
+
+<file path=ppt/slides/slide13.xml><?xml version="1.0" encoding="utf-8"?>
+<p:sld xmlns:a="http://schemas.openxmlformats.org/drawingml/2006/main" xmlns:r="http://schemas.openxmlformats.org/officeDocument/2006/relationships" xmlns:p="http://schemas.openxmlformats.org/presentationml/2006/main">
+  <p:cSld>
+    <p:spTree>
+      <p:nvGrpSpPr>
+        <p:cNvPr id="1" name=""/>
+        <p:cNvGrpSpPr/>
+        <p:nvPr/>
+      </p:nvGrpSpPr>
+      <p:grpSpPr>
+        <a:xfrm>
+          <a:off x="0" y="0"/>
+          <a:ext cx="0" cy="0"/>
+          <a:chOff x="0" y="0"/>
+          <a:chExt cx="0" cy="0"/>
+        </a:xfrm>
+      </p:grpSpPr>
+      <p:sp>
+        <p:nvSpPr>
+          <p:cNvPr id="2" name="Title 1">
+            <a:extLst>
+              <a:ext uri="{FF2B5EF4-FFF2-40B4-BE49-F238E27FC236}">
+                <a16:creationId xmlns:a16="http://schemas.microsoft.com/office/drawing/2014/main" id="{EAA96D82-581E-4F8D-A0AB-51A17935D779}"/>
+              </a:ext>
+            </a:extLst>
+          </p:cNvPr>
+          <p:cNvSpPr>
+            <a:spLocks noGrp="1"/>
+          </p:cNvSpPr>
+          <p:nvPr>
+            <p:ph type="title"/>
+          </p:nvPr>
+        </p:nvSpPr>
+        <p:spPr/>
+        <p:txBody>
+          <a:bodyPr/>
+          <a:lstStyle/>
+          <a:p>
+            <a:endParaRPr lang="en-US"/>
+          </a:p>
+        </p:txBody>
+      </p:sp>
+      <p:sp>
+        <p:nvSpPr>
+          <p:cNvPr id="3" name="Content Placeholder 2">
+            <a:extLst>
+              <a:ext uri="{FF2B5EF4-FFF2-40B4-BE49-F238E27FC236}">
+                <a16:creationId xmlns:a16="http://schemas.microsoft.com/office/drawing/2014/main" id="{7E847610-FC94-40D9-A36F-1585F2FD3E16}"/>
+              </a:ext>
+            </a:extLst>
+          </p:cNvPr>
+          <p:cNvSpPr>
+            <a:spLocks noGrp="1"/>
+          </p:cNvSpPr>
+          <p:nvPr>
+            <p:ph idx="1"/>
+          </p:nvPr>
+        </p:nvSpPr>
+        <p:spPr/>
+        <p:txBody>
+          <a:bodyPr/>
+          <a:lstStyle/>
+          <a:p>
+            <a:endParaRPr lang="en-US"/>
+          </a:p>
+        </p:txBody>
+      </p:sp>
+    </p:spTree>
+    <p:extLst>
+      <p:ext uri="{BB962C8B-B14F-4D97-AF65-F5344CB8AC3E}">
+        <p14:creationId xmlns:p14="http://schemas.microsoft.com/office/powerpoint/2010/main" val="2030937476"/>
+      </p:ext>
+    </p:extLst>
+  </p:cSld>
+  <p:clrMapOvr>
+    <a:masterClrMapping/>
+  </p:clrMapOvr>
+</p:sld>
+</file>
+
+<file path=ppt/slides/slide14.xml><?xml version="1.0" encoding="utf-8"?>
+<p:sld xmlns:a="http://schemas.openxmlformats.org/drawingml/2006/main" xmlns:r="http://schemas.openxmlformats.org/officeDocument/2006/relationships" xmlns:p="http://schemas.openxmlformats.org/presentationml/2006/main">
+  <p:cSld>
+    <p:spTree>
+      <p:nvGrpSpPr>
+        <p:cNvPr id="1" name=""/>
+        <p:cNvGrpSpPr/>
+        <p:nvPr/>
+      </p:nvGrpSpPr>
+      <p:grpSpPr>
+        <a:xfrm>
+          <a:off x="0" y="0"/>
+          <a:ext cx="0" cy="0"/>
+          <a:chOff x="0" y="0"/>
+          <a:chExt cx="0" cy="0"/>
+        </a:xfrm>
+      </p:grpSpPr>
+      <p:sp>
+        <p:nvSpPr>
+          <p:cNvPr id="2" name="Title 1">
+            <a:extLst>
+              <a:ext uri="{FF2B5EF4-FFF2-40B4-BE49-F238E27FC236}">
+                <a16:creationId xmlns:a16="http://schemas.microsoft.com/office/drawing/2014/main" id="{A19033E1-98CE-41E4-AD3C-E67779FD907E}"/>
+              </a:ext>
+            </a:extLst>
+          </p:cNvPr>
+          <p:cNvSpPr>
+            <a:spLocks noGrp="1"/>
+          </p:cNvSpPr>
+          <p:nvPr>
+            <p:ph type="title"/>
+          </p:nvPr>
+        </p:nvSpPr>
+        <p:spPr/>
+        <p:txBody>
+          <a:bodyPr/>
+          <a:lstStyle/>
+          <a:p>
+            <a:r>
+              <a:rPr lang="en-US" dirty="0"/>
+              <a:t>So where is the robot…</a:t>
+            </a:r>
+          </a:p>
+        </p:txBody>
+      </p:sp>
+      <p:sp>
+        <p:nvSpPr>
+          <p:cNvPr id="3" name="Content Placeholder 2">
+            <a:extLst>
+              <a:ext uri="{FF2B5EF4-FFF2-40B4-BE49-F238E27FC236}">
+                <a16:creationId xmlns:a16="http://schemas.microsoft.com/office/drawing/2014/main" id="{B7FA68D7-3B83-41EA-BDB0-2B9A9567DDDD}"/>
+              </a:ext>
+            </a:extLst>
+          </p:cNvPr>
+          <p:cNvSpPr>
+            <a:spLocks noGrp="1"/>
+          </p:cNvSpPr>
+          <p:nvPr>
+            <p:ph idx="1"/>
+          </p:nvPr>
+        </p:nvSpPr>
+        <p:spPr/>
+        <p:txBody>
+          <a:bodyPr/>
+          <a:lstStyle/>
+          <a:p>
+            <a:endParaRPr lang="en-US"/>
+          </a:p>
+        </p:txBody>
+      </p:sp>
+    </p:spTree>
+    <p:extLst>
+      <p:ext uri="{BB962C8B-B14F-4D97-AF65-F5344CB8AC3E}">
+        <p14:creationId xmlns:p14="http://schemas.microsoft.com/office/powerpoint/2010/main" val="445193679"/>
+      </p:ext>
+    </p:extLst>
+  </p:cSld>
+  <p:clrMapOvr>
+    <a:masterClrMapping/>
+  </p:clrMapOvr>
+</p:sld>
+</file>
+
+<file path=ppt/slides/slide15.xml><?xml version="1.0" encoding="utf-8"?>
+<p:sld xmlns:a="http://schemas.openxmlformats.org/drawingml/2006/main" xmlns:r="http://schemas.openxmlformats.org/officeDocument/2006/relationships" xmlns:p="http://schemas.openxmlformats.org/presentationml/2006/main">
+  <p:cSld>
+    <p:spTree>
+      <p:nvGrpSpPr>
+        <p:cNvPr id="1" name=""/>
+        <p:cNvGrpSpPr/>
+        <p:nvPr/>
+      </p:nvGrpSpPr>
+      <p:grpSpPr>
+        <a:xfrm>
+          <a:off x="0" y="0"/>
+          <a:ext cx="0" cy="0"/>
+          <a:chOff x="0" y="0"/>
+          <a:chExt cx="0" cy="0"/>
+        </a:xfrm>
+      </p:grpSpPr>
+      <p:sp>
+        <p:nvSpPr>
+          <p:cNvPr id="2" name="Title 1">
+            <a:extLst>
+              <a:ext uri="{FF2B5EF4-FFF2-40B4-BE49-F238E27FC236}">
                 <a16:creationId xmlns:a16="http://schemas.microsoft.com/office/drawing/2014/main" id="{B8D5D137-925C-45CF-B389-8C9930A70B77}"/>
               </a:ext>
             </a:extLst>
@@ -6269,6 +6604,12 @@
               <a:t>http://bit.ly/web-face-api</a:t>
             </a:r>
             <a:endParaRPr lang="en-US" sz="2400" dirty="0"/>
+          </a:p>
+          <a:p>
+            <a:r>
+              <a:rPr lang="en-US" sz="2400" dirty="0"/>
+              <a:t>Glossary: http://bit.ly/face-api-glossary</a:t>
+            </a:r>
           </a:p>
           <a:p>
             <a:endParaRPr lang="en-US" dirty="0"/>
@@ -6621,7 +6962,7 @@
           <p:cNvPr id="2" name="Title 1">
             <a:extLst>
               <a:ext uri="{FF2B5EF4-FFF2-40B4-BE49-F238E27FC236}">
-                <a16:creationId xmlns:a16="http://schemas.microsoft.com/office/drawing/2014/main" id="{D99928D2-3943-4923-B91D-2B64861710A0}"/>
+                <a16:creationId xmlns:a16="http://schemas.microsoft.com/office/drawing/2014/main" id="{7A019825-B40C-4333-AD10-872ABD6A26AE}"/>
               </a:ext>
             </a:extLst>
           </p:cNvPr>
@@ -6639,7 +6980,7 @@
           <a:p>
             <a:r>
               <a:rPr lang="en-US" dirty="0"/>
-              <a:t>Can the Overlord recognize me?</a:t>
+              <a:t>Overlords can be sneaky…</a:t>
             </a:r>
           </a:p>
         </p:txBody>
@@ -6649,7 +6990,7 @@
           <p:cNvPr id="3" name="Content Placeholder 2">
             <a:extLst>
               <a:ext uri="{FF2B5EF4-FFF2-40B4-BE49-F238E27FC236}">
-                <a16:creationId xmlns:a16="http://schemas.microsoft.com/office/drawing/2014/main" id="{330C8428-34EE-40B8-BFAF-DAAB7EFEB228}"/>
+                <a16:creationId xmlns:a16="http://schemas.microsoft.com/office/drawing/2014/main" id="{10B73D76-F1A2-47D1-8729-BE3D173FAC11}"/>
               </a:ext>
             </a:extLst>
           </p:cNvPr>
@@ -6662,17 +7003,43 @@
         </p:nvSpPr>
         <p:spPr>
           <a:xfrm>
-            <a:off x="677334" y="2160589"/>
-            <a:ext cx="8596668" cy="642769"/>
+            <a:off x="2362698" y="2073977"/>
+            <a:ext cx="6283760" cy="3479658"/>
           </a:xfrm>
         </p:spPr>
         <p:txBody>
-          <a:bodyPr/>
-          <a:lstStyle/>
-          <a:p>
-            <a:r>
-              <a:rPr lang="en-US" dirty="0"/>
-              <a:t>The Face API provides 2 main functions: Detection and Recognition</a:t>
+          <a:bodyPr>
+            <a:noAutofit/>
+          </a:bodyPr>
+          <a:lstStyle/>
+          <a:p>
+            <a:r>
+              <a:rPr lang="en-US" sz="3600" dirty="0"/>
+              <a:t>Intelligent Kiosks</a:t>
+            </a:r>
+          </a:p>
+          <a:p>
+            <a:r>
+              <a:rPr lang="en-US" sz="3600" dirty="0"/>
+              <a:t>Security Monitoring</a:t>
+            </a:r>
+          </a:p>
+          <a:p>
+            <a:r>
+              <a:rPr lang="en-US" sz="3600" dirty="0"/>
+              <a:t>Mood monitoring</a:t>
+            </a:r>
+          </a:p>
+          <a:p>
+            <a:r>
+              <a:rPr lang="en-US" sz="3600" dirty="0"/>
+              <a:t>Attention Monitoring</a:t>
+            </a:r>
+          </a:p>
+          <a:p>
+            <a:r>
+              <a:rPr lang="en-US" sz="3600" dirty="0"/>
+              <a:t>And the list goes on….</a:t>
             </a:r>
           </a:p>
         </p:txBody>
@@ -6680,7 +7047,7 @@
     </p:spTree>
     <p:extLst>
       <p:ext uri="{BB962C8B-B14F-4D97-AF65-F5344CB8AC3E}">
-        <p14:creationId xmlns:p14="http://schemas.microsoft.com/office/powerpoint/2010/main" val="321202742"/>
+        <p14:creationId xmlns:p14="http://schemas.microsoft.com/office/powerpoint/2010/main" val="972091643"/>
       </p:ext>
     </p:extLst>
   </p:cSld>
@@ -6712,7 +7079,7 @@
           <p:cNvPr id="2" name="Title 1">
             <a:extLst>
               <a:ext uri="{FF2B5EF4-FFF2-40B4-BE49-F238E27FC236}">
-                <a16:creationId xmlns:a16="http://schemas.microsoft.com/office/drawing/2014/main" id="{169051D7-593E-4754-9C3B-844451951B58}"/>
+                <a16:creationId xmlns:a16="http://schemas.microsoft.com/office/drawing/2014/main" id="{D99928D2-3943-4923-B91D-2B64861710A0}"/>
               </a:ext>
             </a:extLst>
           </p:cNvPr>
@@ -6730,7 +7097,7 @@
           <a:p>
             <a:r>
               <a:rPr lang="en-US" dirty="0"/>
-              <a:t>What really are they tracking?</a:t>
+              <a:t>What can of things can the Overlords do?</a:t>
             </a:r>
           </a:p>
         </p:txBody>
@@ -6740,7 +7107,7 @@
           <p:cNvPr id="3" name="Content Placeholder 2">
             <a:extLst>
               <a:ext uri="{FF2B5EF4-FFF2-40B4-BE49-F238E27FC236}">
-                <a16:creationId xmlns:a16="http://schemas.microsoft.com/office/drawing/2014/main" id="{8B2CED26-AFCF-4802-8969-83F1930C4B22}"/>
+                <a16:creationId xmlns:a16="http://schemas.microsoft.com/office/drawing/2014/main" id="{330C8428-34EE-40B8-BFAF-DAAB7EFEB228}"/>
               </a:ext>
             </a:extLst>
           </p:cNvPr>
@@ -6751,22 +7118,62 @@
             <p:ph idx="1"/>
           </p:nvPr>
         </p:nvSpPr>
-        <p:spPr/>
-        <p:txBody>
-          <a:bodyPr/>
-          <a:lstStyle/>
-          <a:p>
-            <a:r>
-              <a:rPr lang="en-US" dirty="0"/>
-              <a:t>Picture of the face with the marking.</a:t>
-            </a:r>
-          </a:p>
-        </p:txBody>
-      </p:sp>
+        <p:spPr>
+          <a:xfrm>
+            <a:off x="3584147" y="1930400"/>
+            <a:ext cx="2511853" cy="784317"/>
+          </a:xfrm>
+        </p:spPr>
+        <p:txBody>
+          <a:bodyPr>
+            <a:noAutofit/>
+          </a:bodyPr>
+          <a:lstStyle/>
+          <a:p>
+            <a:pPr marL="0" indent="0">
+              <a:buNone/>
+            </a:pPr>
+            <a:r>
+              <a:rPr lang="en-US" sz="3600" dirty="0"/>
+              <a:t>Detection</a:t>
+            </a:r>
+          </a:p>
+        </p:txBody>
+      </p:sp>
+      <p:pic>
+        <p:nvPicPr>
+          <p:cNvPr id="5" name="Picture 4">
+            <a:extLst>
+              <a:ext uri="{FF2B5EF4-FFF2-40B4-BE49-F238E27FC236}">
+                <a16:creationId xmlns:a16="http://schemas.microsoft.com/office/drawing/2014/main" id="{11F7DCD4-07F4-478E-8B34-40E1F3ADB054}"/>
+              </a:ext>
+            </a:extLst>
+          </p:cNvPr>
+          <p:cNvPicPr>
+            <a:picLocks noChangeAspect="1"/>
+          </p:cNvPicPr>
+          <p:nvPr/>
+        </p:nvPicPr>
+        <p:blipFill>
+          <a:blip r:embed="rId2"/>
+          <a:stretch>
+            <a:fillRect/>
+          </a:stretch>
+        </p:blipFill>
+        <p:spPr>
+          <a:xfrm>
+            <a:off x="2077823" y="3052483"/>
+            <a:ext cx="5524500" cy="2533650"/>
+          </a:xfrm>
+          <a:prstGeom prst="rect">
+            <a:avLst/>
+          </a:prstGeom>
+        </p:spPr>
+      </p:pic>
     </p:spTree>
     <p:extLst>
       <p:ext uri="{BB962C8B-B14F-4D97-AF65-F5344CB8AC3E}">
-        <p14:creationId xmlns:p14="http://schemas.microsoft.com/office/powerpoint/2010/main" val="840592331"/>
+        <p14:creationId xmlns:p14="http://schemas.microsoft.com/office/powerpoint/2010/main" val="321202742"/>
       </p:ext>
     </p:extLst>
   </p:cSld>
@@ -6798,7 +7205,7 @@
           <p:cNvPr id="2" name="Title 1">
             <a:extLst>
               <a:ext uri="{FF2B5EF4-FFF2-40B4-BE49-F238E27FC236}">
-                <a16:creationId xmlns:a16="http://schemas.microsoft.com/office/drawing/2014/main" id="{EBBB8782-3F3D-47EE-849B-408F0CC020F7}"/>
+                <a16:creationId xmlns:a16="http://schemas.microsoft.com/office/drawing/2014/main" id="{D99928D2-3943-4923-B91D-2B64861710A0}"/>
               </a:ext>
             </a:extLst>
           </p:cNvPr>
@@ -6816,7 +7223,7 @@
           <a:p>
             <a:r>
               <a:rPr lang="en-US" dirty="0"/>
-              <a:t>What types of info can I get</a:t>
+              <a:t>What can of things can the Overlords do?</a:t>
             </a:r>
           </a:p>
         </p:txBody>
@@ -6826,7 +7233,7 @@
           <p:cNvPr id="3" name="Content Placeholder 2">
             <a:extLst>
               <a:ext uri="{FF2B5EF4-FFF2-40B4-BE49-F238E27FC236}">
-                <a16:creationId xmlns:a16="http://schemas.microsoft.com/office/drawing/2014/main" id="{5B8E7E84-BFC2-4DDB-B631-E0A5864C0A2C}"/>
+                <a16:creationId xmlns:a16="http://schemas.microsoft.com/office/drawing/2014/main" id="{330C8428-34EE-40B8-BFAF-DAAB7EFEB228}"/>
               </a:ext>
             </a:extLst>
           </p:cNvPr>
@@ -6837,19 +7244,92 @@
             <p:ph idx="1"/>
           </p:nvPr>
         </p:nvSpPr>
-        <p:spPr/>
-        <p:txBody>
-          <a:bodyPr/>
-          <a:lstStyle/>
-          <a:p>
-            <a:endParaRPr lang="en-US"/>
-          </a:p>
-        </p:txBody>
-      </p:sp>
+        <p:spPr>
+          <a:xfrm>
+            <a:off x="3598718" y="1426547"/>
+            <a:ext cx="2753900" cy="703635"/>
+          </a:xfrm>
+        </p:spPr>
+        <p:txBody>
+          <a:bodyPr>
+            <a:noAutofit/>
+          </a:bodyPr>
+          <a:lstStyle/>
+          <a:p>
+            <a:pPr marL="0" indent="0">
+              <a:buNone/>
+            </a:pPr>
+            <a:r>
+              <a:rPr lang="en-US" sz="3600" dirty="0"/>
+              <a:t>Verification</a:t>
+            </a:r>
+          </a:p>
+        </p:txBody>
+      </p:sp>
+      <p:pic>
+        <p:nvPicPr>
+          <p:cNvPr id="5" name="Picture 4">
+            <a:extLst>
+              <a:ext uri="{FF2B5EF4-FFF2-40B4-BE49-F238E27FC236}">
+                <a16:creationId xmlns:a16="http://schemas.microsoft.com/office/drawing/2014/main" id="{565129A7-F4B3-447F-868C-8B342A05E293}"/>
+              </a:ext>
+            </a:extLst>
+          </p:cNvPr>
+          <p:cNvPicPr>
+            <a:picLocks noChangeAspect="1"/>
+          </p:cNvPicPr>
+          <p:nvPr/>
+        </p:nvPicPr>
+        <p:blipFill>
+          <a:blip r:embed="rId2"/>
+          <a:stretch>
+            <a:fillRect/>
+          </a:stretch>
+        </p:blipFill>
+        <p:spPr>
+          <a:xfrm>
+            <a:off x="485192" y="2379638"/>
+            <a:ext cx="9274002" cy="2098723"/>
+          </a:xfrm>
+          <a:prstGeom prst="rect">
+            <a:avLst/>
+          </a:prstGeom>
+        </p:spPr>
+      </p:pic>
+      <p:pic>
+        <p:nvPicPr>
+          <p:cNvPr id="7" name="Picture 6">
+            <a:extLst>
+              <a:ext uri="{FF2B5EF4-FFF2-40B4-BE49-F238E27FC236}">
+                <a16:creationId xmlns:a16="http://schemas.microsoft.com/office/drawing/2014/main" id="{20D78053-8238-474C-9E8A-DAFEA2A3E57E}"/>
+              </a:ext>
+            </a:extLst>
+          </p:cNvPr>
+          <p:cNvPicPr>
+            <a:picLocks noChangeAspect="1"/>
+          </p:cNvPicPr>
+          <p:nvPr/>
+        </p:nvPicPr>
+        <p:blipFill>
+          <a:blip r:embed="rId3"/>
+          <a:stretch>
+            <a:fillRect/>
+          </a:stretch>
+        </p:blipFill>
+        <p:spPr>
+          <a:xfrm>
+            <a:off x="4080318" y="4633166"/>
+            <a:ext cx="1790700" cy="1933575"/>
+          </a:xfrm>
+          <a:prstGeom prst="rect">
+            <a:avLst/>
+          </a:prstGeom>
+        </p:spPr>
+      </p:pic>
     </p:spTree>
     <p:extLst>
       <p:ext uri="{BB962C8B-B14F-4D97-AF65-F5344CB8AC3E}">
-        <p14:creationId xmlns:p14="http://schemas.microsoft.com/office/powerpoint/2010/main" val="4211904472"/>
+        <p14:creationId xmlns:p14="http://schemas.microsoft.com/office/powerpoint/2010/main" val="891826986"/>
       </p:ext>
     </p:extLst>
   </p:cSld>
@@ -6881,7 +7361,7 @@
           <p:cNvPr id="2" name="Title 1">
             <a:extLst>
               <a:ext uri="{FF2B5EF4-FFF2-40B4-BE49-F238E27FC236}">
-                <a16:creationId xmlns:a16="http://schemas.microsoft.com/office/drawing/2014/main" id="{99172343-CBFD-4DA1-8240-173467B0E5D1}"/>
+                <a16:creationId xmlns:a16="http://schemas.microsoft.com/office/drawing/2014/main" id="{D99928D2-3943-4923-B91D-2B64861710A0}"/>
               </a:ext>
             </a:extLst>
           </p:cNvPr>
@@ -6899,7 +7379,7 @@
           <a:p>
             <a:r>
               <a:rPr lang="en-US" dirty="0"/>
-              <a:t>How big of budget do I need?</a:t>
+              <a:t>What can of things can the Overlords do?</a:t>
             </a:r>
           </a:p>
         </p:txBody>
@@ -6909,7 +7389,7 @@
           <p:cNvPr id="3" name="Content Placeholder 2">
             <a:extLst>
               <a:ext uri="{FF2B5EF4-FFF2-40B4-BE49-F238E27FC236}">
-                <a16:creationId xmlns:a16="http://schemas.microsoft.com/office/drawing/2014/main" id="{46CD42C3-9D1A-46EB-991D-0C75907316B1}"/>
+                <a16:creationId xmlns:a16="http://schemas.microsoft.com/office/drawing/2014/main" id="{330C8428-34EE-40B8-BFAF-DAAB7EFEB228}"/>
               </a:ext>
             </a:extLst>
           </p:cNvPr>
@@ -6920,34 +7400,62 @@
             <p:ph idx="1"/>
           </p:nvPr>
         </p:nvSpPr>
-        <p:spPr/>
-        <p:txBody>
-          <a:bodyPr/>
-          <a:lstStyle/>
-          <a:p>
-            <a:r>
-              <a:rPr lang="en-US" dirty="0"/>
-              <a:t>Go over costs to recognize</a:t>
-            </a:r>
-          </a:p>
-          <a:p>
-            <a:r>
-              <a:rPr lang="en-US" dirty="0"/>
-              <a:t>The storage space</a:t>
-            </a:r>
-          </a:p>
-          <a:p>
-            <a:r>
-              <a:rPr lang="en-US" dirty="0"/>
-              <a:t>And 10,000 people in a group, 1000000 photos.</a:t>
-            </a:r>
-          </a:p>
-        </p:txBody>
-      </p:sp>
+        <p:spPr>
+          <a:xfrm>
+            <a:off x="3629866" y="1285155"/>
+            <a:ext cx="2691604" cy="732725"/>
+          </a:xfrm>
+        </p:spPr>
+        <p:txBody>
+          <a:bodyPr>
+            <a:noAutofit/>
+          </a:bodyPr>
+          <a:lstStyle/>
+          <a:p>
+            <a:pPr marL="0" indent="0">
+              <a:buNone/>
+            </a:pPr>
+            <a:r>
+              <a:rPr lang="en-US" sz="3600" dirty="0"/>
+              <a:t>Recognition</a:t>
+            </a:r>
+          </a:p>
+        </p:txBody>
+      </p:sp>
+      <p:pic>
+        <p:nvPicPr>
+          <p:cNvPr id="5" name="Picture 4">
+            <a:extLst>
+              <a:ext uri="{FF2B5EF4-FFF2-40B4-BE49-F238E27FC236}">
+                <a16:creationId xmlns:a16="http://schemas.microsoft.com/office/drawing/2014/main" id="{25892C94-1E22-4D2E-AAB5-7A11811D5C94}"/>
+              </a:ext>
+            </a:extLst>
+          </p:cNvPr>
+          <p:cNvPicPr>
+            <a:picLocks noChangeAspect="1"/>
+          </p:cNvPicPr>
+          <p:nvPr/>
+        </p:nvPicPr>
+        <p:blipFill>
+          <a:blip r:embed="rId2"/>
+          <a:stretch>
+            <a:fillRect/>
+          </a:stretch>
+        </p:blipFill>
+        <p:spPr>
+          <a:xfrm>
+            <a:off x="2272988" y="1932868"/>
+            <a:ext cx="5405360" cy="4925132"/>
+          </a:xfrm>
+          <a:prstGeom prst="rect">
+            <a:avLst/>
+          </a:prstGeom>
+        </p:spPr>
+      </p:pic>
     </p:spTree>
     <p:extLst>
       <p:ext uri="{BB962C8B-B14F-4D97-AF65-F5344CB8AC3E}">
-        <p14:creationId xmlns:p14="http://schemas.microsoft.com/office/powerpoint/2010/main" val="2731125121"/>
+        <p14:creationId xmlns:p14="http://schemas.microsoft.com/office/powerpoint/2010/main" val="1834772668"/>
       </p:ext>
     </p:extLst>
   </p:cSld>
@@ -6979,7 +7487,7 @@
           <p:cNvPr id="2" name="Title 1">
             <a:extLst>
               <a:ext uri="{FF2B5EF4-FFF2-40B4-BE49-F238E27FC236}">
-                <a16:creationId xmlns:a16="http://schemas.microsoft.com/office/drawing/2014/main" id="{F4404C3F-FE5D-4E7D-ABD4-165D7238D802}"/>
+                <a16:creationId xmlns:a16="http://schemas.microsoft.com/office/drawing/2014/main" id="{169051D7-593E-4754-9C3B-844451951B58}"/>
               </a:ext>
             </a:extLst>
           </p:cNvPr>
@@ -6990,59 +7498,57 @@
             <p:ph type="title"/>
           </p:nvPr>
         </p:nvSpPr>
-        <p:spPr/>
+        <p:spPr>
+          <a:xfrm>
+            <a:off x="354562" y="495376"/>
+            <a:ext cx="8596668" cy="1320800"/>
+          </a:xfrm>
+        </p:spPr>
         <p:txBody>
           <a:bodyPr/>
           <a:lstStyle/>
           <a:p>
             <a:r>
               <a:rPr lang="en-US" dirty="0"/>
-              <a:t>You sold me, so how to get started!</a:t>
-            </a:r>
-          </a:p>
-        </p:txBody>
-      </p:sp>
-      <p:sp>
-        <p:nvSpPr>
-          <p:cNvPr id="3" name="Content Placeholder 2">
+              <a:t>What really are they tracking?</a:t>
+            </a:r>
+          </a:p>
+        </p:txBody>
+      </p:sp>
+      <p:pic>
+        <p:nvPicPr>
+          <p:cNvPr id="7" name="Picture 6">
             <a:extLst>
               <a:ext uri="{FF2B5EF4-FFF2-40B4-BE49-F238E27FC236}">
-                <a16:creationId xmlns:a16="http://schemas.microsoft.com/office/drawing/2014/main" id="{5749BDC7-1332-4143-9AF8-D0C420ADC9AD}"/>
+                <a16:creationId xmlns:a16="http://schemas.microsoft.com/office/drawing/2014/main" id="{C9B2DAFB-911A-4CCE-A7F1-0AC2707E1F78}"/>
               </a:ext>
             </a:extLst>
           </p:cNvPr>
-          <p:cNvSpPr>
-            <a:spLocks noGrp="1"/>
-          </p:cNvSpPr>
-          <p:nvPr>
-            <p:ph idx="1"/>
-          </p:nvPr>
-        </p:nvSpPr>
-        <p:spPr/>
-        <p:txBody>
-          <a:bodyPr/>
-          <a:lstStyle/>
-          <a:p>
-            <a:r>
-              <a:rPr lang="en-US" dirty="0"/>
-              <a:t>Azure</a:t>
-            </a:r>
-          </a:p>
-          <a:p>
-            <a:r>
-              <a:rPr lang="en-US" dirty="0"/>
-              <a:t>Then follow through the steps on the detect and recognize….</a:t>
-            </a:r>
-          </a:p>
-          <a:p>
-            <a:endParaRPr lang="en-US" dirty="0"/>
-          </a:p>
-        </p:txBody>
-      </p:sp>
+          <p:cNvPicPr>
+            <a:picLocks noChangeAspect="1"/>
+          </p:cNvPicPr>
+          <p:nvPr/>
+        </p:nvPicPr>
+        <p:blipFill>
+          <a:blip r:embed="rId2"/>
+          <a:stretch>
+            <a:fillRect/>
+          </a:stretch>
+        </p:blipFill>
+        <p:spPr>
+          <a:xfrm>
+            <a:off x="354562" y="1155776"/>
+            <a:ext cx="8596667" cy="5702224"/>
+          </a:xfrm>
+          <a:prstGeom prst="rect">
+            <a:avLst/>
+          </a:prstGeom>
+        </p:spPr>
+      </p:pic>
     </p:spTree>
     <p:extLst>
       <p:ext uri="{BB962C8B-B14F-4D97-AF65-F5344CB8AC3E}">
-        <p14:creationId xmlns:p14="http://schemas.microsoft.com/office/powerpoint/2010/main" val="3422128026"/>
+        <p14:creationId xmlns:p14="http://schemas.microsoft.com/office/powerpoint/2010/main" val="840592331"/>
       </p:ext>
     </p:extLst>
   </p:cSld>
@@ -7074,7 +7580,7 @@
           <p:cNvPr id="2" name="Title 1">
             <a:extLst>
               <a:ext uri="{FF2B5EF4-FFF2-40B4-BE49-F238E27FC236}">
-                <a16:creationId xmlns:a16="http://schemas.microsoft.com/office/drawing/2014/main" id="{996EF56D-7AE3-495F-B423-0646A6864B3B}"/>
+                <a16:creationId xmlns:a16="http://schemas.microsoft.com/office/drawing/2014/main" id="{EBBB8782-3F3D-47EE-849B-408F0CC020F7}"/>
               </a:ext>
             </a:extLst>
           </p:cNvPr>
@@ -7092,40 +7598,45 @@
           <a:p>
             <a:r>
               <a:rPr lang="en-US" dirty="0"/>
-              <a:t>Demos!!!!!!!</a:t>
-            </a:r>
-          </a:p>
-        </p:txBody>
-      </p:sp>
-      <p:sp>
-        <p:nvSpPr>
-          <p:cNvPr id="3" name="Content Placeholder 2">
+              <a:t>What types of info can they detect</a:t>
+            </a:r>
+          </a:p>
+        </p:txBody>
+      </p:sp>
+      <p:pic>
+        <p:nvPicPr>
+          <p:cNvPr id="6" name="Picture 5">
             <a:extLst>
               <a:ext uri="{FF2B5EF4-FFF2-40B4-BE49-F238E27FC236}">
-                <a16:creationId xmlns:a16="http://schemas.microsoft.com/office/drawing/2014/main" id="{571BA0E3-97E8-4BEC-9ECC-0C9AC85A3E74}"/>
+                <a16:creationId xmlns:a16="http://schemas.microsoft.com/office/drawing/2014/main" id="{2E261715-0500-48D2-8A73-CA915C6EE466}"/>
               </a:ext>
             </a:extLst>
           </p:cNvPr>
-          <p:cNvSpPr>
-            <a:spLocks noGrp="1"/>
-          </p:cNvSpPr>
-          <p:nvPr>
-            <p:ph idx="1"/>
-          </p:nvPr>
-        </p:nvSpPr>
-        <p:spPr/>
-        <p:txBody>
-          <a:bodyPr/>
-          <a:lstStyle/>
-          <a:p>
-            <a:endParaRPr lang="en-US"/>
-          </a:p>
-        </p:txBody>
-      </p:sp>
+          <p:cNvPicPr>
+            <a:picLocks noChangeAspect="1"/>
+          </p:cNvPicPr>
+          <p:nvPr/>
+        </p:nvPicPr>
+        <p:blipFill>
+          <a:blip r:embed="rId2"/>
+          <a:stretch>
+            <a:fillRect/>
+          </a:stretch>
+        </p:blipFill>
+        <p:spPr>
+          <a:xfrm>
+            <a:off x="1454797" y="1270000"/>
+            <a:ext cx="6177643" cy="5785600"/>
+          </a:xfrm>
+          <a:prstGeom prst="rect">
+            <a:avLst/>
+          </a:prstGeom>
+        </p:spPr>
+      </p:pic>
     </p:spTree>
     <p:extLst>
       <p:ext uri="{BB962C8B-B14F-4D97-AF65-F5344CB8AC3E}">
-        <p14:creationId xmlns:p14="http://schemas.microsoft.com/office/powerpoint/2010/main" val="2096994649"/>
+        <p14:creationId xmlns:p14="http://schemas.microsoft.com/office/powerpoint/2010/main" val="4211904472"/>
       </p:ext>
     </p:extLst>
   </p:cSld>

--- a/roltv.pptx
+++ b/roltv.pptx
@@ -3,23 +3,29 @@
 <p:presentation xmlns:a="http://schemas.openxmlformats.org/drawingml/2006/main" xmlns:r="http://schemas.openxmlformats.org/officeDocument/2006/relationships" xmlns:p="http://schemas.openxmlformats.org/presentationml/2006/main" autoCompressPictures="0">
   <p:sldMasterIdLst>
     <p:sldMasterId id="2147483648" r:id="rId1"/>
+    <p:sldMasterId id="2147483670" r:id="rId2"/>
   </p:sldMasterIdLst>
+  <p:notesMasterIdLst>
+    <p:notesMasterId r:id="rId20"/>
+  </p:notesMasterIdLst>
   <p:sldIdLst>
-    <p:sldId id="256" r:id="rId2"/>
-    <p:sldId id="257" r:id="rId3"/>
-    <p:sldId id="258" r:id="rId4"/>
-    <p:sldId id="268" r:id="rId5"/>
-    <p:sldId id="259" r:id="rId6"/>
-    <p:sldId id="270" r:id="rId7"/>
-    <p:sldId id="271" r:id="rId8"/>
-    <p:sldId id="260" r:id="rId9"/>
-    <p:sldId id="262" r:id="rId10"/>
-    <p:sldId id="263" r:id="rId11"/>
-    <p:sldId id="264" r:id="rId12"/>
-    <p:sldId id="265" r:id="rId13"/>
+    <p:sldId id="256" r:id="rId3"/>
+    <p:sldId id="272" r:id="rId4"/>
+    <p:sldId id="257" r:id="rId5"/>
+    <p:sldId id="258" r:id="rId6"/>
+    <p:sldId id="268" r:id="rId7"/>
+    <p:sldId id="259" r:id="rId8"/>
+    <p:sldId id="270" r:id="rId9"/>
+    <p:sldId id="271" r:id="rId10"/>
+    <p:sldId id="260" r:id="rId11"/>
+    <p:sldId id="262" r:id="rId12"/>
+    <p:sldId id="263" r:id="rId13"/>
     <p:sldId id="266" r:id="rId14"/>
-    <p:sldId id="267" r:id="rId15"/>
-    <p:sldId id="261" r:id="rId16"/>
+    <p:sldId id="264" r:id="rId15"/>
+    <p:sldId id="265" r:id="rId16"/>
+    <p:sldId id="267" r:id="rId17"/>
+    <p:sldId id="261" r:id="rId18"/>
+    <p:sldId id="315" r:id="rId19"/>
   </p:sldIdLst>
   <p:sldSz cx="12192000" cy="6858000"/>
   <p:notesSz cx="6858000" cy="9144000"/>
@@ -124,6 +130,7 @@
         <p14:section name="Default Section" id="{9656BFAE-CF77-4626-A5DB-0268D8CA4B6D}">
           <p14:sldIdLst>
             <p14:sldId id="256"/>
+            <p14:sldId id="272"/>
             <p14:sldId id="257"/>
             <p14:sldId id="258"/>
             <p14:sldId id="268"/>
@@ -133,11 +140,12 @@
             <p14:sldId id="260"/>
             <p14:sldId id="262"/>
             <p14:sldId id="263"/>
+            <p14:sldId id="266"/>
             <p14:sldId id="264"/>
             <p14:sldId id="265"/>
-            <p14:sldId id="266"/>
             <p14:sldId id="267"/>
             <p14:sldId id="261"/>
+            <p14:sldId id="315"/>
           </p14:sldIdLst>
         </p14:section>
         <p14:section name="Untitled Section" id="{2BD9F81C-65AB-40EE-AB28-1EE032A420F0}">
@@ -238,6 +246,984 @@
     </p:extLst>
   </p:cm>
 </p:cmLst>
+</file>
+
+<file path=ppt/notesMasters/notesMaster1.xml><?xml version="1.0" encoding="utf-8"?>
+<p:notesMaster xmlns:a="http://schemas.openxmlformats.org/drawingml/2006/main" xmlns:r="http://schemas.openxmlformats.org/officeDocument/2006/relationships" xmlns:p="http://schemas.openxmlformats.org/presentationml/2006/main">
+  <p:cSld>
+    <p:bg>
+      <p:bgRef idx="1001">
+        <a:schemeClr val="bg1"/>
+      </p:bgRef>
+    </p:bg>
+    <p:spTree>
+      <p:nvGrpSpPr>
+        <p:cNvPr id="1" name=""/>
+        <p:cNvGrpSpPr/>
+        <p:nvPr/>
+      </p:nvGrpSpPr>
+      <p:grpSpPr>
+        <a:xfrm>
+          <a:off x="0" y="0"/>
+          <a:ext cx="0" cy="0"/>
+          <a:chOff x="0" y="0"/>
+          <a:chExt cx="0" cy="0"/>
+        </a:xfrm>
+      </p:grpSpPr>
+      <p:sp>
+        <p:nvSpPr>
+          <p:cNvPr id="2" name="Header Placeholder 1"/>
+          <p:cNvSpPr>
+            <a:spLocks noGrp="1"/>
+          </p:cNvSpPr>
+          <p:nvPr>
+            <p:ph type="hdr" sz="quarter"/>
+          </p:nvPr>
+        </p:nvSpPr>
+        <p:spPr>
+          <a:xfrm>
+            <a:off x="0" y="0"/>
+            <a:ext cx="2971800" cy="458788"/>
+          </a:xfrm>
+          <a:prstGeom prst="rect">
+            <a:avLst/>
+          </a:prstGeom>
+        </p:spPr>
+        <p:txBody>
+          <a:bodyPr vert="horz" lIns="91440" tIns="45720" rIns="91440" bIns="45720" rtlCol="0"/>
+          <a:lstStyle>
+            <a:lvl1pPr algn="l">
+              <a:defRPr sz="1200"/>
+            </a:lvl1pPr>
+          </a:lstStyle>
+          <a:p>
+            <a:endParaRPr lang="en-US"/>
+          </a:p>
+        </p:txBody>
+      </p:sp>
+      <p:sp>
+        <p:nvSpPr>
+          <p:cNvPr id="3" name="Date Placeholder 2"/>
+          <p:cNvSpPr>
+            <a:spLocks noGrp="1"/>
+          </p:cNvSpPr>
+          <p:nvPr>
+            <p:ph type="dt" idx="1"/>
+          </p:nvPr>
+        </p:nvSpPr>
+        <p:spPr>
+          <a:xfrm>
+            <a:off x="3884613" y="0"/>
+            <a:ext cx="2971800" cy="458788"/>
+          </a:xfrm>
+          <a:prstGeom prst="rect">
+            <a:avLst/>
+          </a:prstGeom>
+        </p:spPr>
+        <p:txBody>
+          <a:bodyPr vert="horz" lIns="91440" tIns="45720" rIns="91440" bIns="45720" rtlCol="0"/>
+          <a:lstStyle>
+            <a:lvl1pPr algn="r">
+              <a:defRPr sz="1200"/>
+            </a:lvl1pPr>
+          </a:lstStyle>
+          <a:p>
+            <a:fld id="{9071C137-3F29-4C4C-A975-C862D6707600}" type="datetimeFigureOut">
+              <a:rPr lang="en-US" smtClean="0"/>
+              <a:t>7/20/18</a:t>
+            </a:fld>
+            <a:endParaRPr lang="en-US"/>
+          </a:p>
+        </p:txBody>
+      </p:sp>
+      <p:sp>
+        <p:nvSpPr>
+          <p:cNvPr id="4" name="Slide Image Placeholder 3"/>
+          <p:cNvSpPr>
+            <a:spLocks noGrp="1" noRot="1" noChangeAspect="1"/>
+          </p:cNvSpPr>
+          <p:nvPr>
+            <p:ph type="sldImg" idx="2"/>
+          </p:nvPr>
+        </p:nvSpPr>
+        <p:spPr>
+          <a:xfrm>
+            <a:off x="685800" y="1143000"/>
+            <a:ext cx="5486400" cy="3086100"/>
+          </a:xfrm>
+          <a:prstGeom prst="rect">
+            <a:avLst/>
+          </a:prstGeom>
+          <a:noFill/>
+          <a:ln w="12700">
+            <a:solidFill>
+              <a:prstClr val="black"/>
+            </a:solidFill>
+          </a:ln>
+        </p:spPr>
+        <p:txBody>
+          <a:bodyPr vert="horz" lIns="91440" tIns="45720" rIns="91440" bIns="45720" rtlCol="0" anchor="ctr"/>
+          <a:lstStyle/>
+          <a:p>
+            <a:endParaRPr lang="en-US"/>
+          </a:p>
+        </p:txBody>
+      </p:sp>
+      <p:sp>
+        <p:nvSpPr>
+          <p:cNvPr id="5" name="Notes Placeholder 4"/>
+          <p:cNvSpPr>
+            <a:spLocks noGrp="1"/>
+          </p:cNvSpPr>
+          <p:nvPr>
+            <p:ph type="body" sz="quarter" idx="3"/>
+          </p:nvPr>
+        </p:nvSpPr>
+        <p:spPr>
+          <a:xfrm>
+            <a:off x="685800" y="4400550"/>
+            <a:ext cx="5486400" cy="3600450"/>
+          </a:xfrm>
+          <a:prstGeom prst="rect">
+            <a:avLst/>
+          </a:prstGeom>
+        </p:spPr>
+        <p:txBody>
+          <a:bodyPr vert="horz" lIns="91440" tIns="45720" rIns="91440" bIns="45720" rtlCol="0"/>
+          <a:lstStyle/>
+          <a:p>
+            <a:pPr lvl="0"/>
+            <a:r>
+              <a:rPr lang="en-US"/>
+              <a:t>Edit Master text styles</a:t>
+            </a:r>
+          </a:p>
+          <a:p>
+            <a:pPr lvl="1"/>
+            <a:r>
+              <a:rPr lang="en-US"/>
+              <a:t>Second level</a:t>
+            </a:r>
+          </a:p>
+          <a:p>
+            <a:pPr lvl="2"/>
+            <a:r>
+              <a:rPr lang="en-US"/>
+              <a:t>Third level</a:t>
+            </a:r>
+          </a:p>
+          <a:p>
+            <a:pPr lvl="3"/>
+            <a:r>
+              <a:rPr lang="en-US"/>
+              <a:t>Fourth level</a:t>
+            </a:r>
+          </a:p>
+          <a:p>
+            <a:pPr lvl="4"/>
+            <a:r>
+              <a:rPr lang="en-US"/>
+              <a:t>Fifth level</a:t>
+            </a:r>
+          </a:p>
+        </p:txBody>
+      </p:sp>
+      <p:sp>
+        <p:nvSpPr>
+          <p:cNvPr id="6" name="Footer Placeholder 5"/>
+          <p:cNvSpPr>
+            <a:spLocks noGrp="1"/>
+          </p:cNvSpPr>
+          <p:nvPr>
+            <p:ph type="ftr" sz="quarter" idx="4"/>
+          </p:nvPr>
+        </p:nvSpPr>
+        <p:spPr>
+          <a:xfrm>
+            <a:off x="0" y="8685213"/>
+            <a:ext cx="2971800" cy="458787"/>
+          </a:xfrm>
+          <a:prstGeom prst="rect">
+            <a:avLst/>
+          </a:prstGeom>
+        </p:spPr>
+        <p:txBody>
+          <a:bodyPr vert="horz" lIns="91440" tIns="45720" rIns="91440" bIns="45720" rtlCol="0" anchor="b"/>
+          <a:lstStyle>
+            <a:lvl1pPr algn="l">
+              <a:defRPr sz="1200"/>
+            </a:lvl1pPr>
+          </a:lstStyle>
+          <a:p>
+            <a:endParaRPr lang="en-US"/>
+          </a:p>
+        </p:txBody>
+      </p:sp>
+      <p:sp>
+        <p:nvSpPr>
+          <p:cNvPr id="7" name="Slide Number Placeholder 6"/>
+          <p:cNvSpPr>
+            <a:spLocks noGrp="1"/>
+          </p:cNvSpPr>
+          <p:nvPr>
+            <p:ph type="sldNum" sz="quarter" idx="5"/>
+          </p:nvPr>
+        </p:nvSpPr>
+        <p:spPr>
+          <a:xfrm>
+            <a:off x="3884613" y="8685213"/>
+            <a:ext cx="2971800" cy="458787"/>
+          </a:xfrm>
+          <a:prstGeom prst="rect">
+            <a:avLst/>
+          </a:prstGeom>
+        </p:spPr>
+        <p:txBody>
+          <a:bodyPr vert="horz" lIns="91440" tIns="45720" rIns="91440" bIns="45720" rtlCol="0" anchor="b"/>
+          <a:lstStyle>
+            <a:lvl1pPr algn="r">
+              <a:defRPr sz="1200"/>
+            </a:lvl1pPr>
+          </a:lstStyle>
+          <a:p>
+            <a:fld id="{AE503B3D-AD2A-4F57-8801-57B43542B0E3}" type="slidenum">
+              <a:rPr lang="en-US" smtClean="0"/>
+              <a:t>‹#›</a:t>
+            </a:fld>
+            <a:endParaRPr lang="en-US"/>
+          </a:p>
+        </p:txBody>
+      </p:sp>
+    </p:spTree>
+    <p:extLst>
+      <p:ext uri="{BB962C8B-B14F-4D97-AF65-F5344CB8AC3E}">
+        <p14:creationId xmlns:p14="http://schemas.microsoft.com/office/powerpoint/2010/main" val="134909258"/>
+      </p:ext>
+    </p:extLst>
+  </p:cSld>
+  <p:clrMap bg1="lt1" tx1="dk1" bg2="lt2" tx2="dk2" accent1="accent1" accent2="accent2" accent3="accent3" accent4="accent4" accent5="accent5" accent6="accent6" hlink="hlink" folHlink="folHlink"/>
+  <p:notesStyle>
+    <a:lvl1pPr marL="0" algn="l" defTabSz="914400" rtl="0" eaLnBrk="1" latinLnBrk="0" hangingPunct="1">
+      <a:defRPr sz="1200" kern="1200">
+        <a:solidFill>
+          <a:schemeClr val="tx1"/>
+        </a:solidFill>
+        <a:latin typeface="+mn-lt"/>
+        <a:ea typeface="+mn-ea"/>
+        <a:cs typeface="+mn-cs"/>
+      </a:defRPr>
+    </a:lvl1pPr>
+    <a:lvl2pPr marL="457200" algn="l" defTabSz="914400" rtl="0" eaLnBrk="1" latinLnBrk="0" hangingPunct="1">
+      <a:defRPr sz="1200" kern="1200">
+        <a:solidFill>
+          <a:schemeClr val="tx1"/>
+        </a:solidFill>
+        <a:latin typeface="+mn-lt"/>
+        <a:ea typeface="+mn-ea"/>
+        <a:cs typeface="+mn-cs"/>
+      </a:defRPr>
+    </a:lvl2pPr>
+    <a:lvl3pPr marL="914400" algn="l" defTabSz="914400" rtl="0" eaLnBrk="1" latinLnBrk="0" hangingPunct="1">
+      <a:defRPr sz="1200" kern="1200">
+        <a:solidFill>
+          <a:schemeClr val="tx1"/>
+        </a:solidFill>
+        <a:latin typeface="+mn-lt"/>
+        <a:ea typeface="+mn-ea"/>
+        <a:cs typeface="+mn-cs"/>
+      </a:defRPr>
+    </a:lvl3pPr>
+    <a:lvl4pPr marL="1371600" algn="l" defTabSz="914400" rtl="0" eaLnBrk="1" latinLnBrk="0" hangingPunct="1">
+      <a:defRPr sz="1200" kern="1200">
+        <a:solidFill>
+          <a:schemeClr val="tx1"/>
+        </a:solidFill>
+        <a:latin typeface="+mn-lt"/>
+        <a:ea typeface="+mn-ea"/>
+        <a:cs typeface="+mn-cs"/>
+      </a:defRPr>
+    </a:lvl4pPr>
+    <a:lvl5pPr marL="1828800" algn="l" defTabSz="914400" rtl="0" eaLnBrk="1" latinLnBrk="0" hangingPunct="1">
+      <a:defRPr sz="1200" kern="1200">
+        <a:solidFill>
+          <a:schemeClr val="tx1"/>
+        </a:solidFill>
+        <a:latin typeface="+mn-lt"/>
+        <a:ea typeface="+mn-ea"/>
+        <a:cs typeface="+mn-cs"/>
+      </a:defRPr>
+    </a:lvl5pPr>
+    <a:lvl6pPr marL="2286000" algn="l" defTabSz="914400" rtl="0" eaLnBrk="1" latinLnBrk="0" hangingPunct="1">
+      <a:defRPr sz="1200" kern="1200">
+        <a:solidFill>
+          <a:schemeClr val="tx1"/>
+        </a:solidFill>
+        <a:latin typeface="+mn-lt"/>
+        <a:ea typeface="+mn-ea"/>
+        <a:cs typeface="+mn-cs"/>
+      </a:defRPr>
+    </a:lvl6pPr>
+    <a:lvl7pPr marL="2743200" algn="l" defTabSz="914400" rtl="0" eaLnBrk="1" latinLnBrk="0" hangingPunct="1">
+      <a:defRPr sz="1200" kern="1200">
+        <a:solidFill>
+          <a:schemeClr val="tx1"/>
+        </a:solidFill>
+        <a:latin typeface="+mn-lt"/>
+        <a:ea typeface="+mn-ea"/>
+        <a:cs typeface="+mn-cs"/>
+      </a:defRPr>
+    </a:lvl7pPr>
+    <a:lvl8pPr marL="3200400" algn="l" defTabSz="914400" rtl="0" eaLnBrk="1" latinLnBrk="0" hangingPunct="1">
+      <a:defRPr sz="1200" kern="1200">
+        <a:solidFill>
+          <a:schemeClr val="tx1"/>
+        </a:solidFill>
+        <a:latin typeface="+mn-lt"/>
+        <a:ea typeface="+mn-ea"/>
+        <a:cs typeface="+mn-cs"/>
+      </a:defRPr>
+    </a:lvl8pPr>
+    <a:lvl9pPr marL="3657600" algn="l" defTabSz="914400" rtl="0" eaLnBrk="1" latinLnBrk="0" hangingPunct="1">
+      <a:defRPr sz="1200" kern="1200">
+        <a:solidFill>
+          <a:schemeClr val="tx1"/>
+        </a:solidFill>
+        <a:latin typeface="+mn-lt"/>
+        <a:ea typeface="+mn-ea"/>
+        <a:cs typeface="+mn-cs"/>
+      </a:defRPr>
+    </a:lvl9pPr>
+  </p:notesStyle>
+</p:notesMaster>
+</file>
+
+<file path=ppt/notesSlides/notesSlide1.xml><?xml version="1.0" encoding="utf-8"?>
+<p:notes xmlns:a="http://schemas.openxmlformats.org/drawingml/2006/main" xmlns:r="http://schemas.openxmlformats.org/officeDocument/2006/relationships" xmlns:p="http://schemas.openxmlformats.org/presentationml/2006/main">
+  <p:cSld>
+    <p:spTree>
+      <p:nvGrpSpPr>
+        <p:cNvPr id="1" name=""/>
+        <p:cNvGrpSpPr/>
+        <p:nvPr/>
+      </p:nvGrpSpPr>
+      <p:grpSpPr>
+        <a:xfrm>
+          <a:off x="0" y="0"/>
+          <a:ext cx="0" cy="0"/>
+          <a:chOff x="0" y="0"/>
+          <a:chExt cx="0" cy="0"/>
+        </a:xfrm>
+      </p:grpSpPr>
+      <p:sp>
+        <p:nvSpPr>
+          <p:cNvPr id="2" name="Slide Image Placeholder 1"/>
+          <p:cNvSpPr>
+            <a:spLocks noGrp="1" noRot="1" noChangeAspect="1"/>
+          </p:cNvSpPr>
+          <p:nvPr>
+            <p:ph type="sldImg"/>
+          </p:nvPr>
+        </p:nvSpPr>
+        <p:spPr/>
+      </p:sp>
+      <p:sp>
+        <p:nvSpPr>
+          <p:cNvPr id="3" name="Notes Placeholder 2"/>
+          <p:cNvSpPr>
+            <a:spLocks noGrp="1"/>
+          </p:cNvSpPr>
+          <p:nvPr>
+            <p:ph type="body" idx="1"/>
+          </p:nvPr>
+        </p:nvSpPr>
+        <p:spPr/>
+        <p:txBody>
+          <a:bodyPr>
+            <a:normAutofit/>
+          </a:bodyPr>
+          <a:lstStyle/>
+          <a:p>
+            <a:endParaRPr lang="en-US" dirty="0"/>
+          </a:p>
+        </p:txBody>
+      </p:sp>
+      <p:sp>
+        <p:nvSpPr>
+          <p:cNvPr id="4" name="Header Placeholder 3"/>
+          <p:cNvSpPr>
+            <a:spLocks noGrp="1"/>
+          </p:cNvSpPr>
+          <p:nvPr>
+            <p:ph type="hdr" sz="quarter" idx="10"/>
+          </p:nvPr>
+        </p:nvSpPr>
+        <p:spPr/>
+        <p:txBody>
+          <a:bodyPr/>
+          <a:lstStyle/>
+          <a:p>
+            <a:r>
+              <a:rPr lang="en-US" dirty="0"/>
+              <a:t>TechReady11</a:t>
+            </a:r>
+          </a:p>
+        </p:txBody>
+      </p:sp>
+      <p:sp>
+        <p:nvSpPr>
+          <p:cNvPr id="5" name="Date Placeholder 4"/>
+          <p:cNvSpPr>
+            <a:spLocks noGrp="1"/>
+          </p:cNvSpPr>
+          <p:nvPr>
+            <p:ph type="dt" idx="11"/>
+          </p:nvPr>
+        </p:nvSpPr>
+        <p:spPr/>
+        <p:txBody>
+          <a:bodyPr/>
+          <a:lstStyle/>
+          <a:p>
+            <a:fld id="{81331B57-0BE5-4F82-AA58-76F53EFF3ADA}" type="datetime8">
+              <a:rPr lang="en-US" smtClean="0"/>
+              <a:pPr/>
+              <a:t>7/20/18 8:11 AM</a:t>
+            </a:fld>
+            <a:endParaRPr lang="en-US" dirty="0"/>
+          </a:p>
+        </p:txBody>
+      </p:sp>
+      <p:sp>
+        <p:nvSpPr>
+          <p:cNvPr id="6" name="Footer Placeholder 5"/>
+          <p:cNvSpPr>
+            <a:spLocks noGrp="1"/>
+          </p:cNvSpPr>
+          <p:nvPr>
+            <p:ph type="ftr" sz="quarter" idx="12"/>
+          </p:nvPr>
+        </p:nvSpPr>
+        <p:spPr>
+          <a:xfrm>
+            <a:off x="0" y="8685213"/>
+            <a:ext cx="6172200" cy="457200"/>
+          </a:xfrm>
+        </p:spPr>
+        <p:txBody>
+          <a:bodyPr/>
+          <a:lstStyle/>
+          <a:p>
+            <a:r>
+              <a:rPr lang="en-US" sz="500" dirty="0">
+                <a:solidFill>
+                  <a:srgbClr val="000000"/>
+                </a:solidFill>
+                <a:latin typeface="Segoe UI" pitchFamily="34" charset="0"/>
+              </a:rPr>
+              <a:t>© 2010 Microsoft Corporation. All rights reserved. Microsoft, Windows, Windows Vista and other product names are or may be registered trademarks and/or trademarks in the U.S. and/or other countries.</a:t>
+            </a:r>
+          </a:p>
+          <a:p>
+            <a:r>
+              <a:rPr lang="en-US" sz="500" dirty="0">
+                <a:solidFill>
+                  <a:srgbClr val="000000"/>
+                </a:solidFill>
+                <a:latin typeface="Segoe UI" pitchFamily="34" charset="0"/>
+              </a:rPr>
+              <a:t>The information herein is for informational purposes only and represents the current view of Microsoft Corporation as of the date of this presentation.  Because Microsoft must respond to changing market conditions, it should not be interpreted to be a commitment on the part of Microsoft, and Microsoft cannot guarantee the accuracy of any information provided after the date of this presentation.  </a:t>
+            </a:r>
+            <a:br>
+              <a:rPr lang="en-US" sz="500" dirty="0">
+                <a:solidFill>
+                  <a:srgbClr val="000000"/>
+                </a:solidFill>
+                <a:latin typeface="Segoe UI" pitchFamily="34" charset="0"/>
+              </a:rPr>
+            </a:br>
+            <a:r>
+              <a:rPr lang="en-US" sz="500" dirty="0">
+                <a:solidFill>
+                  <a:srgbClr val="000000"/>
+                </a:solidFill>
+                <a:latin typeface="Segoe UI" pitchFamily="34" charset="0"/>
+              </a:rPr>
+              <a:t>MICROSOFT MAKES NO WARRANTIES, EXPRESS, IMPLIED OR STATUTORY, AS TO THE INFORMATION IN THIS PRESENTATION.</a:t>
+            </a:r>
+          </a:p>
+          <a:p>
+            <a:endParaRPr lang="en-US" sz="500" dirty="0">
+              <a:latin typeface="Segoe UI" pitchFamily="34" charset="0"/>
+            </a:endParaRPr>
+          </a:p>
+        </p:txBody>
+      </p:sp>
+      <p:sp>
+        <p:nvSpPr>
+          <p:cNvPr id="7" name="Slide Number Placeholder 6"/>
+          <p:cNvSpPr>
+            <a:spLocks noGrp="1"/>
+          </p:cNvSpPr>
+          <p:nvPr>
+            <p:ph type="sldNum" sz="quarter" idx="13"/>
+          </p:nvPr>
+        </p:nvSpPr>
+        <p:spPr>
+          <a:xfrm>
+            <a:off x="6172199" y="8685213"/>
+            <a:ext cx="684213" cy="457200"/>
+          </a:xfrm>
+        </p:spPr>
+        <p:txBody>
+          <a:bodyPr/>
+          <a:lstStyle/>
+          <a:p>
+            <a:fld id="{EC87E0CF-87F6-4B58-B8B8-DCAB2DAAF3CA}" type="slidenum">
+              <a:rPr lang="en-US" smtClean="0"/>
+              <a:pPr/>
+              <a:t>2</a:t>
+            </a:fld>
+            <a:endParaRPr lang="en-US" dirty="0"/>
+          </a:p>
+        </p:txBody>
+      </p:sp>
+    </p:spTree>
+    <p:extLst>
+      <p:ext uri="{BB962C8B-B14F-4D97-AF65-F5344CB8AC3E}">
+        <p14:creationId xmlns:p14="http://schemas.microsoft.com/office/powerpoint/2010/main" val="4080198350"/>
+      </p:ext>
+    </p:extLst>
+  </p:cSld>
+  <p:clrMapOvr>
+    <a:masterClrMapping/>
+  </p:clrMapOvr>
+</p:notes>
+</file>
+
+<file path=ppt/notesSlides/notesSlide2.xml><?xml version="1.0" encoding="utf-8"?>
+<p:notes xmlns:a="http://schemas.openxmlformats.org/drawingml/2006/main" xmlns:r="http://schemas.openxmlformats.org/officeDocument/2006/relationships" xmlns:p="http://schemas.openxmlformats.org/presentationml/2006/main">
+  <p:cSld>
+    <p:spTree>
+      <p:nvGrpSpPr>
+        <p:cNvPr id="1" name=""/>
+        <p:cNvGrpSpPr/>
+        <p:nvPr/>
+      </p:nvGrpSpPr>
+      <p:grpSpPr>
+        <a:xfrm>
+          <a:off x="0" y="0"/>
+          <a:ext cx="0" cy="0"/>
+          <a:chOff x="0" y="0"/>
+          <a:chExt cx="0" cy="0"/>
+        </a:xfrm>
+      </p:grpSpPr>
+      <p:sp>
+        <p:nvSpPr>
+          <p:cNvPr id="75777" name="Slide Image Placeholder 1"/>
+          <p:cNvSpPr>
+            <a:spLocks noGrp="1" noRot="1" noChangeAspect="1"/>
+          </p:cNvSpPr>
+          <p:nvPr>
+            <p:ph type="sldImg"/>
+          </p:nvPr>
+        </p:nvSpPr>
+        <p:spPr bwMode="auto">
+          <a:noFill/>
+          <a:ln>
+            <a:solidFill>
+              <a:srgbClr val="000000"/>
+            </a:solidFill>
+            <a:miter lim="800000"/>
+            <a:headEnd/>
+            <a:tailEnd/>
+          </a:ln>
+        </p:spPr>
+      </p:sp>
+      <p:sp>
+        <p:nvSpPr>
+          <p:cNvPr id="75778" name="Notes Placeholder 2"/>
+          <p:cNvSpPr>
+            <a:spLocks noGrp="1"/>
+          </p:cNvSpPr>
+          <p:nvPr>
+            <p:ph type="body" idx="1"/>
+          </p:nvPr>
+        </p:nvSpPr>
+        <p:spPr bwMode="auto">
+          <a:noFill/>
+        </p:spPr>
+        <p:txBody>
+          <a:bodyPr wrap="square" numCol="1" anchor="t" anchorCtr="0" compatLnSpc="1">
+            <a:prstTxWarp prst="textNoShape">
+              <a:avLst/>
+            </a:prstTxWarp>
+          </a:bodyPr>
+          <a:lstStyle/>
+          <a:p>
+            <a:endParaRPr lang="en-US" dirty="0">
+              <a:latin typeface="Segoe"/>
+            </a:endParaRPr>
+          </a:p>
+        </p:txBody>
+      </p:sp>
+      <p:sp>
+        <p:nvSpPr>
+          <p:cNvPr id="4" name="Header Placeholder 3"/>
+          <p:cNvSpPr>
+            <a:spLocks noGrp="1"/>
+          </p:cNvSpPr>
+          <p:nvPr>
+            <p:ph type="hdr" sz="quarter"/>
+          </p:nvPr>
+        </p:nvSpPr>
+        <p:spPr/>
+        <p:txBody>
+          <a:bodyPr/>
+          <a:lstStyle/>
+          <a:p>
+            <a:pPr marL="0" marR="0" lvl="0" indent="0" algn="l" defTabSz="914363" rtl="0" eaLnBrk="1" fontAlgn="auto" latinLnBrk="0" hangingPunct="1">
+              <a:lnSpc>
+                <a:spcPct val="100000"/>
+              </a:lnSpc>
+              <a:spcBef>
+                <a:spcPts val="0"/>
+              </a:spcBef>
+              <a:spcAft>
+                <a:spcPts val="0"/>
+              </a:spcAft>
+              <a:buClrTx/>
+              <a:buSzTx/>
+              <a:buFontTx/>
+              <a:buNone/>
+              <a:tabLst/>
+              <a:defRPr/>
+            </a:pPr>
+            <a:endParaRPr kumimoji="0" lang="en-US" sz="1200" b="0" i="0" u="none" strike="noStrike" kern="1200" cap="none" spc="0" normalizeH="0" baseline="0" noProof="0" dirty="0">
+              <a:ln>
+                <a:noFill/>
+              </a:ln>
+              <a:solidFill>
+                <a:prstClr val="black"/>
+              </a:solidFill>
+              <a:effectLst/>
+              <a:uLnTx/>
+              <a:uFillTx/>
+              <a:latin typeface="Segoe UI" pitchFamily="34" charset="0"/>
+              <a:ea typeface="+mn-ea"/>
+              <a:cs typeface="+mn-cs"/>
+            </a:endParaRPr>
+          </a:p>
+        </p:txBody>
+      </p:sp>
+      <p:sp>
+        <p:nvSpPr>
+          <p:cNvPr id="5" name="Date Placeholder 4"/>
+          <p:cNvSpPr>
+            <a:spLocks noGrp="1"/>
+          </p:cNvSpPr>
+          <p:nvPr>
+            <p:ph type="dt" sz="quarter" idx="1"/>
+          </p:nvPr>
+        </p:nvSpPr>
+        <p:spPr/>
+        <p:txBody>
+          <a:bodyPr/>
+          <a:lstStyle/>
+          <a:p>
+            <a:pPr marL="0" marR="0" lvl="0" indent="0" algn="r" defTabSz="914363" rtl="0" eaLnBrk="1" fontAlgn="auto" latinLnBrk="0" hangingPunct="1">
+              <a:lnSpc>
+                <a:spcPct val="100000"/>
+              </a:lnSpc>
+              <a:spcBef>
+                <a:spcPts val="0"/>
+              </a:spcBef>
+              <a:spcAft>
+                <a:spcPts val="0"/>
+              </a:spcAft>
+              <a:buClrTx/>
+              <a:buSzTx/>
+              <a:buFontTx/>
+              <a:buNone/>
+              <a:tabLst/>
+              <a:defRPr/>
+            </a:pPr>
+            <a:fld id="{7C3FBCD4-166E-446F-AF18-7D4A0CF9AEF6}" type="datetimeFigureOut">
+              <a:rPr kumimoji="0" lang="en-US" sz="1200" b="0" i="0" u="none" strike="noStrike" kern="1200" cap="none" spc="0" normalizeH="0" baseline="0" noProof="0" smtClean="0">
+                <a:ln>
+                  <a:noFill/>
+                </a:ln>
+                <a:solidFill>
+                  <a:prstClr val="black"/>
+                </a:solidFill>
+                <a:effectLst/>
+                <a:uLnTx/>
+                <a:uFillTx/>
+                <a:latin typeface="Segoe UI" pitchFamily="34" charset="0"/>
+                <a:ea typeface="+mn-ea"/>
+                <a:cs typeface="+mn-cs"/>
+              </a:rPr>
+              <a:pPr marL="0" marR="0" lvl="0" indent="0" algn="r" defTabSz="914363" rtl="0" eaLnBrk="1" fontAlgn="auto" latinLnBrk="0" hangingPunct="1">
+                <a:lnSpc>
+                  <a:spcPct val="100000"/>
+                </a:lnSpc>
+                <a:spcBef>
+                  <a:spcPts val="0"/>
+                </a:spcBef>
+                <a:spcAft>
+                  <a:spcPts val="0"/>
+                </a:spcAft>
+                <a:buClrTx/>
+                <a:buSzTx/>
+                <a:buFontTx/>
+                <a:buNone/>
+                <a:tabLst/>
+                <a:defRPr/>
+              </a:pPr>
+              <a:t>7/20/18</a:t>
+            </a:fld>
+            <a:endParaRPr kumimoji="0" lang="en-US" sz="1200" b="0" i="0" u="none" strike="noStrike" kern="1200" cap="none" spc="0" normalizeH="0" baseline="0" noProof="0" dirty="0">
+              <a:ln>
+                <a:noFill/>
+              </a:ln>
+              <a:solidFill>
+                <a:prstClr val="black"/>
+              </a:solidFill>
+              <a:effectLst/>
+              <a:uLnTx/>
+              <a:uFillTx/>
+              <a:latin typeface="Segoe UI" pitchFamily="34" charset="0"/>
+              <a:ea typeface="+mn-ea"/>
+              <a:cs typeface="+mn-cs"/>
+            </a:endParaRPr>
+          </a:p>
+        </p:txBody>
+      </p:sp>
+      <p:sp>
+        <p:nvSpPr>
+          <p:cNvPr id="75781" name="Footer Placeholder 5"/>
+          <p:cNvSpPr>
+            <a:spLocks noGrp="1"/>
+          </p:cNvSpPr>
+          <p:nvPr>
+            <p:ph type="ftr" sz="quarter" idx="4"/>
+          </p:nvPr>
+        </p:nvSpPr>
+        <p:spPr bwMode="auto">
+          <a:noFill/>
+          <a:ln>
+            <a:miter lim="800000"/>
+            <a:headEnd/>
+            <a:tailEnd/>
+          </a:ln>
+        </p:spPr>
+        <p:txBody>
+          <a:bodyPr wrap="square" numCol="1" anchorCtr="0" compatLnSpc="1">
+            <a:prstTxWarp prst="textNoShape">
+              <a:avLst/>
+            </a:prstTxWarp>
+          </a:bodyPr>
+          <a:lstStyle/>
+          <a:p>
+            <a:pPr marL="0" marR="0" lvl="0" indent="0" algn="l" defTabSz="912813" rtl="0" eaLnBrk="1" fontAlgn="base" latinLnBrk="0" hangingPunct="1">
+              <a:lnSpc>
+                <a:spcPct val="100000"/>
+              </a:lnSpc>
+              <a:spcBef>
+                <a:spcPct val="0"/>
+              </a:spcBef>
+              <a:spcAft>
+                <a:spcPct val="0"/>
+              </a:spcAft>
+              <a:buClrTx/>
+              <a:buSzTx/>
+              <a:buFontTx/>
+              <a:buNone/>
+              <a:tabLst/>
+              <a:defRPr/>
+            </a:pPr>
+            <a:r>
+              <a:rPr kumimoji="0" lang="en-US" sz="500" b="0" i="0" u="none" strike="noStrike" kern="1200" cap="none" spc="0" normalizeH="0" baseline="0" noProof="0" dirty="0">
+                <a:ln>
+                  <a:noFill/>
+                </a:ln>
+                <a:solidFill>
+                  <a:prstClr val="black"/>
+                </a:solidFill>
+                <a:effectLst/>
+                <a:uLnTx/>
+                <a:uFillTx/>
+                <a:latin typeface="Segoe"/>
+                <a:ea typeface="+mn-ea"/>
+                <a:cs typeface="+mn-cs"/>
+              </a:rPr>
+              <a:t>© 2008 Microsoft Corporation. All rights reserved. Microsoft, Windows, Windows Vista and other product names are or may be registered trademarks and/or trademarks in the U.S. and/or other countries.</a:t>
+            </a:r>
+          </a:p>
+          <a:p>
+            <a:pPr marL="0" marR="0" lvl="0" indent="0" algn="l" defTabSz="912813" rtl="0" eaLnBrk="1" fontAlgn="base" latinLnBrk="0" hangingPunct="1">
+              <a:lnSpc>
+                <a:spcPct val="100000"/>
+              </a:lnSpc>
+              <a:spcBef>
+                <a:spcPct val="0"/>
+              </a:spcBef>
+              <a:spcAft>
+                <a:spcPct val="0"/>
+              </a:spcAft>
+              <a:buClrTx/>
+              <a:buSzTx/>
+              <a:buFontTx/>
+              <a:buNone/>
+              <a:tabLst/>
+              <a:defRPr/>
+            </a:pPr>
+            <a:r>
+              <a:rPr kumimoji="0" lang="en-US" sz="500" b="0" i="0" u="none" strike="noStrike" kern="1200" cap="none" spc="0" normalizeH="0" baseline="0" noProof="0" dirty="0">
+                <a:ln>
+                  <a:noFill/>
+                </a:ln>
+                <a:solidFill>
+                  <a:prstClr val="black"/>
+                </a:solidFill>
+                <a:effectLst/>
+                <a:uLnTx/>
+                <a:uFillTx/>
+                <a:latin typeface="Segoe"/>
+                <a:ea typeface="+mn-ea"/>
+                <a:cs typeface="+mn-cs"/>
+              </a:rPr>
+              <a:t>The information herein is for informational purposes only and represents the current view of Microsoft Corporation as of the date of this presentation.  Because Microsoft must respond to changing market conditions, it should not be interpreted to be a commitment on the part of Microsoft, and Microsoft cannot guarantee the accuracy of any information provided after the date of this presentation.  </a:t>
+            </a:r>
+            <a:br>
+              <a:rPr kumimoji="0" lang="en-US" sz="500" b="0" i="0" u="none" strike="noStrike" kern="1200" cap="none" spc="0" normalizeH="0" baseline="0" noProof="0" dirty="0">
+                <a:ln>
+                  <a:noFill/>
+                </a:ln>
+                <a:solidFill>
+                  <a:prstClr val="black"/>
+                </a:solidFill>
+                <a:effectLst/>
+                <a:uLnTx/>
+                <a:uFillTx/>
+                <a:latin typeface="Segoe"/>
+                <a:ea typeface="+mn-ea"/>
+                <a:cs typeface="+mn-cs"/>
+              </a:rPr>
+            </a:br>
+            <a:r>
+              <a:rPr kumimoji="0" lang="en-US" sz="500" b="0" i="0" u="none" strike="noStrike" kern="1200" cap="none" spc="0" normalizeH="0" baseline="0" noProof="0" dirty="0">
+                <a:ln>
+                  <a:noFill/>
+                </a:ln>
+                <a:solidFill>
+                  <a:prstClr val="black"/>
+                </a:solidFill>
+                <a:effectLst/>
+                <a:uLnTx/>
+                <a:uFillTx/>
+                <a:latin typeface="Segoe"/>
+                <a:ea typeface="+mn-ea"/>
+                <a:cs typeface="+mn-cs"/>
+              </a:rPr>
+              <a:t>MICROSOFT MAKES NO WARRANTIES, EXPRESS, IMPLIED OR STATUTORY, AS TO THE INFORMATION IN THIS PRESENTATION.</a:t>
+            </a:r>
+          </a:p>
+        </p:txBody>
+      </p:sp>
+      <p:sp>
+        <p:nvSpPr>
+          <p:cNvPr id="7" name="Slide Number Placeholder 6"/>
+          <p:cNvSpPr>
+            <a:spLocks noGrp="1"/>
+          </p:cNvSpPr>
+          <p:nvPr>
+            <p:ph type="sldNum" sz="quarter" idx="5"/>
+          </p:nvPr>
+        </p:nvSpPr>
+        <p:spPr/>
+        <p:txBody>
+          <a:bodyPr/>
+          <a:lstStyle/>
+          <a:p>
+            <a:pPr marL="0" marR="0" lvl="0" indent="0" algn="r" defTabSz="914363" rtl="0" eaLnBrk="1" fontAlgn="auto" latinLnBrk="0" hangingPunct="1">
+              <a:lnSpc>
+                <a:spcPct val="100000"/>
+              </a:lnSpc>
+              <a:spcBef>
+                <a:spcPts val="0"/>
+              </a:spcBef>
+              <a:spcAft>
+                <a:spcPts val="0"/>
+              </a:spcAft>
+              <a:buClrTx/>
+              <a:buSzTx/>
+              <a:buFontTx/>
+              <a:buNone/>
+              <a:tabLst/>
+              <a:defRPr/>
+            </a:pPr>
+            <a:fld id="{48A3A8EF-36F7-4A46-A399-67437408F551}" type="slidenum">
+              <a:rPr kumimoji="0" lang="en-US" sz="1200" b="0" i="0" u="none" strike="noStrike" kern="1200" cap="none" spc="0" normalizeH="0" baseline="0" noProof="0" smtClean="0">
+                <a:ln>
+                  <a:noFill/>
+                </a:ln>
+                <a:solidFill>
+                  <a:prstClr val="black"/>
+                </a:solidFill>
+                <a:effectLst/>
+                <a:uLnTx/>
+                <a:uFillTx/>
+                <a:latin typeface="Segoe UI" pitchFamily="34" charset="0"/>
+                <a:ea typeface="+mn-ea"/>
+                <a:cs typeface="+mn-cs"/>
+              </a:rPr>
+              <a:pPr marL="0" marR="0" lvl="0" indent="0" algn="r" defTabSz="914363" rtl="0" eaLnBrk="1" fontAlgn="auto" latinLnBrk="0" hangingPunct="1">
+                <a:lnSpc>
+                  <a:spcPct val="100000"/>
+                </a:lnSpc>
+                <a:spcBef>
+                  <a:spcPts val="0"/>
+                </a:spcBef>
+                <a:spcAft>
+                  <a:spcPts val="0"/>
+                </a:spcAft>
+                <a:buClrTx/>
+                <a:buSzTx/>
+                <a:buFontTx/>
+                <a:buNone/>
+                <a:tabLst/>
+                <a:defRPr/>
+              </a:pPr>
+              <a:t>17</a:t>
+            </a:fld>
+            <a:endParaRPr kumimoji="0" lang="en-US" sz="1200" b="0" i="0" u="none" strike="noStrike" kern="1200" cap="none" spc="0" normalizeH="0" baseline="0" noProof="0" dirty="0">
+              <a:ln>
+                <a:noFill/>
+              </a:ln>
+              <a:solidFill>
+                <a:prstClr val="black"/>
+              </a:solidFill>
+              <a:effectLst/>
+              <a:uLnTx/>
+              <a:uFillTx/>
+              <a:latin typeface="Segoe UI" pitchFamily="34" charset="0"/>
+              <a:ea typeface="+mn-ea"/>
+              <a:cs typeface="+mn-cs"/>
+            </a:endParaRPr>
+          </a:p>
+        </p:txBody>
+      </p:sp>
+    </p:spTree>
+    <p:extLst>
+      <p:ext uri="{BB962C8B-B14F-4D97-AF65-F5344CB8AC3E}">
+        <p14:creationId xmlns:p14="http://schemas.microsoft.com/office/powerpoint/2010/main" val="4128202586"/>
+      </p:ext>
+    </p:extLst>
+  </p:cSld>
+  <p:clrMapOvr>
+    <a:masterClrMapping/>
+  </p:clrMapOvr>
+</p:notes>
 </file>
 
 <file path=ppt/slideLayouts/slideLayout1.xml><?xml version="1.0" encoding="utf-8"?>
@@ -2975,6 +3961,582 @@
 </p:sldLayout>
 </file>
 
+<file path=ppt/slideLayouts/slideLayout17.xml><?xml version="1.0" encoding="utf-8"?>
+<p:sldLayout xmlns:a="http://schemas.openxmlformats.org/drawingml/2006/main" xmlns:r="http://schemas.openxmlformats.org/officeDocument/2006/relationships" xmlns:p="http://schemas.openxmlformats.org/presentationml/2006/main" userDrawn="1">
+  <p:cSld name="WALKIN - Prints in GRAYSCALE">
+    <p:bg bwMode="ltGray">
+      <p:bgPr>
+        <a:gradFill>
+          <a:gsLst>
+            <a:gs pos="0">
+              <a:schemeClr val="tx1"/>
+            </a:gs>
+            <a:gs pos="50000">
+              <a:srgbClr val="0070C0"/>
+            </a:gs>
+            <a:gs pos="100000">
+              <a:srgbClr val="7030A0"/>
+            </a:gs>
+          </a:gsLst>
+          <a:lin ang="2700000" scaled="0"/>
+        </a:gradFill>
+        <a:effectLst/>
+      </p:bgPr>
+    </p:bg>
+    <p:spTree>
+      <p:nvGrpSpPr>
+        <p:cNvPr id="1" name=""/>
+        <p:cNvGrpSpPr/>
+        <p:nvPr/>
+      </p:nvGrpSpPr>
+      <p:grpSpPr>
+        <a:xfrm>
+          <a:off x="0" y="0"/>
+          <a:ext cx="0" cy="0"/>
+          <a:chOff x="0" y="0"/>
+          <a:chExt cx="0" cy="0"/>
+        </a:xfrm>
+      </p:grpSpPr>
+    </p:spTree>
+    <p:extLst>
+      <p:ext uri="{BB962C8B-B14F-4D97-AF65-F5344CB8AC3E}">
+        <p14:creationId xmlns:p14="http://schemas.microsoft.com/office/powerpoint/2010/main" val="1443587365"/>
+      </p:ext>
+    </p:extLst>
+  </p:cSld>
+  <p:clrMapOvr>
+    <a:masterClrMapping/>
+  </p:clrMapOvr>
+  <p:transition>
+    <p:fade/>
+  </p:transition>
+</p:sldLayout>
+</file>
+
+<file path=ppt/slideLayouts/slideLayout18.xml><?xml version="1.0" encoding="utf-8"?>
+<p:sldLayout xmlns:a="http://schemas.openxmlformats.org/drawingml/2006/main" xmlns:r="http://schemas.openxmlformats.org/officeDocument/2006/relationships" xmlns:p="http://schemas.openxmlformats.org/presentationml/2006/main" preserve="1" userDrawn="1">
+  <p:cSld name="Title Slide">
+    <p:bg>
+      <p:bgPr>
+        <a:gradFill>
+          <a:gsLst>
+            <a:gs pos="0">
+              <a:schemeClr val="tx1"/>
+            </a:gs>
+            <a:gs pos="50000">
+              <a:srgbClr val="0070C0"/>
+            </a:gs>
+            <a:gs pos="100000">
+              <a:srgbClr val="7030A0"/>
+            </a:gs>
+          </a:gsLst>
+          <a:lin ang="2700000" scaled="0"/>
+        </a:gradFill>
+        <a:effectLst/>
+      </p:bgPr>
+    </p:bg>
+    <p:spTree>
+      <p:nvGrpSpPr>
+        <p:cNvPr id="1" name=""/>
+        <p:cNvGrpSpPr/>
+        <p:nvPr/>
+      </p:nvGrpSpPr>
+      <p:grpSpPr>
+        <a:xfrm>
+          <a:off x="0" y="0"/>
+          <a:ext cx="0" cy="0"/>
+          <a:chOff x="0" y="0"/>
+          <a:chExt cx="0" cy="0"/>
+        </a:xfrm>
+      </p:grpSpPr>
+      <p:sp>
+        <p:nvSpPr>
+          <p:cNvPr id="3" name="Subtitle 2"/>
+          <p:cNvSpPr>
+            <a:spLocks noGrp="1"/>
+          </p:cNvSpPr>
+          <p:nvPr>
+            <p:ph type="subTitle" idx="1"/>
+          </p:nvPr>
+        </p:nvSpPr>
+        <p:spPr>
+          <a:xfrm>
+            <a:off x="1117600" y="4344989"/>
+            <a:ext cx="10242552" cy="461665"/>
+          </a:xfrm>
+        </p:spPr>
+        <p:txBody>
+          <a:bodyPr>
+            <a:noAutofit/>
+          </a:bodyPr>
+          <a:lstStyle>
+            <a:lvl1pPr marL="0" indent="0" algn="l">
+              <a:lnSpc>
+                <a:spcPct val="90000"/>
+              </a:lnSpc>
+              <a:spcBef>
+                <a:spcPts val="0"/>
+              </a:spcBef>
+              <a:buNone/>
+              <a:defRPr>
+                <a:gradFill>
+                  <a:gsLst>
+                    <a:gs pos="0">
+                      <a:schemeClr val="accent1">
+                        <a:lumMod val="40000"/>
+                        <a:lumOff val="60000"/>
+                      </a:schemeClr>
+                    </a:gs>
+                    <a:gs pos="86000">
+                      <a:schemeClr val="accent1">
+                        <a:lumMod val="40000"/>
+                        <a:lumOff val="60000"/>
+                      </a:schemeClr>
+                    </a:gs>
+                  </a:gsLst>
+                  <a:lin ang="5400000" scaled="0"/>
+                </a:gradFill>
+              </a:defRPr>
+            </a:lvl1pPr>
+            <a:lvl2pPr marL="457182" indent="0" algn="ctr">
+              <a:buNone/>
+              <a:defRPr>
+                <a:solidFill>
+                  <a:schemeClr val="tx1">
+                    <a:tint val="75000"/>
+                  </a:schemeClr>
+                </a:solidFill>
+              </a:defRPr>
+            </a:lvl2pPr>
+            <a:lvl3pPr marL="914363" indent="0" algn="ctr">
+              <a:buNone/>
+              <a:defRPr>
+                <a:solidFill>
+                  <a:schemeClr val="tx1">
+                    <a:tint val="75000"/>
+                  </a:schemeClr>
+                </a:solidFill>
+              </a:defRPr>
+            </a:lvl3pPr>
+            <a:lvl4pPr marL="1371545" indent="0" algn="ctr">
+              <a:buNone/>
+              <a:defRPr>
+                <a:solidFill>
+                  <a:schemeClr val="tx1">
+                    <a:tint val="75000"/>
+                  </a:schemeClr>
+                </a:solidFill>
+              </a:defRPr>
+            </a:lvl4pPr>
+            <a:lvl5pPr marL="1828727" indent="0" algn="ctr">
+              <a:buNone/>
+              <a:defRPr>
+                <a:solidFill>
+                  <a:schemeClr val="tx1">
+                    <a:tint val="75000"/>
+                  </a:schemeClr>
+                </a:solidFill>
+              </a:defRPr>
+            </a:lvl5pPr>
+            <a:lvl6pPr marL="2285909" indent="0" algn="ctr">
+              <a:buNone/>
+              <a:defRPr>
+                <a:solidFill>
+                  <a:schemeClr val="tx1">
+                    <a:tint val="75000"/>
+                  </a:schemeClr>
+                </a:solidFill>
+              </a:defRPr>
+            </a:lvl6pPr>
+            <a:lvl7pPr marL="2743090" indent="0" algn="ctr">
+              <a:buNone/>
+              <a:defRPr>
+                <a:solidFill>
+                  <a:schemeClr val="tx1">
+                    <a:tint val="75000"/>
+                  </a:schemeClr>
+                </a:solidFill>
+              </a:defRPr>
+            </a:lvl7pPr>
+            <a:lvl8pPr marL="3200272" indent="0" algn="ctr">
+              <a:buNone/>
+              <a:defRPr>
+                <a:solidFill>
+                  <a:schemeClr val="tx1">
+                    <a:tint val="75000"/>
+                  </a:schemeClr>
+                </a:solidFill>
+              </a:defRPr>
+            </a:lvl8pPr>
+            <a:lvl9pPr marL="3657454" indent="0" algn="ctr">
+              <a:buNone/>
+              <a:defRPr>
+                <a:solidFill>
+                  <a:schemeClr val="tx1">
+                    <a:tint val="75000"/>
+                  </a:schemeClr>
+                </a:solidFill>
+              </a:defRPr>
+            </a:lvl9pPr>
+          </a:lstStyle>
+          <a:p>
+            <a:r>
+              <a:rPr lang="en-US"/>
+              <a:t>Click to edit Master subtitle style</a:t>
+            </a:r>
+            <a:endParaRPr lang="en-US" dirty="0"/>
+          </a:p>
+        </p:txBody>
+      </p:sp>
+    </p:spTree>
+    <p:extLst>
+      <p:ext uri="{BB962C8B-B14F-4D97-AF65-F5344CB8AC3E}">
+        <p14:creationId xmlns:p14="http://schemas.microsoft.com/office/powerpoint/2010/main" val="359173888"/>
+      </p:ext>
+    </p:extLst>
+  </p:cSld>
+  <p:clrMapOvr>
+    <a:masterClrMapping/>
+  </p:clrMapOvr>
+  <p:transition>
+    <p:fade/>
+  </p:transition>
+</p:sldLayout>
+</file>
+
+<file path=ppt/slideLayouts/slideLayout19.xml><?xml version="1.0" encoding="utf-8"?>
+<p:sldLayout xmlns:a="http://schemas.openxmlformats.org/drawingml/2006/main" xmlns:r="http://schemas.openxmlformats.org/officeDocument/2006/relationships" xmlns:p="http://schemas.openxmlformats.org/presentationml/2006/main" preserve="1" userDrawn="1">
+  <p:cSld name="1_Demo, Video etc. &quot;special&quot; slides">
+    <p:bg>
+      <p:bgPr>
+        <a:gradFill>
+          <a:gsLst>
+            <a:gs pos="0">
+              <a:schemeClr val="tx1"/>
+            </a:gs>
+            <a:gs pos="50000">
+              <a:srgbClr val="0070C0"/>
+            </a:gs>
+            <a:gs pos="100000">
+              <a:srgbClr val="7030A0"/>
+            </a:gs>
+          </a:gsLst>
+          <a:lin ang="2700000" scaled="0"/>
+        </a:gradFill>
+        <a:effectLst/>
+      </p:bgPr>
+    </p:bg>
+    <p:spTree>
+      <p:nvGrpSpPr>
+        <p:cNvPr id="1" name=""/>
+        <p:cNvGrpSpPr/>
+        <p:nvPr/>
+      </p:nvGrpSpPr>
+      <p:grpSpPr>
+        <a:xfrm>
+          <a:off x="0" y="0"/>
+          <a:ext cx="0" cy="0"/>
+          <a:chOff x="0" y="0"/>
+          <a:chExt cx="0" cy="0"/>
+        </a:xfrm>
+      </p:grpSpPr>
+      <p:sp>
+        <p:nvSpPr>
+          <p:cNvPr id="2" name="Title 1"/>
+          <p:cNvSpPr>
+            <a:spLocks noGrp="1"/>
+          </p:cNvSpPr>
+          <p:nvPr>
+            <p:ph type="ctrTitle"/>
+          </p:nvPr>
+        </p:nvSpPr>
+        <p:spPr>
+          <a:xfrm>
+            <a:off x="1117600" y="1905000"/>
+            <a:ext cx="9390944" cy="1523494"/>
+          </a:xfrm>
+        </p:spPr>
+        <p:txBody>
+          <a:bodyPr anchor="t" anchorCtr="0">
+            <a:noAutofit/>
+          </a:bodyPr>
+          <a:lstStyle>
+            <a:lvl1pPr algn="l" defTabSz="914363" rtl="0" eaLnBrk="1" latinLnBrk="0" hangingPunct="1">
+              <a:lnSpc>
+                <a:spcPct val="90000"/>
+              </a:lnSpc>
+              <a:spcBef>
+                <a:spcPct val="0"/>
+              </a:spcBef>
+              <a:buNone/>
+              <a:defRPr lang="en-US" sz="5400" b="0" kern="1200" cap="none" spc="-150" dirty="0">
+                <a:ln w="3175">
+                  <a:noFill/>
+                </a:ln>
+                <a:gradFill flip="none" rotWithShape="1">
+                  <a:gsLst>
+                    <a:gs pos="0">
+                      <a:schemeClr val="tx1"/>
+                    </a:gs>
+                    <a:gs pos="86000">
+                      <a:schemeClr val="tx1"/>
+                    </a:gs>
+                  </a:gsLst>
+                  <a:lin ang="5400000" scaled="0"/>
+                  <a:tileRect/>
+                </a:gradFill>
+                <a:effectLst/>
+                <a:latin typeface="+mj-lt"/>
+                <a:ea typeface="+mn-ea"/>
+                <a:cs typeface="Arial" charset="0"/>
+              </a:defRPr>
+            </a:lvl1pPr>
+          </a:lstStyle>
+          <a:p>
+            <a:r>
+              <a:rPr lang="en-US"/>
+              <a:t>Click to edit Master title style</a:t>
+            </a:r>
+            <a:endParaRPr lang="en-US" dirty="0"/>
+          </a:p>
+        </p:txBody>
+      </p:sp>
+      <p:sp>
+        <p:nvSpPr>
+          <p:cNvPr id="3" name="Subtitle 2"/>
+          <p:cNvSpPr>
+            <a:spLocks noGrp="1"/>
+          </p:cNvSpPr>
+          <p:nvPr>
+            <p:ph type="subTitle" idx="1"/>
+          </p:nvPr>
+        </p:nvSpPr>
+        <p:spPr>
+          <a:xfrm>
+            <a:off x="1117600" y="4343401"/>
+            <a:ext cx="4572000" cy="461665"/>
+          </a:xfrm>
+        </p:spPr>
+        <p:txBody>
+          <a:bodyPr>
+            <a:noAutofit/>
+          </a:bodyPr>
+          <a:lstStyle>
+            <a:lvl1pPr marL="0" indent="0" algn="l" defTabSz="914363" rtl="0" eaLnBrk="1" latinLnBrk="0" hangingPunct="1">
+              <a:lnSpc>
+                <a:spcPct val="90000"/>
+              </a:lnSpc>
+              <a:spcBef>
+                <a:spcPts val="0"/>
+              </a:spcBef>
+              <a:buSzPct val="85000"/>
+              <a:buFontTx/>
+              <a:buNone/>
+              <a:defRPr lang="en-US" sz="3200" kern="1200" dirty="0">
+                <a:gradFill>
+                  <a:gsLst>
+                    <a:gs pos="0">
+                      <a:schemeClr val="accent1">
+                        <a:lumMod val="40000"/>
+                        <a:lumOff val="60000"/>
+                      </a:schemeClr>
+                    </a:gs>
+                    <a:gs pos="86000">
+                      <a:schemeClr val="accent1">
+                        <a:lumMod val="40000"/>
+                        <a:lumOff val="60000"/>
+                      </a:schemeClr>
+                    </a:gs>
+                  </a:gsLst>
+                  <a:lin ang="5400000" scaled="0"/>
+                </a:gradFill>
+                <a:latin typeface="+mn-lt"/>
+                <a:ea typeface="+mn-ea"/>
+                <a:cs typeface="+mn-cs"/>
+              </a:defRPr>
+            </a:lvl1pPr>
+            <a:lvl2pPr marL="457182" indent="0" algn="ctr">
+              <a:buNone/>
+              <a:defRPr>
+                <a:solidFill>
+                  <a:schemeClr val="tx1">
+                    <a:tint val="75000"/>
+                  </a:schemeClr>
+                </a:solidFill>
+              </a:defRPr>
+            </a:lvl2pPr>
+            <a:lvl3pPr marL="914363" indent="0" algn="ctr">
+              <a:buNone/>
+              <a:defRPr>
+                <a:solidFill>
+                  <a:schemeClr val="tx1">
+                    <a:tint val="75000"/>
+                  </a:schemeClr>
+                </a:solidFill>
+              </a:defRPr>
+            </a:lvl3pPr>
+            <a:lvl4pPr marL="1371545" indent="0" algn="ctr">
+              <a:buNone/>
+              <a:defRPr>
+                <a:solidFill>
+                  <a:schemeClr val="tx1">
+                    <a:tint val="75000"/>
+                  </a:schemeClr>
+                </a:solidFill>
+              </a:defRPr>
+            </a:lvl4pPr>
+            <a:lvl5pPr marL="1828727" indent="0" algn="ctr">
+              <a:buNone/>
+              <a:defRPr>
+                <a:solidFill>
+                  <a:schemeClr val="tx1">
+                    <a:tint val="75000"/>
+                  </a:schemeClr>
+                </a:solidFill>
+              </a:defRPr>
+            </a:lvl5pPr>
+            <a:lvl6pPr marL="2285909" indent="0" algn="ctr">
+              <a:buNone/>
+              <a:defRPr>
+                <a:solidFill>
+                  <a:schemeClr val="tx1">
+                    <a:tint val="75000"/>
+                  </a:schemeClr>
+                </a:solidFill>
+              </a:defRPr>
+            </a:lvl6pPr>
+            <a:lvl7pPr marL="2743090" indent="0" algn="ctr">
+              <a:buNone/>
+              <a:defRPr>
+                <a:solidFill>
+                  <a:schemeClr val="tx1">
+                    <a:tint val="75000"/>
+                  </a:schemeClr>
+                </a:solidFill>
+              </a:defRPr>
+            </a:lvl7pPr>
+            <a:lvl8pPr marL="3200272" indent="0" algn="ctr">
+              <a:buNone/>
+              <a:defRPr>
+                <a:solidFill>
+                  <a:schemeClr val="tx1">
+                    <a:tint val="75000"/>
+                  </a:schemeClr>
+                </a:solidFill>
+              </a:defRPr>
+            </a:lvl8pPr>
+            <a:lvl9pPr marL="3657454" indent="0" algn="ctr">
+              <a:buNone/>
+              <a:defRPr>
+                <a:solidFill>
+                  <a:schemeClr val="tx1">
+                    <a:tint val="75000"/>
+                  </a:schemeClr>
+                </a:solidFill>
+              </a:defRPr>
+            </a:lvl9pPr>
+          </a:lstStyle>
+          <a:p>
+            <a:r>
+              <a:rPr lang="en-US"/>
+              <a:t>Click to edit Master subtitle style</a:t>
+            </a:r>
+            <a:endParaRPr lang="en-US" dirty="0"/>
+          </a:p>
+        </p:txBody>
+      </p:sp>
+      <p:sp>
+        <p:nvSpPr>
+          <p:cNvPr id="7" name="Text Placeholder 6"/>
+          <p:cNvSpPr>
+            <a:spLocks noGrp="1"/>
+          </p:cNvSpPr>
+          <p:nvPr>
+            <p:ph type="body" sz="quarter" idx="10" hasCustomPrompt="1"/>
+          </p:nvPr>
+        </p:nvSpPr>
+        <p:spPr>
+          <a:xfrm>
+            <a:off x="1430515" y="228600"/>
+            <a:ext cx="10253485" cy="1384994"/>
+          </a:xfrm>
+        </p:spPr>
+        <p:txBody>
+          <a:bodyPr anchor="t" anchorCtr="0">
+            <a:noAutofit/>
+            <a:scene3d>
+              <a:camera prst="orthographicFront"/>
+              <a:lightRig rig="flat" dir="t"/>
+            </a:scene3d>
+            <a:sp3d>
+              <a:contourClr>
+                <a:schemeClr val="tx2"/>
+              </a:contourClr>
+            </a:sp3d>
+          </a:bodyPr>
+          <a:lstStyle>
+            <a:lvl1pPr marL="0" indent="0" algn="r">
+              <a:buFont typeface="Arial" pitchFamily="34" charset="0"/>
+              <a:buNone/>
+              <a:defRPr kumimoji="0" lang="en-US" sz="11000" b="1" i="1" u="none" strike="noStrike" kern="1200" cap="none" spc="-642" normalizeH="0" baseline="0" noProof="0" dirty="0" smtClean="0">
+                <a:ln w="11430"/>
+                <a:gradFill>
+                  <a:gsLst>
+                    <a:gs pos="0">
+                      <a:schemeClr val="tx1"/>
+                    </a:gs>
+                    <a:gs pos="88000">
+                      <a:schemeClr val="tx1">
+                        <a:alpha val="50000"/>
+                      </a:schemeClr>
+                    </a:gs>
+                  </a:gsLst>
+                  <a:lin ang="5400000"/>
+                </a:gradFill>
+                <a:effectLst/>
+                <a:uLnTx/>
+                <a:uFillTx/>
+                <a:latin typeface="Segoe UI" pitchFamily="34" charset="0"/>
+                <a:ea typeface="+mn-ea"/>
+                <a:cs typeface="+mn-cs"/>
+              </a:defRPr>
+            </a:lvl1pPr>
+          </a:lstStyle>
+          <a:p>
+            <a:pPr marL="0" lvl="0" indent="0" algn="r" defTabSz="914363" rtl="0" eaLnBrk="1" latinLnBrk="0" hangingPunct="1">
+              <a:lnSpc>
+                <a:spcPct val="90000"/>
+              </a:lnSpc>
+              <a:spcBef>
+                <a:spcPct val="20000"/>
+              </a:spcBef>
+              <a:buSzPct val="85000"/>
+              <a:buFont typeface="Arial" pitchFamily="34" charset="0"/>
+              <a:buNone/>
+            </a:pPr>
+            <a:r>
+              <a:rPr lang="en-US" dirty="0"/>
+              <a:t>click to…</a:t>
+            </a:r>
+          </a:p>
+        </p:txBody>
+      </p:sp>
+    </p:spTree>
+    <p:extLst>
+      <p:ext uri="{BB962C8B-B14F-4D97-AF65-F5344CB8AC3E}">
+        <p14:creationId xmlns:p14="http://schemas.microsoft.com/office/powerpoint/2010/main" val="1839490428"/>
+      </p:ext>
+    </p:extLst>
+  </p:cSld>
+  <p:clrMapOvr>
+    <a:masterClrMapping/>
+  </p:clrMapOvr>
+  <p:transition>
+    <p:fade/>
+  </p:transition>
+</p:sldLayout>
+</file>
+
 <file path=ppt/slideLayouts/slideLayout2.xml><?xml version="1.0" encoding="utf-8"?>
 <p:sldLayout xmlns:a="http://schemas.openxmlformats.org/drawingml/2006/main" xmlns:r="http://schemas.openxmlformats.org/officeDocument/2006/relationships" xmlns:p="http://schemas.openxmlformats.org/presentationml/2006/main" type="obj" preserve="1">
   <p:cSld name="Title and Content">
@@ -3137,6 +4699,1529 @@
   <p:clrMapOvr>
     <a:masterClrMapping/>
   </p:clrMapOvr>
+</p:sldLayout>
+</file>
+
+<file path=ppt/slideLayouts/slideLayout20.xml><?xml version="1.0" encoding="utf-8"?>
+<p:sldLayout xmlns:a="http://schemas.openxmlformats.org/drawingml/2006/main" xmlns:r="http://schemas.openxmlformats.org/officeDocument/2006/relationships" xmlns:p="http://schemas.openxmlformats.org/presentationml/2006/main" preserve="1" userDrawn="1">
+  <p:cSld name="1_Title and Content">
+    <p:spTree>
+      <p:nvGrpSpPr>
+        <p:cNvPr id="1" name=""/>
+        <p:cNvGrpSpPr/>
+        <p:nvPr/>
+      </p:nvGrpSpPr>
+      <p:grpSpPr>
+        <a:xfrm>
+          <a:off x="0" y="0"/>
+          <a:ext cx="0" cy="0"/>
+          <a:chOff x="0" y="0"/>
+          <a:chExt cx="0" cy="0"/>
+        </a:xfrm>
+      </p:grpSpPr>
+      <p:sp>
+        <p:nvSpPr>
+          <p:cNvPr id="2" name="Title 1"/>
+          <p:cNvSpPr>
+            <a:spLocks noGrp="1"/>
+          </p:cNvSpPr>
+          <p:nvPr>
+            <p:ph type="title"/>
+          </p:nvPr>
+        </p:nvSpPr>
+        <p:spPr>
+          <a:xfrm>
+            <a:off x="508000" y="228601"/>
+            <a:ext cx="11176000" cy="666385"/>
+          </a:xfrm>
+        </p:spPr>
+        <p:txBody>
+          <a:bodyPr/>
+          <a:lstStyle/>
+          <a:p>
+            <a:r>
+              <a:rPr lang="en-US"/>
+              <a:t>Click to edit Master title style</a:t>
+            </a:r>
+            <a:endParaRPr lang="en-US" dirty="0"/>
+          </a:p>
+        </p:txBody>
+      </p:sp>
+      <p:sp>
+        <p:nvSpPr>
+          <p:cNvPr id="5" name="Text Placeholder 4"/>
+          <p:cNvSpPr>
+            <a:spLocks noGrp="1"/>
+          </p:cNvSpPr>
+          <p:nvPr>
+            <p:ph type="body" sz="quarter" idx="10"/>
+          </p:nvPr>
+        </p:nvSpPr>
+        <p:spPr>
+          <a:xfrm>
+            <a:off x="508000" y="1447800"/>
+            <a:ext cx="11176000" cy="2000548"/>
+          </a:xfrm>
+        </p:spPr>
+        <p:txBody>
+          <a:bodyPr/>
+          <a:lstStyle/>
+          <a:p>
+            <a:pPr lvl="0"/>
+            <a:r>
+              <a:rPr lang="en-US"/>
+              <a:t>Click to edit Master text styles</a:t>
+            </a:r>
+          </a:p>
+          <a:p>
+            <a:pPr lvl="1"/>
+            <a:r>
+              <a:rPr lang="en-US"/>
+              <a:t>Second level</a:t>
+            </a:r>
+          </a:p>
+          <a:p>
+            <a:pPr lvl="2"/>
+            <a:r>
+              <a:rPr lang="en-US"/>
+              <a:t>Third level</a:t>
+            </a:r>
+          </a:p>
+          <a:p>
+            <a:pPr lvl="3"/>
+            <a:r>
+              <a:rPr lang="en-US"/>
+              <a:t>Fourth level</a:t>
+            </a:r>
+          </a:p>
+          <a:p>
+            <a:pPr lvl="4"/>
+            <a:r>
+              <a:rPr lang="en-US"/>
+              <a:t>Fifth level</a:t>
+            </a:r>
+            <a:endParaRPr lang="en-US" dirty="0"/>
+          </a:p>
+        </p:txBody>
+      </p:sp>
+    </p:spTree>
+    <p:extLst>
+      <p:ext uri="{BB962C8B-B14F-4D97-AF65-F5344CB8AC3E}">
+        <p14:creationId xmlns:p14="http://schemas.microsoft.com/office/powerpoint/2010/main" val="2094046866"/>
+      </p:ext>
+    </p:extLst>
+  </p:cSld>
+  <p:clrMapOvr>
+    <a:masterClrMapping/>
+  </p:clrMapOvr>
+  <p:transition>
+    <p:fade/>
+  </p:transition>
+</p:sldLayout>
+</file>
+
+<file path=ppt/slideLayouts/slideLayout21.xml><?xml version="1.0" encoding="utf-8"?>
+<p:sldLayout xmlns:a="http://schemas.openxmlformats.org/drawingml/2006/main" xmlns:r="http://schemas.openxmlformats.org/officeDocument/2006/relationships" xmlns:p="http://schemas.openxmlformats.org/presentationml/2006/main" type="obj" preserve="1">
+  <p:cSld name="Title and Content">
+    <p:spTree>
+      <p:nvGrpSpPr>
+        <p:cNvPr id="1" name=""/>
+        <p:cNvGrpSpPr/>
+        <p:nvPr/>
+      </p:nvGrpSpPr>
+      <p:grpSpPr>
+        <a:xfrm>
+          <a:off x="0" y="0"/>
+          <a:ext cx="0" cy="0"/>
+          <a:chOff x="0" y="0"/>
+          <a:chExt cx="0" cy="0"/>
+        </a:xfrm>
+      </p:grpSpPr>
+      <p:sp>
+        <p:nvSpPr>
+          <p:cNvPr id="2" name="Title 1"/>
+          <p:cNvSpPr>
+            <a:spLocks noGrp="1"/>
+          </p:cNvSpPr>
+          <p:nvPr>
+            <p:ph type="title"/>
+          </p:nvPr>
+        </p:nvSpPr>
+        <p:spPr/>
+        <p:txBody>
+          <a:bodyPr/>
+          <a:lstStyle/>
+          <a:p>
+            <a:r>
+              <a:rPr lang="en-US"/>
+              <a:t>Click to edit Master title style</a:t>
+            </a:r>
+          </a:p>
+        </p:txBody>
+      </p:sp>
+      <p:sp>
+        <p:nvSpPr>
+          <p:cNvPr id="3" name="Content Placeholder 2"/>
+          <p:cNvSpPr>
+            <a:spLocks noGrp="1"/>
+          </p:cNvSpPr>
+          <p:nvPr>
+            <p:ph idx="1"/>
+          </p:nvPr>
+        </p:nvSpPr>
+        <p:spPr>
+          <a:xfrm>
+            <a:off x="508000" y="1447800"/>
+            <a:ext cx="11176000" cy="2000548"/>
+          </a:xfrm>
+        </p:spPr>
+        <p:txBody>
+          <a:bodyPr/>
+          <a:lstStyle>
+            <a:lvl1pPr>
+              <a:lnSpc>
+                <a:spcPct val="90000"/>
+              </a:lnSpc>
+              <a:defRPr/>
+            </a:lvl1pPr>
+            <a:lvl2pPr>
+              <a:lnSpc>
+                <a:spcPct val="90000"/>
+              </a:lnSpc>
+              <a:defRPr/>
+            </a:lvl2pPr>
+            <a:lvl3pPr>
+              <a:lnSpc>
+                <a:spcPct val="90000"/>
+              </a:lnSpc>
+              <a:defRPr/>
+            </a:lvl3pPr>
+            <a:lvl4pPr>
+              <a:lnSpc>
+                <a:spcPct val="90000"/>
+              </a:lnSpc>
+              <a:defRPr/>
+            </a:lvl4pPr>
+            <a:lvl5pPr>
+              <a:lnSpc>
+                <a:spcPct val="90000"/>
+              </a:lnSpc>
+              <a:defRPr/>
+            </a:lvl5pPr>
+          </a:lstStyle>
+          <a:p>
+            <a:pPr lvl="0"/>
+            <a:r>
+              <a:rPr lang="en-US"/>
+              <a:t>Click to edit Master text styles</a:t>
+            </a:r>
+          </a:p>
+          <a:p>
+            <a:pPr lvl="1"/>
+            <a:r>
+              <a:rPr lang="en-US"/>
+              <a:t>Second level</a:t>
+            </a:r>
+          </a:p>
+          <a:p>
+            <a:pPr lvl="2"/>
+            <a:r>
+              <a:rPr lang="en-US"/>
+              <a:t>Third level</a:t>
+            </a:r>
+          </a:p>
+          <a:p>
+            <a:pPr lvl="3"/>
+            <a:r>
+              <a:rPr lang="en-US"/>
+              <a:t>Fourth level</a:t>
+            </a:r>
+          </a:p>
+          <a:p>
+            <a:pPr lvl="4"/>
+            <a:r>
+              <a:rPr lang="en-US"/>
+              <a:t>Fifth level</a:t>
+            </a:r>
+            <a:endParaRPr lang="en-US" dirty="0"/>
+          </a:p>
+        </p:txBody>
+      </p:sp>
+      <p:pic>
+        <p:nvPicPr>
+          <p:cNvPr id="4" name="Picture 3" descr="MSconfidential.png"/>
+          <p:cNvPicPr>
+            <a:picLocks noChangeAspect="1"/>
+          </p:cNvPicPr>
+          <p:nvPr userDrawn="1"/>
+        </p:nvPicPr>
+        <p:blipFill>
+          <a:blip r:embed="rId2"/>
+          <a:stretch>
+            <a:fillRect/>
+          </a:stretch>
+        </p:blipFill>
+        <p:spPr bwMode="invGray">
+          <a:xfrm>
+            <a:off x="4734562" y="6477000"/>
+            <a:ext cx="2722879" cy="304800"/>
+          </a:xfrm>
+          <a:prstGeom prst="rect">
+            <a:avLst/>
+          </a:prstGeom>
+        </p:spPr>
+      </p:pic>
+    </p:spTree>
+    <p:extLst>
+      <p:ext uri="{BB962C8B-B14F-4D97-AF65-F5344CB8AC3E}">
+        <p14:creationId xmlns:p14="http://schemas.microsoft.com/office/powerpoint/2010/main" val="2402428410"/>
+      </p:ext>
+    </p:extLst>
+  </p:cSld>
+  <p:clrMapOvr>
+    <a:masterClrMapping/>
+  </p:clrMapOvr>
+  <p:transition>
+    <p:fade/>
+  </p:transition>
+</p:sldLayout>
+</file>
+
+<file path=ppt/slideLayouts/slideLayout22.xml><?xml version="1.0" encoding="utf-8"?>
+<p:sldLayout xmlns:a="http://schemas.openxmlformats.org/drawingml/2006/main" xmlns:r="http://schemas.openxmlformats.org/officeDocument/2006/relationships" xmlns:p="http://schemas.openxmlformats.org/presentationml/2006/main" type="twoObj" preserve="1">
+  <p:cSld name="Two Content">
+    <p:spTree>
+      <p:nvGrpSpPr>
+        <p:cNvPr id="1" name=""/>
+        <p:cNvGrpSpPr/>
+        <p:nvPr/>
+      </p:nvGrpSpPr>
+      <p:grpSpPr>
+        <a:xfrm>
+          <a:off x="0" y="0"/>
+          <a:ext cx="0" cy="0"/>
+          <a:chOff x="0" y="0"/>
+          <a:chExt cx="0" cy="0"/>
+        </a:xfrm>
+      </p:grpSpPr>
+      <p:sp>
+        <p:nvSpPr>
+          <p:cNvPr id="2" name="Title 1"/>
+          <p:cNvSpPr>
+            <a:spLocks noGrp="1"/>
+          </p:cNvSpPr>
+          <p:nvPr>
+            <p:ph type="title"/>
+          </p:nvPr>
+        </p:nvSpPr>
+        <p:spPr/>
+        <p:txBody>
+          <a:bodyPr/>
+          <a:lstStyle/>
+          <a:p>
+            <a:r>
+              <a:rPr lang="en-US"/>
+              <a:t>Click to edit Master title style</a:t>
+            </a:r>
+          </a:p>
+        </p:txBody>
+      </p:sp>
+      <p:sp>
+        <p:nvSpPr>
+          <p:cNvPr id="3" name="Content Placeholder 2"/>
+          <p:cNvSpPr>
+            <a:spLocks noGrp="1"/>
+          </p:cNvSpPr>
+          <p:nvPr>
+            <p:ph sz="half" idx="1"/>
+          </p:nvPr>
+        </p:nvSpPr>
+        <p:spPr>
+          <a:xfrm>
+            <a:off x="508000" y="1447800"/>
+            <a:ext cx="5486400" cy="1742015"/>
+          </a:xfrm>
+        </p:spPr>
+        <p:txBody>
+          <a:bodyPr/>
+          <a:lstStyle>
+            <a:lvl1pPr marL="339976" indent="-339976">
+              <a:lnSpc>
+                <a:spcPct val="90000"/>
+              </a:lnSpc>
+              <a:defRPr sz="2800"/>
+            </a:lvl1pPr>
+            <a:lvl2pPr marL="673338" indent="-325424">
+              <a:lnSpc>
+                <a:spcPct val="90000"/>
+              </a:lnSpc>
+              <a:defRPr sz="2400"/>
+            </a:lvl2pPr>
+            <a:lvl3pPr marL="953785" indent="-288384">
+              <a:lnSpc>
+                <a:spcPct val="90000"/>
+              </a:lnSpc>
+              <a:defRPr sz="2000"/>
+            </a:lvl3pPr>
+            <a:lvl4pPr marL="1227618" indent="-273833">
+              <a:lnSpc>
+                <a:spcPct val="90000"/>
+              </a:lnSpc>
+              <a:defRPr sz="1800"/>
+            </a:lvl4pPr>
+            <a:lvl5pPr marL="1516002" indent="-280447">
+              <a:lnSpc>
+                <a:spcPct val="90000"/>
+              </a:lnSpc>
+              <a:defRPr sz="1800"/>
+            </a:lvl5pPr>
+            <a:lvl6pPr>
+              <a:defRPr sz="1800"/>
+            </a:lvl6pPr>
+            <a:lvl7pPr>
+              <a:defRPr sz="1800"/>
+            </a:lvl7pPr>
+            <a:lvl8pPr>
+              <a:defRPr sz="1800"/>
+            </a:lvl8pPr>
+            <a:lvl9pPr>
+              <a:defRPr sz="1800"/>
+            </a:lvl9pPr>
+          </a:lstStyle>
+          <a:p>
+            <a:pPr lvl="0"/>
+            <a:r>
+              <a:rPr lang="en-US"/>
+              <a:t>Click to edit Master text styles</a:t>
+            </a:r>
+          </a:p>
+          <a:p>
+            <a:pPr lvl="1"/>
+            <a:r>
+              <a:rPr lang="en-US"/>
+              <a:t>Second level</a:t>
+            </a:r>
+          </a:p>
+          <a:p>
+            <a:pPr lvl="2"/>
+            <a:r>
+              <a:rPr lang="en-US"/>
+              <a:t>Third level</a:t>
+            </a:r>
+          </a:p>
+          <a:p>
+            <a:pPr lvl="3"/>
+            <a:r>
+              <a:rPr lang="en-US"/>
+              <a:t>Fourth level</a:t>
+            </a:r>
+          </a:p>
+          <a:p>
+            <a:pPr lvl="4"/>
+            <a:r>
+              <a:rPr lang="en-US"/>
+              <a:t>Fifth level</a:t>
+            </a:r>
+            <a:endParaRPr lang="en-US" dirty="0"/>
+          </a:p>
+        </p:txBody>
+      </p:sp>
+      <p:sp>
+        <p:nvSpPr>
+          <p:cNvPr id="4" name="Content Placeholder 3"/>
+          <p:cNvSpPr>
+            <a:spLocks noGrp="1"/>
+          </p:cNvSpPr>
+          <p:nvPr>
+            <p:ph sz="half" idx="2"/>
+          </p:nvPr>
+        </p:nvSpPr>
+        <p:spPr>
+          <a:xfrm>
+            <a:off x="6197600" y="1447800"/>
+            <a:ext cx="5486400" cy="1742015"/>
+          </a:xfrm>
+        </p:spPr>
+        <p:txBody>
+          <a:bodyPr/>
+          <a:lstStyle>
+            <a:lvl1pPr marL="347914" indent="-347914">
+              <a:lnSpc>
+                <a:spcPct val="90000"/>
+              </a:lnSpc>
+              <a:defRPr sz="2800"/>
+            </a:lvl1pPr>
+            <a:lvl2pPr marL="673338" indent="-339976">
+              <a:lnSpc>
+                <a:spcPct val="90000"/>
+              </a:lnSpc>
+              <a:defRPr sz="2400"/>
+            </a:lvl2pPr>
+            <a:lvl3pPr marL="961722" indent="-302936">
+              <a:lnSpc>
+                <a:spcPct val="90000"/>
+              </a:lnSpc>
+              <a:defRPr sz="2000"/>
+            </a:lvl3pPr>
+            <a:lvl4pPr marL="1227618" indent="-265896">
+              <a:lnSpc>
+                <a:spcPct val="90000"/>
+              </a:lnSpc>
+              <a:defRPr sz="1800"/>
+            </a:lvl4pPr>
+            <a:lvl5pPr marL="1516002" indent="-273833">
+              <a:lnSpc>
+                <a:spcPct val="90000"/>
+              </a:lnSpc>
+              <a:defRPr sz="1800"/>
+            </a:lvl5pPr>
+            <a:lvl6pPr>
+              <a:defRPr sz="1800"/>
+            </a:lvl6pPr>
+            <a:lvl7pPr>
+              <a:defRPr sz="1800"/>
+            </a:lvl7pPr>
+            <a:lvl8pPr>
+              <a:defRPr sz="1800"/>
+            </a:lvl8pPr>
+            <a:lvl9pPr>
+              <a:defRPr sz="1800"/>
+            </a:lvl9pPr>
+          </a:lstStyle>
+          <a:p>
+            <a:pPr lvl="0"/>
+            <a:r>
+              <a:rPr lang="en-US"/>
+              <a:t>Click to edit Master text styles</a:t>
+            </a:r>
+          </a:p>
+          <a:p>
+            <a:pPr lvl="1"/>
+            <a:r>
+              <a:rPr lang="en-US"/>
+              <a:t>Second level</a:t>
+            </a:r>
+          </a:p>
+          <a:p>
+            <a:pPr lvl="2"/>
+            <a:r>
+              <a:rPr lang="en-US"/>
+              <a:t>Third level</a:t>
+            </a:r>
+          </a:p>
+          <a:p>
+            <a:pPr lvl="3"/>
+            <a:r>
+              <a:rPr lang="en-US"/>
+              <a:t>Fourth level</a:t>
+            </a:r>
+          </a:p>
+          <a:p>
+            <a:pPr lvl="4"/>
+            <a:r>
+              <a:rPr lang="en-US"/>
+              <a:t>Fifth level</a:t>
+            </a:r>
+            <a:endParaRPr lang="en-US" dirty="0"/>
+          </a:p>
+        </p:txBody>
+      </p:sp>
+    </p:spTree>
+    <p:extLst>
+      <p:ext uri="{BB962C8B-B14F-4D97-AF65-F5344CB8AC3E}">
+        <p14:creationId xmlns:p14="http://schemas.microsoft.com/office/powerpoint/2010/main" val="896270011"/>
+      </p:ext>
+    </p:extLst>
+  </p:cSld>
+  <p:clrMapOvr>
+    <a:masterClrMapping/>
+  </p:clrMapOvr>
+  <p:transition>
+    <p:fade/>
+  </p:transition>
+</p:sldLayout>
+</file>
+
+<file path=ppt/slideLayouts/slideLayout23.xml><?xml version="1.0" encoding="utf-8"?>
+<p:sldLayout xmlns:a="http://schemas.openxmlformats.org/drawingml/2006/main" xmlns:r="http://schemas.openxmlformats.org/officeDocument/2006/relationships" xmlns:p="http://schemas.openxmlformats.org/presentationml/2006/main" type="twoTxTwoObj" preserve="1">
+  <p:cSld name="Comparison">
+    <p:spTree>
+      <p:nvGrpSpPr>
+        <p:cNvPr id="1" name=""/>
+        <p:cNvGrpSpPr/>
+        <p:nvPr/>
+      </p:nvGrpSpPr>
+      <p:grpSpPr>
+        <a:xfrm>
+          <a:off x="0" y="0"/>
+          <a:ext cx="0" cy="0"/>
+          <a:chOff x="0" y="0"/>
+          <a:chExt cx="0" cy="0"/>
+        </a:xfrm>
+      </p:grpSpPr>
+      <p:sp>
+        <p:nvSpPr>
+          <p:cNvPr id="2" name="Title 1"/>
+          <p:cNvSpPr>
+            <a:spLocks noGrp="1"/>
+          </p:cNvSpPr>
+          <p:nvPr>
+            <p:ph type="title"/>
+          </p:nvPr>
+        </p:nvSpPr>
+        <p:spPr/>
+        <p:txBody>
+          <a:bodyPr/>
+          <a:lstStyle>
+            <a:lvl1pPr>
+              <a:defRPr/>
+            </a:lvl1pPr>
+          </a:lstStyle>
+          <a:p>
+            <a:r>
+              <a:rPr lang="en-US"/>
+              <a:t>Click to edit Master title style</a:t>
+            </a:r>
+            <a:endParaRPr lang="en-US" dirty="0"/>
+          </a:p>
+        </p:txBody>
+      </p:sp>
+      <p:sp>
+        <p:nvSpPr>
+          <p:cNvPr id="3" name="Text Placeholder 2"/>
+          <p:cNvSpPr>
+            <a:spLocks noGrp="1"/>
+          </p:cNvSpPr>
+          <p:nvPr>
+            <p:ph type="body" idx="1"/>
+          </p:nvPr>
+        </p:nvSpPr>
+        <p:spPr>
+          <a:xfrm>
+            <a:off x="508000" y="1794049"/>
+            <a:ext cx="5486400" cy="346249"/>
+          </a:xfrm>
+        </p:spPr>
+        <p:txBody>
+          <a:bodyPr anchor="b"/>
+          <a:lstStyle>
+            <a:lvl1pPr marL="0" indent="0">
+              <a:lnSpc>
+                <a:spcPct val="90000"/>
+              </a:lnSpc>
+              <a:spcBef>
+                <a:spcPts val="0"/>
+              </a:spcBef>
+              <a:buNone/>
+              <a:defRPr sz="2500" b="1"/>
+            </a:lvl1pPr>
+            <a:lvl2pPr marL="457182" indent="0">
+              <a:buNone/>
+              <a:defRPr sz="2000" b="1"/>
+            </a:lvl2pPr>
+            <a:lvl3pPr marL="914363" indent="0">
+              <a:buNone/>
+              <a:defRPr sz="1800" b="1"/>
+            </a:lvl3pPr>
+            <a:lvl4pPr marL="1371545" indent="0">
+              <a:buNone/>
+              <a:defRPr sz="1600" b="1"/>
+            </a:lvl4pPr>
+            <a:lvl5pPr marL="1828727" indent="0">
+              <a:buNone/>
+              <a:defRPr sz="1600" b="1"/>
+            </a:lvl5pPr>
+            <a:lvl6pPr marL="2285909" indent="0">
+              <a:buNone/>
+              <a:defRPr sz="1600" b="1"/>
+            </a:lvl6pPr>
+            <a:lvl7pPr marL="2743090" indent="0">
+              <a:buNone/>
+              <a:defRPr sz="1600" b="1"/>
+            </a:lvl7pPr>
+            <a:lvl8pPr marL="3200272" indent="0">
+              <a:buNone/>
+              <a:defRPr sz="1600" b="1"/>
+            </a:lvl8pPr>
+            <a:lvl9pPr marL="3657454" indent="0">
+              <a:buNone/>
+              <a:defRPr sz="1600" b="1"/>
+            </a:lvl9pPr>
+          </a:lstStyle>
+          <a:p>
+            <a:pPr lvl="0"/>
+            <a:r>
+              <a:rPr lang="en-US"/>
+              <a:t>Click to edit Master text styles</a:t>
+            </a:r>
+          </a:p>
+        </p:txBody>
+      </p:sp>
+      <p:sp>
+        <p:nvSpPr>
+          <p:cNvPr id="4" name="Content Placeholder 3"/>
+          <p:cNvSpPr>
+            <a:spLocks noGrp="1"/>
+          </p:cNvSpPr>
+          <p:nvPr>
+            <p:ph sz="half" idx="2"/>
+          </p:nvPr>
+        </p:nvSpPr>
+        <p:spPr>
+          <a:xfrm>
+            <a:off x="507999" y="2272656"/>
+            <a:ext cx="5486400" cy="1537344"/>
+          </a:xfrm>
+        </p:spPr>
+        <p:txBody>
+          <a:bodyPr/>
+          <a:lstStyle>
+            <a:lvl1pPr marL="281770" indent="-281770">
+              <a:defRPr sz="2300"/>
+            </a:lvl1pPr>
+            <a:lvl2pPr marL="562218" indent="-265896">
+              <a:defRPr sz="2000"/>
+            </a:lvl2pPr>
+            <a:lvl3pPr marL="813562" indent="-243407">
+              <a:defRPr sz="1800"/>
+            </a:lvl3pPr>
+            <a:lvl4pPr marL="1050354" indent="-228856">
+              <a:defRPr sz="1700"/>
+            </a:lvl4pPr>
+            <a:lvl5pPr marL="1279210" indent="-206367">
+              <a:defRPr sz="1700"/>
+            </a:lvl5pPr>
+            <a:lvl6pPr>
+              <a:defRPr sz="1600"/>
+            </a:lvl6pPr>
+            <a:lvl7pPr>
+              <a:defRPr sz="1600"/>
+            </a:lvl7pPr>
+            <a:lvl8pPr>
+              <a:defRPr sz="1600"/>
+            </a:lvl8pPr>
+            <a:lvl9pPr>
+              <a:defRPr sz="1600"/>
+            </a:lvl9pPr>
+          </a:lstStyle>
+          <a:p>
+            <a:pPr lvl="0"/>
+            <a:r>
+              <a:rPr lang="en-US"/>
+              <a:t>Click to edit Master text styles</a:t>
+            </a:r>
+          </a:p>
+          <a:p>
+            <a:pPr lvl="1"/>
+            <a:r>
+              <a:rPr lang="en-US"/>
+              <a:t>Second level</a:t>
+            </a:r>
+          </a:p>
+          <a:p>
+            <a:pPr lvl="2"/>
+            <a:r>
+              <a:rPr lang="en-US"/>
+              <a:t>Third level</a:t>
+            </a:r>
+          </a:p>
+          <a:p>
+            <a:pPr lvl="3"/>
+            <a:r>
+              <a:rPr lang="en-US"/>
+              <a:t>Fourth level</a:t>
+            </a:r>
+          </a:p>
+          <a:p>
+            <a:pPr lvl="4"/>
+            <a:r>
+              <a:rPr lang="en-US"/>
+              <a:t>Fifth level</a:t>
+            </a:r>
+            <a:endParaRPr lang="en-US" dirty="0"/>
+          </a:p>
+        </p:txBody>
+      </p:sp>
+      <p:sp>
+        <p:nvSpPr>
+          <p:cNvPr id="5" name="Text Placeholder 4"/>
+          <p:cNvSpPr>
+            <a:spLocks noGrp="1"/>
+          </p:cNvSpPr>
+          <p:nvPr>
+            <p:ph type="body" sz="quarter" idx="3"/>
+          </p:nvPr>
+        </p:nvSpPr>
+        <p:spPr>
+          <a:xfrm>
+            <a:off x="6194642" y="1794049"/>
+            <a:ext cx="5489359" cy="346249"/>
+          </a:xfrm>
+        </p:spPr>
+        <p:txBody>
+          <a:bodyPr anchor="b"/>
+          <a:lstStyle>
+            <a:lvl1pPr marL="0" indent="0">
+              <a:lnSpc>
+                <a:spcPct val="90000"/>
+              </a:lnSpc>
+              <a:spcBef>
+                <a:spcPts val="0"/>
+              </a:spcBef>
+              <a:buNone/>
+              <a:defRPr sz="2500" b="1"/>
+            </a:lvl1pPr>
+            <a:lvl2pPr marL="457182" indent="0">
+              <a:buNone/>
+              <a:defRPr sz="2000" b="1"/>
+            </a:lvl2pPr>
+            <a:lvl3pPr marL="914363" indent="0">
+              <a:buNone/>
+              <a:defRPr sz="1800" b="1"/>
+            </a:lvl3pPr>
+            <a:lvl4pPr marL="1371545" indent="0">
+              <a:buNone/>
+              <a:defRPr sz="1600" b="1"/>
+            </a:lvl4pPr>
+            <a:lvl5pPr marL="1828727" indent="0">
+              <a:buNone/>
+              <a:defRPr sz="1600" b="1"/>
+            </a:lvl5pPr>
+            <a:lvl6pPr marL="2285909" indent="0">
+              <a:buNone/>
+              <a:defRPr sz="1600" b="1"/>
+            </a:lvl6pPr>
+            <a:lvl7pPr marL="2743090" indent="0">
+              <a:buNone/>
+              <a:defRPr sz="1600" b="1"/>
+            </a:lvl7pPr>
+            <a:lvl8pPr marL="3200272" indent="0">
+              <a:buNone/>
+              <a:defRPr sz="1600" b="1"/>
+            </a:lvl8pPr>
+            <a:lvl9pPr marL="3657454" indent="0">
+              <a:buNone/>
+              <a:defRPr sz="1600" b="1"/>
+            </a:lvl9pPr>
+          </a:lstStyle>
+          <a:p>
+            <a:pPr lvl="0"/>
+            <a:r>
+              <a:rPr lang="en-US"/>
+              <a:t>Click to edit Master text styles</a:t>
+            </a:r>
+          </a:p>
+        </p:txBody>
+      </p:sp>
+      <p:sp>
+        <p:nvSpPr>
+          <p:cNvPr id="6" name="Content Placeholder 5"/>
+          <p:cNvSpPr>
+            <a:spLocks noGrp="1"/>
+          </p:cNvSpPr>
+          <p:nvPr>
+            <p:ph sz="quarter" idx="4"/>
+          </p:nvPr>
+        </p:nvSpPr>
+        <p:spPr>
+          <a:xfrm>
+            <a:off x="6193368" y="2272656"/>
+            <a:ext cx="5490632" cy="1537344"/>
+          </a:xfrm>
+        </p:spPr>
+        <p:txBody>
+          <a:bodyPr/>
+          <a:lstStyle>
+            <a:lvl1pPr marL="296321" indent="-296321">
+              <a:defRPr sz="2300"/>
+            </a:lvl1pPr>
+            <a:lvl2pPr marL="570155" indent="-273833">
+              <a:defRPr sz="2000"/>
+            </a:lvl2pPr>
+            <a:lvl3pPr marL="821499" indent="-244730">
+              <a:defRPr sz="1800"/>
+            </a:lvl3pPr>
+            <a:lvl4pPr marL="1050354" indent="-236793">
+              <a:defRPr sz="1700"/>
+            </a:lvl4pPr>
+            <a:lvl5pPr marL="1279210" indent="-220919">
+              <a:defRPr sz="1700"/>
+            </a:lvl5pPr>
+            <a:lvl6pPr>
+              <a:defRPr sz="1600"/>
+            </a:lvl6pPr>
+            <a:lvl7pPr>
+              <a:defRPr sz="1600"/>
+            </a:lvl7pPr>
+            <a:lvl8pPr>
+              <a:defRPr sz="1600"/>
+            </a:lvl8pPr>
+            <a:lvl9pPr>
+              <a:defRPr sz="1600"/>
+            </a:lvl9pPr>
+          </a:lstStyle>
+          <a:p>
+            <a:pPr lvl="0"/>
+            <a:r>
+              <a:rPr lang="en-US"/>
+              <a:t>Click to edit Master text styles</a:t>
+            </a:r>
+          </a:p>
+          <a:p>
+            <a:pPr lvl="1"/>
+            <a:r>
+              <a:rPr lang="en-US"/>
+              <a:t>Second level</a:t>
+            </a:r>
+          </a:p>
+          <a:p>
+            <a:pPr lvl="2"/>
+            <a:r>
+              <a:rPr lang="en-US"/>
+              <a:t>Third level</a:t>
+            </a:r>
+          </a:p>
+          <a:p>
+            <a:pPr lvl="3"/>
+            <a:r>
+              <a:rPr lang="en-US"/>
+              <a:t>Fourth level</a:t>
+            </a:r>
+          </a:p>
+          <a:p>
+            <a:pPr lvl="4"/>
+            <a:r>
+              <a:rPr lang="en-US"/>
+              <a:t>Fifth level</a:t>
+            </a:r>
+            <a:endParaRPr lang="en-US" dirty="0"/>
+          </a:p>
+        </p:txBody>
+      </p:sp>
+    </p:spTree>
+    <p:extLst>
+      <p:ext uri="{BB962C8B-B14F-4D97-AF65-F5344CB8AC3E}">
+        <p14:creationId xmlns:p14="http://schemas.microsoft.com/office/powerpoint/2010/main" val="871391254"/>
+      </p:ext>
+    </p:extLst>
+  </p:cSld>
+  <p:clrMapOvr>
+    <a:masterClrMapping/>
+  </p:clrMapOvr>
+  <p:transition>
+    <p:fade/>
+  </p:transition>
+</p:sldLayout>
+</file>
+
+<file path=ppt/slideLayouts/slideLayout24.xml><?xml version="1.0" encoding="utf-8"?>
+<p:sldLayout xmlns:a="http://schemas.openxmlformats.org/drawingml/2006/main" xmlns:r="http://schemas.openxmlformats.org/officeDocument/2006/relationships" xmlns:p="http://schemas.openxmlformats.org/presentationml/2006/main" type="titleOnly" preserve="1">
+  <p:cSld name="Title Only">
+    <p:spTree>
+      <p:nvGrpSpPr>
+        <p:cNvPr id="1" name=""/>
+        <p:cNvGrpSpPr/>
+        <p:nvPr/>
+      </p:nvGrpSpPr>
+      <p:grpSpPr>
+        <a:xfrm>
+          <a:off x="0" y="0"/>
+          <a:ext cx="0" cy="0"/>
+          <a:chOff x="0" y="0"/>
+          <a:chExt cx="0" cy="0"/>
+        </a:xfrm>
+      </p:grpSpPr>
+      <p:sp>
+        <p:nvSpPr>
+          <p:cNvPr id="2" name="Title 1"/>
+          <p:cNvSpPr>
+            <a:spLocks noGrp="1"/>
+          </p:cNvSpPr>
+          <p:nvPr>
+            <p:ph type="title"/>
+          </p:nvPr>
+        </p:nvSpPr>
+        <p:spPr/>
+        <p:txBody>
+          <a:bodyPr/>
+          <a:lstStyle/>
+          <a:p>
+            <a:r>
+              <a:rPr lang="en-US"/>
+              <a:t>Click to edit Master title style</a:t>
+            </a:r>
+            <a:endParaRPr lang="en-US" dirty="0"/>
+          </a:p>
+        </p:txBody>
+      </p:sp>
+    </p:spTree>
+    <p:extLst>
+      <p:ext uri="{BB962C8B-B14F-4D97-AF65-F5344CB8AC3E}">
+        <p14:creationId xmlns:p14="http://schemas.microsoft.com/office/powerpoint/2010/main" val="3135824081"/>
+      </p:ext>
+    </p:extLst>
+  </p:cSld>
+  <p:clrMapOvr>
+    <a:masterClrMapping/>
+  </p:clrMapOvr>
+  <p:transition>
+    <p:fade/>
+  </p:transition>
+</p:sldLayout>
+</file>
+
+<file path=ppt/slideLayouts/slideLayout25.xml><?xml version="1.0" encoding="utf-8"?>
+<p:sldLayout xmlns:a="http://schemas.openxmlformats.org/drawingml/2006/main" xmlns:r="http://schemas.openxmlformats.org/officeDocument/2006/relationships" xmlns:p="http://schemas.openxmlformats.org/presentationml/2006/main" type="blank" preserve="1">
+  <p:cSld name="Blank">
+    <p:spTree>
+      <p:nvGrpSpPr>
+        <p:cNvPr id="1" name=""/>
+        <p:cNvGrpSpPr/>
+        <p:nvPr/>
+      </p:nvGrpSpPr>
+      <p:grpSpPr>
+        <a:xfrm>
+          <a:off x="0" y="0"/>
+          <a:ext cx="0" cy="0"/>
+          <a:chOff x="0" y="0"/>
+          <a:chExt cx="0" cy="0"/>
+        </a:xfrm>
+      </p:grpSpPr>
+    </p:spTree>
+    <p:extLst>
+      <p:ext uri="{BB962C8B-B14F-4D97-AF65-F5344CB8AC3E}">
+        <p14:creationId xmlns:p14="http://schemas.microsoft.com/office/powerpoint/2010/main" val="576912166"/>
+      </p:ext>
+    </p:extLst>
+  </p:cSld>
+  <p:clrMapOvr>
+    <a:masterClrMapping/>
+  </p:clrMapOvr>
+  <p:transition>
+    <p:fade/>
+  </p:transition>
+</p:sldLayout>
+</file>
+
+<file path=ppt/slideLayouts/slideLayout26.xml><?xml version="1.0" encoding="utf-8"?>
+<p:sldLayout xmlns:a="http://schemas.openxmlformats.org/drawingml/2006/main" xmlns:r="http://schemas.openxmlformats.org/officeDocument/2006/relationships" xmlns:p="http://schemas.openxmlformats.org/presentationml/2006/main" preserve="1" userDrawn="1">
+  <p:cSld name="WALKIN - Prints in GRAYSCALE">
+    <p:bg bwMode="ltGray">
+      <p:bgPr>
+        <a:gradFill>
+          <a:gsLst>
+            <a:gs pos="0">
+              <a:schemeClr val="tx1"/>
+            </a:gs>
+            <a:gs pos="50000">
+              <a:srgbClr val="0070C0"/>
+            </a:gs>
+            <a:gs pos="100000">
+              <a:srgbClr val="7030A0"/>
+            </a:gs>
+          </a:gsLst>
+          <a:lin ang="2700000" scaled="0"/>
+        </a:gradFill>
+        <a:effectLst/>
+      </p:bgPr>
+    </p:bg>
+    <p:spTree>
+      <p:nvGrpSpPr>
+        <p:cNvPr id="1" name=""/>
+        <p:cNvGrpSpPr/>
+        <p:nvPr/>
+      </p:nvGrpSpPr>
+      <p:grpSpPr>
+        <a:xfrm>
+          <a:off x="0" y="0"/>
+          <a:ext cx="0" cy="0"/>
+          <a:chOff x="0" y="0"/>
+          <a:chExt cx="0" cy="0"/>
+        </a:xfrm>
+      </p:grpSpPr>
+    </p:spTree>
+    <p:extLst>
+      <p:ext uri="{BB962C8B-B14F-4D97-AF65-F5344CB8AC3E}">
+        <p14:creationId xmlns:p14="http://schemas.microsoft.com/office/powerpoint/2010/main" val="2138192544"/>
+      </p:ext>
+    </p:extLst>
+  </p:cSld>
+  <p:clrMapOvr>
+    <a:masterClrMapping/>
+  </p:clrMapOvr>
+  <p:transition>
+    <p:fade/>
+  </p:transition>
+</p:sldLayout>
+</file>
+
+<file path=ppt/slideLayouts/slideLayout27.xml><?xml version="1.0" encoding="utf-8"?>
+<p:sldLayout xmlns:a="http://schemas.openxmlformats.org/drawingml/2006/main" xmlns:r="http://schemas.openxmlformats.org/officeDocument/2006/relationships" xmlns:p="http://schemas.openxmlformats.org/presentationml/2006/main" preserve="1" userDrawn="1">
+  <p:cSld name="No Camera Layout">
+    <p:spTree>
+      <p:nvGrpSpPr>
+        <p:cNvPr id="1" name=""/>
+        <p:cNvGrpSpPr/>
+        <p:nvPr/>
+      </p:nvGrpSpPr>
+      <p:grpSpPr>
+        <a:xfrm>
+          <a:off x="0" y="0"/>
+          <a:ext cx="0" cy="0"/>
+          <a:chOff x="0" y="0"/>
+          <a:chExt cx="0" cy="0"/>
+        </a:xfrm>
+      </p:grpSpPr>
+      <p:sp>
+        <p:nvSpPr>
+          <p:cNvPr id="2" name="Title 1"/>
+          <p:cNvSpPr>
+            <a:spLocks noGrp="1"/>
+          </p:cNvSpPr>
+          <p:nvPr>
+            <p:ph type="title" hasCustomPrompt="1"/>
+          </p:nvPr>
+        </p:nvSpPr>
+        <p:spPr/>
+        <p:txBody>
+          <a:bodyPr/>
+          <a:lstStyle>
+            <a:lvl1pPr algn="ctr">
+              <a:defRPr baseline="0"/>
+            </a:lvl1pPr>
+          </a:lstStyle>
+          <a:p>
+            <a:r>
+              <a:rPr lang="en-US" dirty="0"/>
+              <a:t>Please Be Courteous!</a:t>
+            </a:r>
+          </a:p>
+        </p:txBody>
+      </p:sp>
+      <p:pic>
+        <p:nvPicPr>
+          <p:cNvPr id="5" name="Picture 5" descr="C:\Users\monical\Desktop\ADMIN\DVD_ART34\Artwork_Imagery\Icons - Illustrations\_WINDOWS VISTA ICONS\Cell mobile smart phone smartphone.png"/>
+          <p:cNvPicPr>
+            <a:picLocks noChangeAspect="1" noChangeArrowheads="1"/>
+          </p:cNvPicPr>
+          <p:nvPr userDrawn="1"/>
+        </p:nvPicPr>
+        <p:blipFill>
+          <a:blip r:embed="rId2"/>
+          <a:stretch>
+            <a:fillRect/>
+          </a:stretch>
+        </p:blipFill>
+        <p:spPr bwMode="auto">
+          <a:xfrm>
+            <a:off x="4673601" y="1942606"/>
+            <a:ext cx="2388263" cy="1791195"/>
+          </a:xfrm>
+          <a:prstGeom prst="rect">
+            <a:avLst/>
+          </a:prstGeom>
+          <a:noFill/>
+          <a:ln>
+            <a:noFill/>
+          </a:ln>
+        </p:spPr>
+      </p:pic>
+      <p:pic>
+        <p:nvPicPr>
+          <p:cNvPr id="10" name="Picture 9" descr="C:\Users\monical\Desktop\ADMIN\DVD_ART34\Artwork_Imagery\Icons - Illustrations\_WINDOWS SERVER ICONS\Symbols\X don't no not okay approved bad.png"/>
+          <p:cNvPicPr>
+            <a:picLocks noChangeAspect="1" noChangeArrowheads="1"/>
+          </p:cNvPicPr>
+          <p:nvPr userDrawn="1"/>
+        </p:nvPicPr>
+        <p:blipFill>
+          <a:blip r:embed="rId3"/>
+          <a:stretch>
+            <a:fillRect/>
+          </a:stretch>
+        </p:blipFill>
+        <p:spPr bwMode="auto">
+          <a:xfrm>
+            <a:off x="5327665" y="2354722"/>
+            <a:ext cx="1260204" cy="851967"/>
+          </a:xfrm>
+          <a:prstGeom prst="rect">
+            <a:avLst/>
+          </a:prstGeom>
+          <a:noFill/>
+          <a:ln>
+            <a:noFill/>
+          </a:ln>
+        </p:spPr>
+      </p:pic>
+      <p:sp>
+        <p:nvSpPr>
+          <p:cNvPr id="12" name="Rectangle 1"/>
+          <p:cNvSpPr>
+            <a:spLocks noChangeArrowheads="1"/>
+          </p:cNvSpPr>
+          <p:nvPr userDrawn="1"/>
+        </p:nvSpPr>
+        <p:spPr bwMode="auto">
+          <a:xfrm>
+            <a:off x="976566" y="4952636"/>
+            <a:ext cx="10238869" cy="1448165"/>
+          </a:xfrm>
+          <a:prstGeom prst="rect">
+            <a:avLst/>
+          </a:prstGeom>
+          <a:noFill/>
+          <a:ln w="9525">
+            <a:noFill/>
+            <a:miter lim="800000"/>
+            <a:headEnd/>
+            <a:tailEnd/>
+          </a:ln>
+          <a:effectLst/>
+        </p:spPr>
+        <p:txBody>
+          <a:bodyPr vert="horz" wrap="none" lIns="91440" tIns="45720" rIns="91440" bIns="45720" numCol="1" anchor="ctr" anchorCtr="0" compatLnSpc="1">
+            <a:prstTxWarp prst="textNoShape">
+              <a:avLst/>
+            </a:prstTxWarp>
+            <a:noAutofit/>
+          </a:bodyPr>
+          <a:lstStyle/>
+          <a:p>
+            <a:pPr marL="0" marR="0" lvl="0" indent="0" algn="ctr" defTabSz="914400" rtl="0" eaLnBrk="1" fontAlgn="base" latinLnBrk="0" hangingPunct="1">
+              <a:lnSpc>
+                <a:spcPct val="150000"/>
+              </a:lnSpc>
+              <a:spcBef>
+                <a:spcPct val="0"/>
+              </a:spcBef>
+              <a:spcAft>
+                <a:spcPct val="0"/>
+              </a:spcAft>
+              <a:buClrTx/>
+              <a:buSzTx/>
+              <a:buFontTx/>
+              <a:buNone/>
+              <a:tabLst/>
+            </a:pPr>
+            <a:r>
+              <a:rPr kumimoji="0" lang="en-US" sz="1800" b="0" i="1" u="none" strike="noStrike" cap="none" normalizeH="0" baseline="0" dirty="0">
+                <a:ln>
+                  <a:noFill/>
+                </a:ln>
+                <a:gradFill>
+                  <a:gsLst>
+                    <a:gs pos="0">
+                      <a:schemeClr val="tx1"/>
+                    </a:gs>
+                    <a:gs pos="50000">
+                      <a:schemeClr val="tx1"/>
+                    </a:gs>
+                  </a:gsLst>
+                  <a:lin ang="5400000" scaled="0"/>
+                </a:gradFill>
+                <a:effectLst/>
+                <a:latin typeface="+mn-lt"/>
+                <a:ea typeface="Calibri" pitchFamily="34" charset="0"/>
+                <a:cs typeface="Arial" pitchFamily="34" charset="0"/>
+              </a:rPr>
+              <a:t>Please be courteous to your fellow attendees</a:t>
+            </a:r>
+          </a:p>
+          <a:p>
+            <a:pPr marL="0" marR="0" lvl="0" indent="0" algn="ctr" defTabSz="914400" rtl="0" eaLnBrk="1" fontAlgn="base" latinLnBrk="0" hangingPunct="1">
+              <a:lnSpc>
+                <a:spcPct val="150000"/>
+              </a:lnSpc>
+              <a:spcBef>
+                <a:spcPct val="0"/>
+              </a:spcBef>
+              <a:spcAft>
+                <a:spcPct val="0"/>
+              </a:spcAft>
+              <a:buClrTx/>
+              <a:buSzTx/>
+              <a:buFontTx/>
+              <a:buNone/>
+              <a:tabLst/>
+            </a:pPr>
+            <a:r>
+              <a:rPr kumimoji="0" lang="en-US" sz="1800" b="0" i="1" u="none" strike="noStrike" cap="none" normalizeH="0" baseline="0" dirty="0">
+                <a:ln>
+                  <a:noFill/>
+                </a:ln>
+                <a:gradFill>
+                  <a:gsLst>
+                    <a:gs pos="0">
+                      <a:schemeClr val="tx1"/>
+                    </a:gs>
+                    <a:gs pos="50000">
+                      <a:schemeClr val="tx1"/>
+                    </a:gs>
+                  </a:gsLst>
+                  <a:lin ang="5400000" scaled="0"/>
+                </a:gradFill>
+                <a:effectLst/>
+                <a:latin typeface="+mn-lt"/>
+                <a:ea typeface="Calibri" pitchFamily="34" charset="0"/>
+                <a:cs typeface="Arial" pitchFamily="34" charset="0"/>
+              </a:rPr>
+              <a:t>and</a:t>
+            </a:r>
+          </a:p>
+          <a:p>
+            <a:pPr marL="0" marR="0" lvl="0" indent="0" algn="ctr" defTabSz="914400" rtl="0" eaLnBrk="1" fontAlgn="base" latinLnBrk="0" hangingPunct="1">
+              <a:lnSpc>
+                <a:spcPct val="150000"/>
+              </a:lnSpc>
+              <a:spcBef>
+                <a:spcPct val="0"/>
+              </a:spcBef>
+              <a:spcAft>
+                <a:spcPct val="0"/>
+              </a:spcAft>
+              <a:buClrTx/>
+              <a:buSzTx/>
+              <a:buFontTx/>
+              <a:buNone/>
+              <a:tabLst/>
+            </a:pPr>
+            <a:r>
+              <a:rPr kumimoji="0" lang="en-US" sz="1800" b="0" i="1" u="none" strike="noStrike" cap="none" normalizeH="0" baseline="0" dirty="0">
+                <a:ln>
+                  <a:noFill/>
+                </a:ln>
+                <a:gradFill>
+                  <a:gsLst>
+                    <a:gs pos="0">
+                      <a:schemeClr val="tx1"/>
+                    </a:gs>
+                    <a:gs pos="50000">
+                      <a:schemeClr val="tx1"/>
+                    </a:gs>
+                  </a:gsLst>
+                  <a:lin ang="5400000" scaled="0"/>
+                </a:gradFill>
+                <a:effectLst/>
+                <a:latin typeface="+mn-lt"/>
+                <a:ea typeface="Calibri" pitchFamily="34" charset="0"/>
+                <a:cs typeface="Arial" pitchFamily="34" charset="0"/>
+              </a:rPr>
+              <a:t>set your phones to vibrate or silent mode!</a:t>
+            </a:r>
+            <a:r>
+              <a:rPr kumimoji="0" lang="en-US" sz="1800" b="0" i="1" u="none" strike="noStrike" cap="none" normalizeH="0" baseline="0" dirty="0">
+                <a:ln>
+                  <a:noFill/>
+                </a:ln>
+                <a:gradFill>
+                  <a:gsLst>
+                    <a:gs pos="0">
+                      <a:schemeClr val="tx2"/>
+                    </a:gs>
+                    <a:gs pos="50000">
+                      <a:schemeClr val="tx2"/>
+                    </a:gs>
+                  </a:gsLst>
+                  <a:lin ang="5400000" scaled="0"/>
+                </a:gradFill>
+                <a:effectLst/>
+                <a:latin typeface="+mn-lt"/>
+                <a:ea typeface="Calibri" pitchFamily="34" charset="0"/>
+                <a:cs typeface="Arial" pitchFamily="34" charset="0"/>
+              </a:rPr>
+              <a:t> </a:t>
+            </a:r>
+            <a:br>
+              <a:rPr kumimoji="0" lang="en-US" sz="1800" b="0" i="1" u="none" strike="noStrike" cap="none" normalizeH="0" baseline="0" dirty="0">
+                <a:ln>
+                  <a:noFill/>
+                </a:ln>
+                <a:gradFill>
+                  <a:gsLst>
+                    <a:gs pos="0">
+                      <a:schemeClr val="tx2"/>
+                    </a:gs>
+                    <a:gs pos="50000">
+                      <a:schemeClr val="tx2"/>
+                    </a:gs>
+                  </a:gsLst>
+                  <a:lin ang="5400000" scaled="0"/>
+                </a:gradFill>
+                <a:effectLst/>
+                <a:latin typeface="+mn-lt"/>
+                <a:ea typeface="Calibri" pitchFamily="34" charset="0"/>
+                <a:cs typeface="Arial" pitchFamily="34" charset="0"/>
+              </a:rPr>
+            </a:br>
+            <a:endParaRPr kumimoji="0" lang="en-US" sz="1800" b="0" i="1" u="sng" strike="noStrike" kern="1200" cap="none" normalizeH="0" baseline="0" dirty="0">
+              <a:ln>
+                <a:noFill/>
+              </a:ln>
+              <a:gradFill>
+                <a:gsLst>
+                  <a:gs pos="0">
+                    <a:schemeClr val="tx2"/>
+                  </a:gs>
+                  <a:gs pos="50000">
+                    <a:schemeClr val="tx2"/>
+                  </a:gs>
+                </a:gsLst>
+                <a:lin ang="5400000" scaled="0"/>
+              </a:gradFill>
+              <a:effectLst/>
+              <a:latin typeface="+mn-lt"/>
+              <a:ea typeface="Calibri" pitchFamily="34" charset="0"/>
+              <a:cs typeface="Arial" pitchFamily="34" charset="0"/>
+            </a:endParaRPr>
+          </a:p>
+        </p:txBody>
+      </p:sp>
+    </p:spTree>
+    <p:extLst>
+      <p:ext uri="{BB962C8B-B14F-4D97-AF65-F5344CB8AC3E}">
+        <p14:creationId xmlns:p14="http://schemas.microsoft.com/office/powerpoint/2010/main" val="2456842075"/>
+      </p:ext>
+    </p:extLst>
+  </p:cSld>
+  <p:clrMapOvr>
+    <a:masterClrMapping/>
+  </p:clrMapOvr>
+  <p:transition>
+    <p:fade/>
+  </p:transition>
+  <p:timing>
+    <p:tnLst>
+      <p:par>
+        <p:cTn id="1" dur="indefinite" restart="never" nodeType="tmRoot">
+          <p:childTnLst>
+            <p:seq concurrent="1" nextAc="seek">
+              <p:cTn id="2" dur="indefinite" nodeType="mainSeq">
+                <p:childTnLst>
+                  <p:par>
+                    <p:cTn id="3" fill="hold">
+                      <p:stCondLst>
+                        <p:cond delay="indefinite"/>
+                        <p:cond evt="onBegin" delay="0">
+                          <p:tn val="2"/>
+                        </p:cond>
+                      </p:stCondLst>
+                      <p:childTnLst>
+                        <p:par>
+                          <p:cTn id="4" fill="hold">
+                            <p:stCondLst>
+                              <p:cond delay="0"/>
+                            </p:stCondLst>
+                            <p:childTnLst>
+                              <p:par>
+                                <p:cTn id="5" presetID="53" presetClass="entr" presetSubtype="0" fill="hold" nodeType="withEffect">
+                                  <p:stCondLst>
+                                    <p:cond delay="1000"/>
+                                  </p:stCondLst>
+                                  <p:childTnLst>
+                                    <p:set>
+                                      <p:cBhvr>
+                                        <p:cTn id="6" dur="1" fill="hold">
+                                          <p:stCondLst>
+                                            <p:cond delay="0"/>
+                                          </p:stCondLst>
+                                        </p:cTn>
+                                        <p:tgtEl>
+                                          <p:spTgt spid="10"/>
+                                        </p:tgtEl>
+                                        <p:attrNameLst>
+                                          <p:attrName>style.visibility</p:attrName>
+                                        </p:attrNameLst>
+                                      </p:cBhvr>
+                                      <p:to>
+                                        <p:strVal val="visible"/>
+                                      </p:to>
+                                    </p:set>
+                                    <p:anim calcmode="lin" valueType="num">
+                                      <p:cBhvr>
+                                        <p:cTn id="7" dur="500" fill="hold"/>
+                                        <p:tgtEl>
+                                          <p:spTgt spid="10"/>
+                                        </p:tgtEl>
+                                        <p:attrNameLst>
+                                          <p:attrName>ppt_w</p:attrName>
+                                        </p:attrNameLst>
+                                      </p:cBhvr>
+                                      <p:tavLst>
+                                        <p:tav tm="0">
+                                          <p:val>
+                                            <p:fltVal val="0"/>
+                                          </p:val>
+                                        </p:tav>
+                                        <p:tav tm="100000">
+                                          <p:val>
+                                            <p:strVal val="#ppt_w"/>
+                                          </p:val>
+                                        </p:tav>
+                                      </p:tavLst>
+                                    </p:anim>
+                                    <p:anim calcmode="lin" valueType="num">
+                                      <p:cBhvr>
+                                        <p:cTn id="8" dur="500" fill="hold"/>
+                                        <p:tgtEl>
+                                          <p:spTgt spid="10"/>
+                                        </p:tgtEl>
+                                        <p:attrNameLst>
+                                          <p:attrName>ppt_h</p:attrName>
+                                        </p:attrNameLst>
+                                      </p:cBhvr>
+                                      <p:tavLst>
+                                        <p:tav tm="0">
+                                          <p:val>
+                                            <p:fltVal val="0"/>
+                                          </p:val>
+                                        </p:tav>
+                                        <p:tav tm="100000">
+                                          <p:val>
+                                            <p:strVal val="#ppt_h"/>
+                                          </p:val>
+                                        </p:tav>
+                                      </p:tavLst>
+                                    </p:anim>
+                                    <p:animEffect transition="in" filter="fade">
+                                      <p:cBhvr>
+                                        <p:cTn id="9" dur="500"/>
+                                        <p:tgtEl>
+                                          <p:spTgt spid="10"/>
+                                        </p:tgtEl>
+                                      </p:cBhvr>
+                                    </p:animEffect>
+                                  </p:childTnLst>
+                                </p:cTn>
+                              </p:par>
+                            </p:childTnLst>
+                          </p:cTn>
+                        </p:par>
+                      </p:childTnLst>
+                    </p:cTn>
+                  </p:par>
+                </p:childTnLst>
+              </p:cTn>
+              <p:prevCondLst>
+                <p:cond evt="onPrev" delay="0">
+                  <p:tgtEl>
+                    <p:sldTgt/>
+                  </p:tgtEl>
+                </p:cond>
+              </p:prevCondLst>
+              <p:nextCondLst>
+                <p:cond evt="onNext" delay="0">
+                  <p:tgtEl>
+                    <p:sldTgt/>
+                  </p:tgtEl>
+                </p:cond>
+              </p:nextCondLst>
+            </p:seq>
+          </p:childTnLst>
+        </p:cTn>
+      </p:par>
+    </p:tnLst>
+  </p:timing>
 </p:sldLayout>
 </file>
 
@@ -5491,6 +8576,7 @@
     <p:sldLayoutId id="2147483664" r:id="rId14"/>
     <p:sldLayoutId id="2147483668" r:id="rId15"/>
     <p:sldLayoutId id="2147483659" r:id="rId16"/>
+    <p:sldLayoutId id="2147483669" r:id="rId17"/>
   </p:sldLayoutIdLst>
   <p:txStyles>
     <p:titleStyle>
@@ -5891,6 +8977,604 @@
 </p:sldMaster>
 </file>
 
+<file path=ppt/slideMasters/slideMaster2.xml><?xml version="1.0" encoding="utf-8"?>
+<p:sldMaster xmlns:a="http://schemas.openxmlformats.org/drawingml/2006/main" xmlns:r="http://schemas.openxmlformats.org/officeDocument/2006/relationships" xmlns:p="http://schemas.openxmlformats.org/presentationml/2006/main" preserve="1">
+  <p:cSld>
+    <p:bg>
+      <p:bgPr>
+        <a:gradFill>
+          <a:gsLst>
+            <a:gs pos="0">
+              <a:schemeClr val="tx1"/>
+            </a:gs>
+            <a:gs pos="50000">
+              <a:srgbClr val="0070C0"/>
+            </a:gs>
+            <a:gs pos="100000">
+              <a:srgbClr val="7030A0"/>
+            </a:gs>
+          </a:gsLst>
+          <a:lin ang="2700000" scaled="0"/>
+        </a:gradFill>
+        <a:effectLst/>
+      </p:bgPr>
+    </p:bg>
+    <p:spTree>
+      <p:nvGrpSpPr>
+        <p:cNvPr id="1" name=""/>
+        <p:cNvGrpSpPr/>
+        <p:nvPr/>
+      </p:nvGrpSpPr>
+      <p:grpSpPr>
+        <a:xfrm>
+          <a:off x="0" y="0"/>
+          <a:ext cx="0" cy="0"/>
+          <a:chOff x="0" y="0"/>
+          <a:chExt cx="0" cy="0"/>
+        </a:xfrm>
+      </p:grpSpPr>
+      <p:sp>
+        <p:nvSpPr>
+          <p:cNvPr id="2" name="Title Placeholder 1"/>
+          <p:cNvSpPr>
+            <a:spLocks noGrp="1"/>
+          </p:cNvSpPr>
+          <p:nvPr>
+            <p:ph type="title"/>
+          </p:nvPr>
+        </p:nvSpPr>
+        <p:spPr>
+          <a:xfrm>
+            <a:off x="508000" y="228601"/>
+            <a:ext cx="11176000" cy="666385"/>
+          </a:xfrm>
+          <a:prstGeom prst="rect">
+            <a:avLst/>
+          </a:prstGeom>
+        </p:spPr>
+        <p:txBody>
+          <a:bodyPr vert="horz" wrap="square" lIns="0" tIns="0" rIns="0" bIns="0" rtlCol="0" anchor="t">
+            <a:spAutoFit/>
+          </a:bodyPr>
+          <a:lstStyle/>
+          <a:p>
+            <a:r>
+              <a:rPr lang="en-US"/>
+              <a:t>Click to edit Master title style</a:t>
+            </a:r>
+            <a:endParaRPr lang="en-US" dirty="0"/>
+          </a:p>
+        </p:txBody>
+      </p:sp>
+      <p:sp>
+        <p:nvSpPr>
+          <p:cNvPr id="3" name="Text Placeholder 2"/>
+          <p:cNvSpPr>
+            <a:spLocks noGrp="1"/>
+          </p:cNvSpPr>
+          <p:nvPr>
+            <p:ph type="body" idx="1"/>
+          </p:nvPr>
+        </p:nvSpPr>
+        <p:spPr>
+          <a:xfrm>
+            <a:off x="508000" y="1447800"/>
+            <a:ext cx="11176000" cy="2000548"/>
+          </a:xfrm>
+          <a:prstGeom prst="rect">
+            <a:avLst/>
+          </a:prstGeom>
+        </p:spPr>
+        <p:txBody>
+          <a:bodyPr vert="horz" wrap="square" lIns="0" tIns="0" rIns="0" bIns="0" rtlCol="0">
+            <a:spAutoFit/>
+          </a:bodyPr>
+          <a:lstStyle/>
+          <a:p>
+            <a:pPr lvl="0"/>
+            <a:r>
+              <a:rPr lang="en-US"/>
+              <a:t>Click to edit Master text styles</a:t>
+            </a:r>
+          </a:p>
+          <a:p>
+            <a:pPr lvl="1"/>
+            <a:r>
+              <a:rPr lang="en-US"/>
+              <a:t>Second level</a:t>
+            </a:r>
+          </a:p>
+          <a:p>
+            <a:pPr lvl="2"/>
+            <a:r>
+              <a:rPr lang="en-US"/>
+              <a:t>Third level</a:t>
+            </a:r>
+          </a:p>
+          <a:p>
+            <a:pPr lvl="3"/>
+            <a:r>
+              <a:rPr lang="en-US"/>
+              <a:t>Fourth level</a:t>
+            </a:r>
+          </a:p>
+          <a:p>
+            <a:pPr lvl="4"/>
+            <a:r>
+              <a:rPr lang="en-US"/>
+              <a:t>Fifth level</a:t>
+            </a:r>
+            <a:endParaRPr lang="en-US" dirty="0"/>
+          </a:p>
+        </p:txBody>
+      </p:sp>
+      <p:sp>
+        <p:nvSpPr>
+          <p:cNvPr id="4" name="Text Box 7"/>
+          <p:cNvSpPr txBox="1">
+            <a:spLocks noChangeArrowheads="1"/>
+          </p:cNvSpPr>
+          <p:nvPr/>
+        </p:nvSpPr>
+        <p:spPr bwMode="auto">
+          <a:xfrm>
+            <a:off x="0" y="6628529"/>
+            <a:ext cx="12192000" cy="246221"/>
+          </a:xfrm>
+          <a:prstGeom prst="rect">
+            <a:avLst/>
+          </a:prstGeom>
+          <a:solidFill>
+            <a:srgbClr val="000000"/>
+          </a:solidFill>
+          <a:ln w="9525">
+            <a:noFill/>
+            <a:miter lim="800000"/>
+            <a:headEnd/>
+            <a:tailEnd/>
+          </a:ln>
+          <a:effectLst/>
+        </p:spPr>
+        <p:txBody>
+          <a:bodyPr anchor="ctr" anchorCtr="1">
+            <a:spAutoFit/>
+          </a:bodyPr>
+          <a:lstStyle/>
+          <a:p>
+            <a:pPr algn="ctr">
+              <a:spcBef>
+                <a:spcPct val="50000"/>
+              </a:spcBef>
+              <a:defRPr/>
+            </a:pPr>
+            <a:r>
+              <a:rPr lang="en-US" sz="1000" b="1" dirty="0">
+                <a:solidFill>
+                  <a:schemeClr val="tx1"/>
+                </a:solidFill>
+                <a:latin typeface="+mj-lt"/>
+              </a:rPr>
+              <a:t>          Tulsa</a:t>
+            </a:r>
+            <a:r>
+              <a:rPr lang="en-US" sz="1000" b="1" baseline="0" dirty="0">
+                <a:solidFill>
+                  <a:schemeClr val="tx1"/>
+                </a:solidFill>
+                <a:latin typeface="+mj-lt"/>
+              </a:rPr>
+              <a:t> </a:t>
+            </a:r>
+            <a:r>
+              <a:rPr lang="en-US" sz="1000" b="1" dirty="0">
+                <a:solidFill>
+                  <a:schemeClr val="tx1"/>
+                </a:solidFill>
+                <a:latin typeface="+mj-lt"/>
+              </a:rPr>
+              <a:t>TechFest 2018             |                Fri, Jul 20</a:t>
+            </a:r>
+            <a:r>
+              <a:rPr lang="en-US" sz="1000" b="1" baseline="30000" dirty="0">
+                <a:solidFill>
+                  <a:schemeClr val="tx1"/>
+                </a:solidFill>
+                <a:latin typeface="+mj-lt"/>
+              </a:rPr>
+              <a:t>th</a:t>
+            </a:r>
+            <a:r>
+              <a:rPr lang="en-US" sz="1000" b="1" dirty="0">
+                <a:solidFill>
+                  <a:schemeClr val="tx1"/>
+                </a:solidFill>
+                <a:latin typeface="+mj-lt"/>
+              </a:rPr>
+              <a:t> 2018              |                OSU - Tulsa                |          60+ Speakers, 18+ Tracks &amp; 70+</a:t>
+            </a:r>
+            <a:r>
+              <a:rPr lang="en-US" sz="1000" b="1" baseline="0" dirty="0">
+                <a:solidFill>
+                  <a:schemeClr val="tx1"/>
+                </a:solidFill>
+                <a:latin typeface="+mj-lt"/>
+              </a:rPr>
+              <a:t> Sessions!</a:t>
+            </a:r>
+            <a:r>
+              <a:rPr lang="en-US" sz="1000" b="1" dirty="0">
+                <a:solidFill>
+                  <a:schemeClr val="tx1"/>
+                </a:solidFill>
+                <a:latin typeface="+mj-lt"/>
+              </a:rPr>
+              <a:t>               </a:t>
+            </a:r>
+          </a:p>
+        </p:txBody>
+      </p:sp>
+    </p:spTree>
+    <p:extLst>
+      <p:ext uri="{BB962C8B-B14F-4D97-AF65-F5344CB8AC3E}">
+        <p14:creationId xmlns:p14="http://schemas.microsoft.com/office/powerpoint/2010/main" val="2757246563"/>
+      </p:ext>
+    </p:extLst>
+  </p:cSld>
+  <p:clrMap bg1="dk1" tx1="lt1" bg2="dk2" tx2="lt2" accent1="accent1" accent2="accent2" accent3="accent3" accent4="accent4" accent5="accent5" accent6="accent6" hlink="hlink" folHlink="folHlink"/>
+  <p:sldLayoutIdLst>
+    <p:sldLayoutId id="2147483671" r:id="rId1"/>
+    <p:sldLayoutId id="2147483672" r:id="rId2"/>
+    <p:sldLayoutId id="2147483673" r:id="rId3"/>
+    <p:sldLayoutId id="2147483674" r:id="rId4"/>
+    <p:sldLayoutId id="2147483675" r:id="rId5"/>
+    <p:sldLayoutId id="2147483676" r:id="rId6"/>
+    <p:sldLayoutId id="2147483677" r:id="rId7"/>
+    <p:sldLayoutId id="2147483678" r:id="rId8"/>
+    <p:sldLayoutId id="2147483679" r:id="rId9"/>
+    <p:sldLayoutId id="2147483680" r:id="rId10"/>
+  </p:sldLayoutIdLst>
+  <p:transition>
+    <p:fade/>
+  </p:transition>
+  <p:txStyles>
+    <p:titleStyle>
+      <a:lvl1pPr algn="l" defTabSz="914363" rtl="0" eaLnBrk="1" latinLnBrk="0" hangingPunct="1">
+        <a:lnSpc>
+          <a:spcPct val="90000"/>
+        </a:lnSpc>
+        <a:spcBef>
+          <a:spcPct val="0"/>
+        </a:spcBef>
+        <a:buNone/>
+        <a:defRPr lang="en-US" sz="4800" b="0" kern="1200" cap="none" spc="-150" dirty="0" smtClean="0">
+          <a:ln w="3175">
+            <a:noFill/>
+          </a:ln>
+          <a:gradFill flip="none" rotWithShape="1">
+            <a:gsLst>
+              <a:gs pos="0">
+                <a:schemeClr val="tx1"/>
+              </a:gs>
+              <a:gs pos="86000">
+                <a:schemeClr val="tx1"/>
+              </a:gs>
+            </a:gsLst>
+            <a:lin ang="5400000" scaled="0"/>
+            <a:tileRect/>
+          </a:gradFill>
+          <a:effectLst/>
+          <a:latin typeface="+mj-lt"/>
+          <a:ea typeface="+mn-ea"/>
+          <a:cs typeface="Arial" charset="0"/>
+        </a:defRPr>
+      </a:lvl1pPr>
+    </p:titleStyle>
+    <p:bodyStyle>
+      <a:lvl1pPr marL="460375" indent="-460375" algn="l" defTabSz="914363" rtl="0" eaLnBrk="1" latinLnBrk="0" hangingPunct="1">
+        <a:lnSpc>
+          <a:spcPct val="90000"/>
+        </a:lnSpc>
+        <a:spcBef>
+          <a:spcPct val="20000"/>
+        </a:spcBef>
+        <a:buSzPct val="85000"/>
+        <a:buFontTx/>
+        <a:buBlip>
+          <a:blip r:embed="rId12"/>
+        </a:buBlip>
+        <a:defRPr sz="3200" kern="1200">
+          <a:gradFill>
+            <a:gsLst>
+              <a:gs pos="0">
+                <a:schemeClr val="tx1"/>
+              </a:gs>
+              <a:gs pos="86000">
+                <a:schemeClr val="tx1"/>
+              </a:gs>
+            </a:gsLst>
+            <a:lin ang="5400000" scaled="0"/>
+          </a:gradFill>
+          <a:latin typeface="+mn-lt"/>
+          <a:ea typeface="+mn-ea"/>
+          <a:cs typeface="+mn-cs"/>
+        </a:defRPr>
+      </a:lvl1pPr>
+      <a:lvl2pPr marL="855663" indent="-395288" algn="l" defTabSz="914363" rtl="0" eaLnBrk="1" latinLnBrk="0" hangingPunct="1">
+        <a:lnSpc>
+          <a:spcPct val="90000"/>
+        </a:lnSpc>
+        <a:spcBef>
+          <a:spcPct val="20000"/>
+        </a:spcBef>
+        <a:buSzPct val="85000"/>
+        <a:buFontTx/>
+        <a:buBlip>
+          <a:blip r:embed="rId12"/>
+        </a:buBlip>
+        <a:defRPr sz="2800" kern="1200">
+          <a:gradFill>
+            <a:gsLst>
+              <a:gs pos="0">
+                <a:schemeClr val="tx1"/>
+              </a:gs>
+              <a:gs pos="86000">
+                <a:schemeClr val="tx1"/>
+              </a:gs>
+            </a:gsLst>
+            <a:lin ang="5400000" scaled="0"/>
+          </a:gradFill>
+          <a:latin typeface="+mn-lt"/>
+          <a:ea typeface="+mn-ea"/>
+          <a:cs typeface="+mn-cs"/>
+        </a:defRPr>
+      </a:lvl2pPr>
+      <a:lvl3pPr marL="1258888" indent="-403225" algn="l" defTabSz="914363" rtl="0" eaLnBrk="1" latinLnBrk="0" hangingPunct="1">
+        <a:lnSpc>
+          <a:spcPct val="90000"/>
+        </a:lnSpc>
+        <a:spcBef>
+          <a:spcPct val="20000"/>
+        </a:spcBef>
+        <a:buSzPct val="85000"/>
+        <a:buFontTx/>
+        <a:buBlip>
+          <a:blip r:embed="rId12"/>
+        </a:buBlip>
+        <a:defRPr sz="2400" kern="1200">
+          <a:gradFill>
+            <a:gsLst>
+              <a:gs pos="0">
+                <a:schemeClr val="tx1"/>
+              </a:gs>
+              <a:gs pos="86000">
+                <a:schemeClr val="tx1"/>
+              </a:gs>
+            </a:gsLst>
+            <a:lin ang="5400000" scaled="0"/>
+          </a:gradFill>
+          <a:latin typeface="+mn-lt"/>
+          <a:ea typeface="+mn-ea"/>
+          <a:cs typeface="+mn-cs"/>
+        </a:defRPr>
+      </a:lvl3pPr>
+      <a:lvl4pPr marL="1604963" indent="-346075" algn="l" defTabSz="914363" rtl="0" eaLnBrk="1" latinLnBrk="0" hangingPunct="1">
+        <a:lnSpc>
+          <a:spcPct val="90000"/>
+        </a:lnSpc>
+        <a:spcBef>
+          <a:spcPct val="20000"/>
+        </a:spcBef>
+        <a:buSzPct val="85000"/>
+        <a:buFontTx/>
+        <a:buBlip>
+          <a:blip r:embed="rId12"/>
+        </a:buBlip>
+        <a:defRPr sz="2000" kern="1200">
+          <a:gradFill>
+            <a:gsLst>
+              <a:gs pos="0">
+                <a:schemeClr val="tx1"/>
+              </a:gs>
+              <a:gs pos="86000">
+                <a:schemeClr val="tx1"/>
+              </a:gs>
+            </a:gsLst>
+            <a:lin ang="5400000" scaled="0"/>
+          </a:gradFill>
+          <a:latin typeface="+mn-lt"/>
+          <a:ea typeface="+mn-ea"/>
+          <a:cs typeface="+mn-cs"/>
+        </a:defRPr>
+      </a:lvl4pPr>
+      <a:lvl5pPr marL="1941513" indent="-336550" algn="l" defTabSz="914363" rtl="0" eaLnBrk="1" latinLnBrk="0" hangingPunct="1">
+        <a:lnSpc>
+          <a:spcPct val="90000"/>
+        </a:lnSpc>
+        <a:spcBef>
+          <a:spcPct val="20000"/>
+        </a:spcBef>
+        <a:buSzPct val="85000"/>
+        <a:buFontTx/>
+        <a:buBlip>
+          <a:blip r:embed="rId12"/>
+        </a:buBlip>
+        <a:defRPr sz="2000" kern="1200">
+          <a:gradFill>
+            <a:gsLst>
+              <a:gs pos="0">
+                <a:schemeClr val="tx1"/>
+              </a:gs>
+              <a:gs pos="86000">
+                <a:schemeClr val="tx1"/>
+              </a:gs>
+            </a:gsLst>
+            <a:lin ang="5400000" scaled="0"/>
+          </a:gradFill>
+          <a:latin typeface="+mn-lt"/>
+          <a:ea typeface="+mn-ea"/>
+          <a:cs typeface="+mn-cs"/>
+        </a:defRPr>
+      </a:lvl5pPr>
+      <a:lvl6pPr marL="2514499" indent="-228591" algn="l" defTabSz="914363" rtl="0" eaLnBrk="1" latinLnBrk="0" hangingPunct="1">
+        <a:spcBef>
+          <a:spcPct val="20000"/>
+        </a:spcBef>
+        <a:buFont typeface="Arial" pitchFamily="34" charset="0"/>
+        <a:buChar char="•"/>
+        <a:defRPr sz="2000" kern="1200">
+          <a:solidFill>
+            <a:schemeClr val="tx1"/>
+          </a:solidFill>
+          <a:latin typeface="+mn-lt"/>
+          <a:ea typeface="+mn-ea"/>
+          <a:cs typeface="+mn-cs"/>
+        </a:defRPr>
+      </a:lvl6pPr>
+      <a:lvl7pPr marL="2971681" indent="-228591" algn="l" defTabSz="914363" rtl="0" eaLnBrk="1" latinLnBrk="0" hangingPunct="1">
+        <a:spcBef>
+          <a:spcPct val="20000"/>
+        </a:spcBef>
+        <a:buFont typeface="Arial" pitchFamily="34" charset="0"/>
+        <a:buChar char="•"/>
+        <a:defRPr sz="2000" kern="1200">
+          <a:solidFill>
+            <a:schemeClr val="tx1"/>
+          </a:solidFill>
+          <a:latin typeface="+mn-lt"/>
+          <a:ea typeface="+mn-ea"/>
+          <a:cs typeface="+mn-cs"/>
+        </a:defRPr>
+      </a:lvl7pPr>
+      <a:lvl8pPr marL="3428863" indent="-228591" algn="l" defTabSz="914363" rtl="0" eaLnBrk="1" latinLnBrk="0" hangingPunct="1">
+        <a:spcBef>
+          <a:spcPct val="20000"/>
+        </a:spcBef>
+        <a:buFont typeface="Arial" pitchFamily="34" charset="0"/>
+        <a:buChar char="•"/>
+        <a:defRPr sz="2000" kern="1200">
+          <a:solidFill>
+            <a:schemeClr val="tx1"/>
+          </a:solidFill>
+          <a:latin typeface="+mn-lt"/>
+          <a:ea typeface="+mn-ea"/>
+          <a:cs typeface="+mn-cs"/>
+        </a:defRPr>
+      </a:lvl8pPr>
+      <a:lvl9pPr marL="3886045" indent="-228591" algn="l" defTabSz="914363" rtl="0" eaLnBrk="1" latinLnBrk="0" hangingPunct="1">
+        <a:spcBef>
+          <a:spcPct val="20000"/>
+        </a:spcBef>
+        <a:buFont typeface="Arial" pitchFamily="34" charset="0"/>
+        <a:buChar char="•"/>
+        <a:defRPr sz="2000" kern="1200">
+          <a:solidFill>
+            <a:schemeClr val="tx1"/>
+          </a:solidFill>
+          <a:latin typeface="+mn-lt"/>
+          <a:ea typeface="+mn-ea"/>
+          <a:cs typeface="+mn-cs"/>
+        </a:defRPr>
+      </a:lvl9pPr>
+    </p:bodyStyle>
+    <p:otherStyle>
+      <a:defPPr>
+        <a:defRPr lang="en-US"/>
+      </a:defPPr>
+      <a:lvl1pPr marL="0" algn="l" defTabSz="914363" rtl="0" eaLnBrk="1" latinLnBrk="0" hangingPunct="1">
+        <a:defRPr sz="1800" kern="1200">
+          <a:solidFill>
+            <a:schemeClr val="tx1"/>
+          </a:solidFill>
+          <a:latin typeface="+mn-lt"/>
+          <a:ea typeface="+mn-ea"/>
+          <a:cs typeface="+mn-cs"/>
+        </a:defRPr>
+      </a:lvl1pPr>
+      <a:lvl2pPr marL="457182" algn="l" defTabSz="914363" rtl="0" eaLnBrk="1" latinLnBrk="0" hangingPunct="1">
+        <a:defRPr sz="1800" kern="1200">
+          <a:solidFill>
+            <a:schemeClr val="tx1"/>
+          </a:solidFill>
+          <a:latin typeface="+mn-lt"/>
+          <a:ea typeface="+mn-ea"/>
+          <a:cs typeface="+mn-cs"/>
+        </a:defRPr>
+      </a:lvl2pPr>
+      <a:lvl3pPr marL="914363" algn="l" defTabSz="914363" rtl="0" eaLnBrk="1" latinLnBrk="0" hangingPunct="1">
+        <a:defRPr sz="1800" kern="1200">
+          <a:solidFill>
+            <a:schemeClr val="tx1"/>
+          </a:solidFill>
+          <a:latin typeface="+mn-lt"/>
+          <a:ea typeface="+mn-ea"/>
+          <a:cs typeface="+mn-cs"/>
+        </a:defRPr>
+      </a:lvl3pPr>
+      <a:lvl4pPr marL="1371545" algn="l" defTabSz="914363" rtl="0" eaLnBrk="1" latinLnBrk="0" hangingPunct="1">
+        <a:defRPr sz="1800" kern="1200">
+          <a:solidFill>
+            <a:schemeClr val="tx1"/>
+          </a:solidFill>
+          <a:latin typeface="+mn-lt"/>
+          <a:ea typeface="+mn-ea"/>
+          <a:cs typeface="+mn-cs"/>
+        </a:defRPr>
+      </a:lvl4pPr>
+      <a:lvl5pPr marL="1828727" algn="l" defTabSz="914363" rtl="0" eaLnBrk="1" latinLnBrk="0" hangingPunct="1">
+        <a:defRPr sz="1800" kern="1200">
+          <a:solidFill>
+            <a:schemeClr val="tx1"/>
+          </a:solidFill>
+          <a:latin typeface="+mn-lt"/>
+          <a:ea typeface="+mn-ea"/>
+          <a:cs typeface="+mn-cs"/>
+        </a:defRPr>
+      </a:lvl5pPr>
+      <a:lvl6pPr marL="2285909" algn="l" defTabSz="914363" rtl="0" eaLnBrk="1" latinLnBrk="0" hangingPunct="1">
+        <a:defRPr sz="1800" kern="1200">
+          <a:solidFill>
+            <a:schemeClr val="tx1"/>
+          </a:solidFill>
+          <a:latin typeface="+mn-lt"/>
+          <a:ea typeface="+mn-ea"/>
+          <a:cs typeface="+mn-cs"/>
+        </a:defRPr>
+      </a:lvl6pPr>
+      <a:lvl7pPr marL="2743090" algn="l" defTabSz="914363" rtl="0" eaLnBrk="1" latinLnBrk="0" hangingPunct="1">
+        <a:defRPr sz="1800" kern="1200">
+          <a:solidFill>
+            <a:schemeClr val="tx1"/>
+          </a:solidFill>
+          <a:latin typeface="+mn-lt"/>
+          <a:ea typeface="+mn-ea"/>
+          <a:cs typeface="+mn-cs"/>
+        </a:defRPr>
+      </a:lvl7pPr>
+      <a:lvl8pPr marL="3200272" algn="l" defTabSz="914363" rtl="0" eaLnBrk="1" latinLnBrk="0" hangingPunct="1">
+        <a:defRPr sz="1800" kern="1200">
+          <a:solidFill>
+            <a:schemeClr val="tx1"/>
+          </a:solidFill>
+          <a:latin typeface="+mn-lt"/>
+          <a:ea typeface="+mn-ea"/>
+          <a:cs typeface="+mn-cs"/>
+        </a:defRPr>
+      </a:lvl8pPr>
+      <a:lvl9pPr marL="3657454" algn="l" defTabSz="914363" rtl="0" eaLnBrk="1" latinLnBrk="0" hangingPunct="1">
+        <a:defRPr sz="1800" kern="1200">
+          <a:solidFill>
+            <a:schemeClr val="tx1"/>
+          </a:solidFill>
+          <a:latin typeface="+mn-lt"/>
+          <a:ea typeface="+mn-ea"/>
+          <a:cs typeface="+mn-cs"/>
+        </a:defRPr>
+      </a:lvl9pPr>
+    </p:otherStyle>
+  </p:txStyles>
+</p:sldMaster>
+</file>
+
 <file path=ppt/slides/slide1.xml><?xml version="1.0" encoding="utf-8"?>
 <p:sld xmlns:a="http://schemas.openxmlformats.org/drawingml/2006/main" xmlns:r="http://schemas.openxmlformats.org/officeDocument/2006/relationships" xmlns:p="http://schemas.openxmlformats.org/presentationml/2006/main">
   <p:cSld>
@@ -6066,7 +9750,7 @@
           <p:cNvPr id="2" name="Title 1">
             <a:extLst>
               <a:ext uri="{FF2B5EF4-FFF2-40B4-BE49-F238E27FC236}">
-                <a16:creationId xmlns:a16="http://schemas.microsoft.com/office/drawing/2014/main" id="{99172343-CBFD-4DA1-8240-173467B0E5D1}"/>
+                <a16:creationId xmlns:a16="http://schemas.microsoft.com/office/drawing/2014/main" id="{EBBB8782-3F3D-47EE-849B-408F0CC020F7}"/>
               </a:ext>
             </a:extLst>
           </p:cNvPr>
@@ -6084,50 +9768,45 @@
           <a:p>
             <a:r>
               <a:rPr lang="en-US" dirty="0"/>
-              <a:t>How many overlord coin does this cost?</a:t>
-            </a:r>
-          </a:p>
-        </p:txBody>
-      </p:sp>
-      <p:sp>
-        <p:nvSpPr>
-          <p:cNvPr id="3" name="Content Placeholder 2">
+              <a:t>What types of info can they detect</a:t>
+            </a:r>
+          </a:p>
+        </p:txBody>
+      </p:sp>
+      <p:pic>
+        <p:nvPicPr>
+          <p:cNvPr id="6" name="Picture 5">
             <a:extLst>
               <a:ext uri="{FF2B5EF4-FFF2-40B4-BE49-F238E27FC236}">
-                <a16:creationId xmlns:a16="http://schemas.microsoft.com/office/drawing/2014/main" id="{46CD42C3-9D1A-46EB-991D-0C75907316B1}"/>
+                <a16:creationId xmlns:a16="http://schemas.microsoft.com/office/drawing/2014/main" id="{2E261715-0500-48D2-8A73-CA915C6EE466}"/>
               </a:ext>
             </a:extLst>
           </p:cNvPr>
-          <p:cNvSpPr>
-            <a:spLocks noGrp="1"/>
-          </p:cNvSpPr>
-          <p:nvPr>
-            <p:ph idx="1"/>
-          </p:nvPr>
-        </p:nvSpPr>
+          <p:cNvPicPr>
+            <a:picLocks noChangeAspect="1"/>
+          </p:cNvPicPr>
+          <p:nvPr/>
+        </p:nvPicPr>
+        <p:blipFill>
+          <a:blip r:embed="rId2"/>
+          <a:stretch>
+            <a:fillRect/>
+          </a:stretch>
+        </p:blipFill>
         <p:spPr>
           <a:xfrm>
-            <a:off x="677334" y="1421000"/>
-            <a:ext cx="8596668" cy="4361235"/>
+            <a:off x="1454797" y="1270000"/>
+            <a:ext cx="6177643" cy="5785600"/>
           </a:xfrm>
+          <a:prstGeom prst="rect">
+            <a:avLst/>
+          </a:prstGeom>
         </p:spPr>
-        <p:txBody>
-          <a:bodyPr>
-            <a:normAutofit/>
-          </a:bodyPr>
-          <a:lstStyle/>
-          <a:p>
-            <a:pPr marL="0" indent="0">
-              <a:buNone/>
-            </a:pPr>
-            <a:endParaRPr lang="en-US" dirty="0"/>
-          </a:p>
-        </p:txBody>
-      </p:sp>
+      </p:pic>
     </p:spTree>
     <p:extLst>
       <p:ext uri="{BB962C8B-B14F-4D97-AF65-F5344CB8AC3E}">
-        <p14:creationId xmlns:p14="http://schemas.microsoft.com/office/powerpoint/2010/main" val="2731125121"/>
+        <p14:creationId xmlns:p14="http://schemas.microsoft.com/office/powerpoint/2010/main" val="4211904472"/>
       </p:ext>
     </p:extLst>
   </p:cSld>
@@ -6159,7 +9838,7 @@
           <p:cNvPr id="2" name="Title 1">
             <a:extLst>
               <a:ext uri="{FF2B5EF4-FFF2-40B4-BE49-F238E27FC236}">
-                <a16:creationId xmlns:a16="http://schemas.microsoft.com/office/drawing/2014/main" id="{F4404C3F-FE5D-4E7D-ABD4-165D7238D802}"/>
+                <a16:creationId xmlns:a16="http://schemas.microsoft.com/office/drawing/2014/main" id="{99172343-CBFD-4DA1-8240-173467B0E5D1}"/>
               </a:ext>
             </a:extLst>
           </p:cNvPr>
@@ -6177,7 +9856,7 @@
           <a:p>
             <a:r>
               <a:rPr lang="en-US" dirty="0"/>
-              <a:t>You sold me, so how to get started!</a:t>
+              <a:t>How many overlord coin does this cost?</a:t>
             </a:r>
           </a:p>
         </p:txBody>
@@ -6187,7 +9866,7 @@
           <p:cNvPr id="3" name="Content Placeholder 2">
             <a:extLst>
               <a:ext uri="{FF2B5EF4-FFF2-40B4-BE49-F238E27FC236}">
-                <a16:creationId xmlns:a16="http://schemas.microsoft.com/office/drawing/2014/main" id="{5749BDC7-1332-4143-9AF8-D0C420ADC9AD}"/>
+                <a16:creationId xmlns:a16="http://schemas.microsoft.com/office/drawing/2014/main" id="{46CD42C3-9D1A-46EB-991D-0C75907316B1}"/>
               </a:ext>
             </a:extLst>
           </p:cNvPr>
@@ -6198,23 +9877,37 @@
             <p:ph idx="1"/>
           </p:nvPr>
         </p:nvSpPr>
-        <p:spPr/>
-        <p:txBody>
-          <a:bodyPr/>
+        <p:spPr>
+          <a:xfrm>
+            <a:off x="677334" y="2255519"/>
+            <a:ext cx="8596668" cy="899161"/>
+          </a:xfrm>
+        </p:spPr>
+        <p:txBody>
+          <a:bodyPr>
+            <a:normAutofit/>
+          </a:bodyPr>
           <a:lstStyle/>
           <a:p>
+            <a:pPr marL="0" indent="0">
+              <a:buNone/>
+            </a:pPr>
             <a:r>
               <a:rPr lang="en-US" dirty="0"/>
-              <a:t>Azure</a:t>
-            </a:r>
-          </a:p>
-          <a:p>
-            <a:r>
-              <a:rPr lang="en-US" dirty="0"/>
-              <a:t>Then follow through the steps on the detect and recognize….</a:t>
-            </a:r>
-          </a:p>
-          <a:p>
+              <a:t>Checkout: </a:t>
+            </a:r>
+            <a:r>
+              <a:rPr lang="en-US" dirty="0">
+                <a:hlinkClick r:id="rId2"/>
+              </a:rPr>
+              <a:t>https://azure.microsoft.com/en-us/pricing/details/cognitive-services/face-api/</a:t>
+            </a:r>
+            <a:endParaRPr lang="en-US" dirty="0"/>
+          </a:p>
+          <a:p>
+            <a:pPr marL="0" indent="0">
+              <a:buNone/>
+            </a:pPr>
             <a:endParaRPr lang="en-US" dirty="0"/>
           </a:p>
         </p:txBody>
@@ -6222,7 +9915,7 @@
     </p:spTree>
     <p:extLst>
       <p:ext uri="{BB962C8B-B14F-4D97-AF65-F5344CB8AC3E}">
-        <p14:creationId xmlns:p14="http://schemas.microsoft.com/office/powerpoint/2010/main" val="3422128026"/>
+        <p14:creationId xmlns:p14="http://schemas.microsoft.com/office/powerpoint/2010/main" val="2731125121"/>
       </p:ext>
     </p:extLst>
   </p:cSld>
@@ -6254,7 +9947,7 @@
           <p:cNvPr id="2" name="Title 1">
             <a:extLst>
               <a:ext uri="{FF2B5EF4-FFF2-40B4-BE49-F238E27FC236}">
-                <a16:creationId xmlns:a16="http://schemas.microsoft.com/office/drawing/2014/main" id="{996EF56D-7AE3-495F-B423-0646A6864B3B}"/>
+                <a16:creationId xmlns:a16="http://schemas.microsoft.com/office/drawing/2014/main" id="{EAA96D82-581E-4F8D-A0AB-51A17935D779}"/>
               </a:ext>
             </a:extLst>
           </p:cNvPr>
@@ -6272,40 +9965,45 @@
           <a:p>
             <a:r>
               <a:rPr lang="en-US" dirty="0"/>
-              <a:t>Demos!!!!!!!</a:t>
-            </a:r>
-          </a:p>
-        </p:txBody>
-      </p:sp>
-      <p:sp>
-        <p:nvSpPr>
-          <p:cNvPr id="3" name="Content Placeholder 2">
+              <a:t>When Overlords go bad…</a:t>
+            </a:r>
+          </a:p>
+        </p:txBody>
+      </p:sp>
+      <p:pic>
+        <p:nvPicPr>
+          <p:cNvPr id="4" name="Picture 3">
             <a:extLst>
               <a:ext uri="{FF2B5EF4-FFF2-40B4-BE49-F238E27FC236}">
-                <a16:creationId xmlns:a16="http://schemas.microsoft.com/office/drawing/2014/main" id="{571BA0E3-97E8-4BEC-9ECC-0C9AC85A3E74}"/>
+                <a16:creationId xmlns:a16="http://schemas.microsoft.com/office/drawing/2014/main" id="{37441EE5-B597-4C2D-AAA5-4ADD1AD8342A}"/>
               </a:ext>
             </a:extLst>
           </p:cNvPr>
-          <p:cNvSpPr>
-            <a:spLocks noGrp="1"/>
-          </p:cNvSpPr>
-          <p:nvPr>
-            <p:ph idx="1"/>
-          </p:nvPr>
-        </p:nvSpPr>
-        <p:spPr/>
-        <p:txBody>
-          <a:bodyPr/>
-          <a:lstStyle/>
-          <a:p>
-            <a:endParaRPr lang="en-US"/>
-          </a:p>
-        </p:txBody>
-      </p:sp>
+          <p:cNvPicPr>
+            <a:picLocks noChangeAspect="1"/>
+          </p:cNvPicPr>
+          <p:nvPr/>
+        </p:nvPicPr>
+        <p:blipFill>
+          <a:blip r:embed="rId2"/>
+          <a:stretch>
+            <a:fillRect/>
+          </a:stretch>
+        </p:blipFill>
+        <p:spPr>
+          <a:xfrm>
+            <a:off x="677334" y="2097790"/>
+            <a:ext cx="8596668" cy="4403776"/>
+          </a:xfrm>
+          <a:prstGeom prst="rect">
+            <a:avLst/>
+          </a:prstGeom>
+        </p:spPr>
+      </p:pic>
     </p:spTree>
     <p:extLst>
       <p:ext uri="{BB962C8B-B14F-4D97-AF65-F5344CB8AC3E}">
-        <p14:creationId xmlns:p14="http://schemas.microsoft.com/office/powerpoint/2010/main" val="2096994649"/>
+        <p14:creationId xmlns:p14="http://schemas.microsoft.com/office/powerpoint/2010/main" val="2030937476"/>
       </p:ext>
     </p:extLst>
   </p:cSld>
@@ -6337,7 +10035,7 @@
           <p:cNvPr id="2" name="Title 1">
             <a:extLst>
               <a:ext uri="{FF2B5EF4-FFF2-40B4-BE49-F238E27FC236}">
-                <a16:creationId xmlns:a16="http://schemas.microsoft.com/office/drawing/2014/main" id="{EAA96D82-581E-4F8D-A0AB-51A17935D779}"/>
+                <a16:creationId xmlns:a16="http://schemas.microsoft.com/office/drawing/2014/main" id="{F4404C3F-FE5D-4E7D-ABD4-165D7238D802}"/>
               </a:ext>
             </a:extLst>
           </p:cNvPr>
@@ -6353,7 +10051,10 @@
           <a:bodyPr/>
           <a:lstStyle/>
           <a:p>
-            <a:endParaRPr lang="en-US"/>
+            <a:r>
+              <a:rPr lang="en-US" dirty="0"/>
+              <a:t>You sold me, so how to get started!</a:t>
+            </a:r>
           </a:p>
         </p:txBody>
       </p:sp>
@@ -6362,7 +10063,7 @@
           <p:cNvPr id="3" name="Content Placeholder 2">
             <a:extLst>
               <a:ext uri="{FF2B5EF4-FFF2-40B4-BE49-F238E27FC236}">
-                <a16:creationId xmlns:a16="http://schemas.microsoft.com/office/drawing/2014/main" id="{7E847610-FC94-40D9-A36F-1585F2FD3E16}"/>
+                <a16:creationId xmlns:a16="http://schemas.microsoft.com/office/drawing/2014/main" id="{5749BDC7-1332-4143-9AF8-D0C420ADC9AD}"/>
               </a:ext>
             </a:extLst>
           </p:cNvPr>
@@ -6378,14 +10079,44 @@
           <a:bodyPr/>
           <a:lstStyle/>
           <a:p>
-            <a:endParaRPr lang="en-US"/>
+            <a:r>
+              <a:rPr lang="en-US" dirty="0"/>
+              <a:t>Get an Azure Account: </a:t>
+            </a:r>
+            <a:r>
+              <a:rPr lang="en-US" dirty="0">
+                <a:hlinkClick r:id="rId2"/>
+              </a:rPr>
+              <a:t>https://azure.microsoft.com</a:t>
+            </a:r>
+            <a:endParaRPr lang="en-US" dirty="0"/>
+          </a:p>
+          <a:p>
+            <a:r>
+              <a:rPr lang="en-US" dirty="0"/>
+              <a:t>Create a subscription for the Face </a:t>
+            </a:r>
+            <a:r>
+              <a:rPr lang="en-US" dirty="0" err="1"/>
+              <a:t>Api</a:t>
+            </a:r>
+            <a:endParaRPr lang="en-US" dirty="0"/>
+          </a:p>
+          <a:p>
+            <a:r>
+              <a:rPr lang="en-US" dirty="0"/>
+              <a:t>Get to coding….</a:t>
+            </a:r>
+          </a:p>
+          <a:p>
+            <a:endParaRPr lang="en-US" dirty="0"/>
           </a:p>
         </p:txBody>
       </p:sp>
     </p:spTree>
     <p:extLst>
       <p:ext uri="{BB962C8B-B14F-4D97-AF65-F5344CB8AC3E}">
-        <p14:creationId xmlns:p14="http://schemas.microsoft.com/office/powerpoint/2010/main" val="2030937476"/>
+        <p14:creationId xmlns:p14="http://schemas.microsoft.com/office/powerpoint/2010/main" val="3422128026"/>
       </p:ext>
     </p:extLst>
   </p:cSld>
@@ -6417,7 +10148,7 @@
           <p:cNvPr id="2" name="Title 1">
             <a:extLst>
               <a:ext uri="{FF2B5EF4-FFF2-40B4-BE49-F238E27FC236}">
-                <a16:creationId xmlns:a16="http://schemas.microsoft.com/office/drawing/2014/main" id="{A19033E1-98CE-41E4-AD3C-E67779FD907E}"/>
+                <a16:creationId xmlns:a16="http://schemas.microsoft.com/office/drawing/2014/main" id="{996EF56D-7AE3-495F-B423-0646A6864B3B}"/>
               </a:ext>
             </a:extLst>
           </p:cNvPr>
@@ -6435,7 +10166,7 @@
           <a:p>
             <a:r>
               <a:rPr lang="en-US" dirty="0"/>
-              <a:t>So where is the robot…</a:t>
+              <a:t>Demos!!!!!!!</a:t>
             </a:r>
           </a:p>
         </p:txBody>
@@ -6445,7 +10176,7 @@
           <p:cNvPr id="3" name="Content Placeholder 2">
             <a:extLst>
               <a:ext uri="{FF2B5EF4-FFF2-40B4-BE49-F238E27FC236}">
-                <a16:creationId xmlns:a16="http://schemas.microsoft.com/office/drawing/2014/main" id="{B7FA68D7-3B83-41EA-BDB0-2B9A9567DDDD}"/>
+                <a16:creationId xmlns:a16="http://schemas.microsoft.com/office/drawing/2014/main" id="{571BA0E3-97E8-4BEC-9ECC-0C9AC85A3E74}"/>
               </a:ext>
             </a:extLst>
           </p:cNvPr>
@@ -6468,7 +10199,7 @@
     </p:spTree>
     <p:extLst>
       <p:ext uri="{BB962C8B-B14F-4D97-AF65-F5344CB8AC3E}">
-        <p14:creationId xmlns:p14="http://schemas.microsoft.com/office/powerpoint/2010/main" val="445193679"/>
+        <p14:creationId xmlns:p14="http://schemas.microsoft.com/office/powerpoint/2010/main" val="2096994649"/>
       </p:ext>
     </p:extLst>
   </p:cSld>
@@ -6500,6 +10231,89 @@
           <p:cNvPr id="2" name="Title 1">
             <a:extLst>
               <a:ext uri="{FF2B5EF4-FFF2-40B4-BE49-F238E27FC236}">
+                <a16:creationId xmlns:a16="http://schemas.microsoft.com/office/drawing/2014/main" id="{A19033E1-98CE-41E4-AD3C-E67779FD907E}"/>
+              </a:ext>
+            </a:extLst>
+          </p:cNvPr>
+          <p:cNvSpPr>
+            <a:spLocks noGrp="1"/>
+          </p:cNvSpPr>
+          <p:nvPr>
+            <p:ph type="title"/>
+          </p:nvPr>
+        </p:nvSpPr>
+        <p:spPr/>
+        <p:txBody>
+          <a:bodyPr/>
+          <a:lstStyle/>
+          <a:p>
+            <a:r>
+              <a:rPr lang="en-US" dirty="0"/>
+              <a:t>So where is the robot…</a:t>
+            </a:r>
+          </a:p>
+        </p:txBody>
+      </p:sp>
+      <p:sp>
+        <p:nvSpPr>
+          <p:cNvPr id="3" name="Content Placeholder 2">
+            <a:extLst>
+              <a:ext uri="{FF2B5EF4-FFF2-40B4-BE49-F238E27FC236}">
+                <a16:creationId xmlns:a16="http://schemas.microsoft.com/office/drawing/2014/main" id="{B7FA68D7-3B83-41EA-BDB0-2B9A9567DDDD}"/>
+              </a:ext>
+            </a:extLst>
+          </p:cNvPr>
+          <p:cNvSpPr>
+            <a:spLocks noGrp="1"/>
+          </p:cNvSpPr>
+          <p:nvPr>
+            <p:ph idx="1"/>
+          </p:nvPr>
+        </p:nvSpPr>
+        <p:spPr/>
+        <p:txBody>
+          <a:bodyPr/>
+          <a:lstStyle/>
+          <a:p>
+            <a:endParaRPr lang="en-US"/>
+          </a:p>
+        </p:txBody>
+      </p:sp>
+    </p:spTree>
+    <p:extLst>
+      <p:ext uri="{BB962C8B-B14F-4D97-AF65-F5344CB8AC3E}">
+        <p14:creationId xmlns:p14="http://schemas.microsoft.com/office/powerpoint/2010/main" val="445193679"/>
+      </p:ext>
+    </p:extLst>
+  </p:cSld>
+  <p:clrMapOvr>
+    <a:masterClrMapping/>
+  </p:clrMapOvr>
+</p:sld>
+</file>
+
+<file path=ppt/slides/slide16.xml><?xml version="1.0" encoding="utf-8"?>
+<p:sld xmlns:a="http://schemas.openxmlformats.org/drawingml/2006/main" xmlns:r="http://schemas.openxmlformats.org/officeDocument/2006/relationships" xmlns:p="http://schemas.openxmlformats.org/presentationml/2006/main">
+  <p:cSld>
+    <p:spTree>
+      <p:nvGrpSpPr>
+        <p:cNvPr id="1" name=""/>
+        <p:cNvGrpSpPr/>
+        <p:nvPr/>
+      </p:nvGrpSpPr>
+      <p:grpSpPr>
+        <a:xfrm>
+          <a:off x="0" y="0"/>
+          <a:ext cx="0" cy="0"/>
+          <a:chOff x="0" y="0"/>
+          <a:chExt cx="0" cy="0"/>
+        </a:xfrm>
+      </p:grpSpPr>
+      <p:sp>
+        <p:nvSpPr>
+          <p:cNvPr id="2" name="Title 1">
+            <a:extLst>
+              <a:ext uri="{FF2B5EF4-FFF2-40B4-BE49-F238E27FC236}">
                 <a16:creationId xmlns:a16="http://schemas.microsoft.com/office/drawing/2014/main" id="{B8D5D137-925C-45CF-B389-8C9930A70B77}"/>
               </a:ext>
             </a:extLst>
@@ -6608,7 +10422,20 @@
           <a:p>
             <a:r>
               <a:rPr lang="en-US" sz="2400" dirty="0"/>
-              <a:t>Glossary: http://bit.ly/face-api-glossary</a:t>
+              <a:t>Glossary: </a:t>
+            </a:r>
+            <a:r>
+              <a:rPr lang="en-US" sz="2400" dirty="0">
+                <a:hlinkClick r:id="rId6"/>
+              </a:rPr>
+              <a:t>http://bit.ly/face-api-glossary</a:t>
+            </a:r>
+            <a:endParaRPr lang="en-US" sz="2400" dirty="0"/>
+          </a:p>
+          <a:p>
+            <a:r>
+              <a:rPr lang="en-US" sz="2400" dirty="0"/>
+              <a:t>Azure: https://azure.microsoft.com</a:t>
             </a:r>
           </a:p>
           <a:p>
@@ -6629,7 +10456,696 @@
 </p:sld>
 </file>
 
+<file path=ppt/slides/slide17.xml><?xml version="1.0" encoding="utf-8"?>
+<p:sld xmlns:a="http://schemas.openxmlformats.org/drawingml/2006/main" xmlns:r="http://schemas.openxmlformats.org/officeDocument/2006/relationships" xmlns:p="http://schemas.openxmlformats.org/presentationml/2006/main">
+  <p:cSld>
+    <p:spTree>
+      <p:nvGrpSpPr>
+        <p:cNvPr id="1" name=""/>
+        <p:cNvGrpSpPr/>
+        <p:nvPr/>
+      </p:nvGrpSpPr>
+      <p:grpSpPr>
+        <a:xfrm>
+          <a:off x="0" y="0"/>
+          <a:ext cx="0" cy="0"/>
+          <a:chOff x="0" y="0"/>
+          <a:chExt cx="0" cy="0"/>
+        </a:xfrm>
+      </p:grpSpPr>
+      <p:sp>
+        <p:nvSpPr>
+          <p:cNvPr id="4" name="Title 3"/>
+          <p:cNvSpPr>
+            <a:spLocks noGrp="1"/>
+          </p:cNvSpPr>
+          <p:nvPr>
+            <p:ph type="title"/>
+          </p:nvPr>
+        </p:nvSpPr>
+        <p:spPr>
+          <a:xfrm>
+            <a:off x="1905000" y="230188"/>
+            <a:ext cx="8610600" cy="1052596"/>
+          </a:xfrm>
+        </p:spPr>
+        <p:txBody>
+          <a:bodyPr/>
+          <a:lstStyle/>
+          <a:p>
+            <a:pPr algn="ctr" eaLnBrk="1" hangingPunct="1">
+              <a:defRPr/>
+            </a:pPr>
+            <a:r>
+              <a:rPr sz="4400" dirty="0">
+                <a:latin typeface="+mn-lt"/>
+              </a:rPr>
+              <a:t>Complete An Evaluation Form</a:t>
+            </a:r>
+            <a:r>
+              <a:rPr lang="en-US" sz="4400" dirty="0">
+                <a:latin typeface="+mn-lt"/>
+              </a:rPr>
+              <a:t> &amp; Win</a:t>
+            </a:r>
+            <a:br>
+              <a:rPr sz="4400" dirty="0">
+                <a:latin typeface="+mn-lt"/>
+              </a:rPr>
+            </a:br>
+            <a:r>
+              <a:rPr sz="3200" dirty="0">
+                <a:solidFill>
+                  <a:schemeClr val="tx2"/>
+                </a:solidFill>
+                <a:latin typeface="+mn-lt"/>
+              </a:rPr>
+              <a:t>Your input is important!</a:t>
+            </a:r>
+            <a:endParaRPr sz="4400" dirty="0">
+              <a:solidFill>
+                <a:schemeClr val="tx2"/>
+              </a:solidFill>
+              <a:latin typeface="+mn-lt"/>
+            </a:endParaRPr>
+          </a:p>
+        </p:txBody>
+      </p:sp>
+      <p:sp>
+        <p:nvSpPr>
+          <p:cNvPr id="5" name="Text Placeholder 4"/>
+          <p:cNvSpPr>
+            <a:spLocks noGrp="1"/>
+          </p:cNvSpPr>
+          <p:nvPr>
+            <p:ph type="body" sz="quarter" idx="4294967295"/>
+          </p:nvPr>
+        </p:nvSpPr>
+        <p:spPr>
+          <a:xfrm>
+            <a:off x="2362200" y="1524001"/>
+            <a:ext cx="6781800" cy="332399"/>
+          </a:xfrm>
+        </p:spPr>
+        <p:txBody>
+          <a:bodyPr/>
+          <a:lstStyle/>
+          <a:p>
+            <a:pPr algn="ctr">
+              <a:spcAft>
+                <a:spcPts val="768"/>
+              </a:spcAft>
+              <a:buNone/>
+              <a:defRPr/>
+            </a:pPr>
+            <a:r>
+              <a:rPr lang="en-US" sz="2400" dirty="0"/>
+              <a:t>You can access Evaluation Forms at:</a:t>
+            </a:r>
+          </a:p>
+        </p:txBody>
+      </p:sp>
+      <p:sp>
+        <p:nvSpPr>
+          <p:cNvPr id="7" name="TextBox 6"/>
+          <p:cNvSpPr txBox="1"/>
+          <p:nvPr/>
+        </p:nvSpPr>
+        <p:spPr>
+          <a:xfrm>
+            <a:off x="2552700" y="2097616"/>
+            <a:ext cx="7086600" cy="4924425"/>
+          </a:xfrm>
+          <a:prstGeom prst="rect">
+            <a:avLst/>
+          </a:prstGeom>
+          <a:noFill/>
+        </p:spPr>
+        <p:txBody>
+          <a:bodyPr wrap="square" lIns="0" tIns="0" rIns="0" bIns="0">
+            <a:spAutoFit/>
+          </a:bodyPr>
+          <a:lstStyle/>
+          <a:p>
+            <a:pPr algn="ctr" defTabSz="914363">
+              <a:defRPr/>
+            </a:pPr>
+            <a:r>
+              <a:rPr lang="en-US" sz="3200" spc="-150" dirty="0">
+                <a:ln w="3175">
+                  <a:noFill/>
+                </a:ln>
+                <a:gradFill flip="none" rotWithShape="1">
+                  <a:gsLst>
+                    <a:gs pos="0">
+                      <a:srgbClr val="FFFFB9"/>
+                    </a:gs>
+                    <a:gs pos="36000">
+                      <a:srgbClr val="FFFF99"/>
+                    </a:gs>
+                    <a:gs pos="86000">
+                      <a:srgbClr val="F6AE1E"/>
+                    </a:gs>
+                  </a:gsLst>
+                  <a:lin ang="5400000" scaled="0"/>
+                  <a:tileRect/>
+                </a:gradFill>
+                <a:effectLst>
+                  <a:outerShdw blurRad="50800" dist="38100" dir="2700000" algn="tl" rotWithShape="0">
+                    <a:prstClr val="black">
+                      <a:alpha val="40000"/>
+                    </a:prstClr>
+                  </a:outerShdw>
+                </a:effectLst>
+                <a:latin typeface="Segoe UI"/>
+                <a:cs typeface="Arial" charset="0"/>
+                <a:hlinkClick r:id="rId3"/>
+              </a:rPr>
+              <a:t>http://TulsaTechFest.com</a:t>
+            </a:r>
+            <a:endParaRPr lang="en-US" sz="3200" spc="-150" dirty="0">
+              <a:ln w="3175">
+                <a:noFill/>
+              </a:ln>
+              <a:gradFill flip="none" rotWithShape="1">
+                <a:gsLst>
+                  <a:gs pos="0">
+                    <a:srgbClr val="FFFFB9"/>
+                  </a:gs>
+                  <a:gs pos="36000">
+                    <a:srgbClr val="FFFF99"/>
+                  </a:gs>
+                  <a:gs pos="86000">
+                    <a:srgbClr val="F6AE1E"/>
+                  </a:gs>
+                </a:gsLst>
+                <a:lin ang="5400000" scaled="0"/>
+                <a:tileRect/>
+              </a:gradFill>
+              <a:effectLst>
+                <a:outerShdw blurRad="50800" dist="38100" dir="2700000" algn="tl" rotWithShape="0">
+                  <a:prstClr val="black">
+                    <a:alpha val="40000"/>
+                  </a:prstClr>
+                </a:outerShdw>
+              </a:effectLst>
+              <a:latin typeface="Segoe UI"/>
+              <a:cs typeface="Arial" charset="0"/>
+            </a:endParaRPr>
+          </a:p>
+          <a:p>
+            <a:pPr algn="ctr" defTabSz="914363">
+              <a:defRPr/>
+            </a:pPr>
+            <a:endParaRPr lang="en-US" sz="3200" spc="-150" dirty="0">
+              <a:ln w="3175">
+                <a:noFill/>
+              </a:ln>
+              <a:gradFill flip="none" rotWithShape="1">
+                <a:gsLst>
+                  <a:gs pos="0">
+                    <a:srgbClr val="FFFFB9"/>
+                  </a:gs>
+                  <a:gs pos="36000">
+                    <a:srgbClr val="FFFF99"/>
+                  </a:gs>
+                  <a:gs pos="86000">
+                    <a:srgbClr val="F6AE1E"/>
+                  </a:gs>
+                </a:gsLst>
+                <a:lin ang="5400000" scaled="0"/>
+                <a:tileRect/>
+              </a:gradFill>
+              <a:effectLst>
+                <a:outerShdw blurRad="50800" dist="38100" dir="2700000" algn="tl" rotWithShape="0">
+                  <a:prstClr val="black">
+                    <a:alpha val="40000"/>
+                  </a:prstClr>
+                </a:outerShdw>
+              </a:effectLst>
+              <a:latin typeface="Segoe UI"/>
+              <a:cs typeface="Arial" charset="0"/>
+            </a:endParaRPr>
+          </a:p>
+          <a:p>
+            <a:pPr algn="ctr" defTabSz="914363">
+              <a:defRPr/>
+            </a:pPr>
+            <a:r>
+              <a:rPr lang="en-US" sz="3200" spc="-150" dirty="0">
+                <a:ln w="3175">
+                  <a:noFill/>
+                </a:ln>
+                <a:gradFill flip="none" rotWithShape="1">
+                  <a:gsLst>
+                    <a:gs pos="0">
+                      <a:srgbClr val="FFFFB9"/>
+                    </a:gs>
+                    <a:gs pos="36000">
+                      <a:srgbClr val="FFFF99"/>
+                    </a:gs>
+                    <a:gs pos="86000">
+                      <a:srgbClr val="F6AE1E"/>
+                    </a:gs>
+                  </a:gsLst>
+                  <a:lin ang="5400000" scaled="0"/>
+                  <a:tileRect/>
+                </a:gradFill>
+                <a:effectLst>
+                  <a:outerShdw blurRad="50800" dist="38100" dir="2700000" algn="tl" rotWithShape="0">
+                    <a:prstClr val="black">
+                      <a:alpha val="40000"/>
+                    </a:prstClr>
+                  </a:outerShdw>
+                </a:effectLst>
+                <a:latin typeface="Segoe UI"/>
+                <a:cs typeface="Arial" charset="0"/>
+              </a:rPr>
+              <a:t>Fill them out!</a:t>
+            </a:r>
+          </a:p>
+          <a:p>
+            <a:pPr algn="ctr" defTabSz="914363">
+              <a:defRPr/>
+            </a:pPr>
+            <a:endParaRPr lang="en-US" sz="3200" spc="-150" dirty="0">
+              <a:ln w="3175">
+                <a:noFill/>
+              </a:ln>
+              <a:gradFill flip="none" rotWithShape="1">
+                <a:gsLst>
+                  <a:gs pos="0">
+                    <a:srgbClr val="FFFFB9"/>
+                  </a:gs>
+                  <a:gs pos="36000">
+                    <a:srgbClr val="FFFF99"/>
+                  </a:gs>
+                  <a:gs pos="86000">
+                    <a:srgbClr val="F6AE1E"/>
+                  </a:gs>
+                </a:gsLst>
+                <a:lin ang="5400000" scaled="0"/>
+                <a:tileRect/>
+              </a:gradFill>
+              <a:effectLst>
+                <a:outerShdw blurRad="50800" dist="38100" dir="2700000" algn="tl" rotWithShape="0">
+                  <a:prstClr val="black">
+                    <a:alpha val="40000"/>
+                  </a:prstClr>
+                </a:outerShdw>
+              </a:effectLst>
+              <a:latin typeface="Segoe UI"/>
+              <a:cs typeface="Arial" charset="0"/>
+            </a:endParaRPr>
+          </a:p>
+          <a:p>
+            <a:pPr algn="ctr" defTabSz="914363">
+              <a:defRPr/>
+            </a:pPr>
+            <a:r>
+              <a:rPr lang="en-US" sz="3200" spc="-150" dirty="0">
+                <a:ln w="3175">
+                  <a:noFill/>
+                </a:ln>
+                <a:gradFill flip="none" rotWithShape="1">
+                  <a:gsLst>
+                    <a:gs pos="0">
+                      <a:srgbClr val="FFFFB9"/>
+                    </a:gs>
+                    <a:gs pos="36000">
+                      <a:srgbClr val="FFFF99"/>
+                    </a:gs>
+                    <a:gs pos="86000">
+                      <a:srgbClr val="F6AE1E"/>
+                    </a:gs>
+                  </a:gsLst>
+                  <a:lin ang="5400000" scaled="0"/>
+                  <a:tileRect/>
+                </a:gradFill>
+                <a:effectLst>
+                  <a:outerShdw blurRad="50800" dist="38100" dir="2700000" algn="tl" rotWithShape="0">
+                    <a:prstClr val="black">
+                      <a:alpha val="40000"/>
+                    </a:prstClr>
+                  </a:outerShdw>
+                </a:effectLst>
+                <a:latin typeface="Segoe UI"/>
+                <a:cs typeface="Arial" charset="0"/>
+              </a:rPr>
+              <a:t>You can win additional prizes!</a:t>
+            </a:r>
+          </a:p>
+          <a:p>
+            <a:pPr algn="ctr" defTabSz="914363">
+              <a:defRPr/>
+            </a:pPr>
+            <a:endParaRPr lang="en-US" sz="3200" spc="-150" dirty="0">
+              <a:ln w="3175">
+                <a:noFill/>
+              </a:ln>
+              <a:gradFill flip="none" rotWithShape="1">
+                <a:gsLst>
+                  <a:gs pos="0">
+                    <a:srgbClr val="FFFFB9"/>
+                  </a:gs>
+                  <a:gs pos="36000">
+                    <a:srgbClr val="FFFF99"/>
+                  </a:gs>
+                  <a:gs pos="86000">
+                    <a:srgbClr val="F6AE1E"/>
+                  </a:gs>
+                </a:gsLst>
+                <a:lin ang="5400000" scaled="0"/>
+                <a:tileRect/>
+              </a:gradFill>
+              <a:effectLst>
+                <a:outerShdw blurRad="50800" dist="38100" dir="2700000" algn="tl" rotWithShape="0">
+                  <a:prstClr val="black">
+                    <a:alpha val="40000"/>
+                  </a:prstClr>
+                </a:outerShdw>
+              </a:effectLst>
+              <a:latin typeface="Segoe UI"/>
+              <a:cs typeface="Arial" charset="0"/>
+            </a:endParaRPr>
+          </a:p>
+          <a:p>
+            <a:pPr algn="ctr" defTabSz="914363">
+              <a:defRPr/>
+            </a:pPr>
+            <a:r>
+              <a:rPr lang="en-US" sz="3200" spc="-150" dirty="0">
+                <a:ln w="3175">
+                  <a:noFill/>
+                </a:ln>
+                <a:gradFill flip="none" rotWithShape="1">
+                  <a:gsLst>
+                    <a:gs pos="0">
+                      <a:srgbClr val="FFFFB9"/>
+                    </a:gs>
+                    <a:gs pos="36000">
+                      <a:srgbClr val="FFFF99"/>
+                    </a:gs>
+                    <a:gs pos="86000">
+                      <a:srgbClr val="F6AE1E"/>
+                    </a:gs>
+                  </a:gsLst>
+                  <a:lin ang="5400000" scaled="0"/>
+                  <a:tileRect/>
+                </a:gradFill>
+                <a:effectLst>
+                  <a:outerShdw blurRad="50800" dist="38100" dir="2700000" algn="tl" rotWithShape="0">
+                    <a:prstClr val="black">
+                      <a:alpha val="40000"/>
+                    </a:prstClr>
+                  </a:outerShdw>
+                </a:effectLst>
+                <a:latin typeface="Segoe UI"/>
+                <a:cs typeface="Arial" charset="0"/>
+              </a:rPr>
+              <a:t>Like a $50 Best Buy Gift Card!!</a:t>
+            </a:r>
+          </a:p>
+          <a:p>
+            <a:pPr algn="ctr" defTabSz="914363">
+              <a:defRPr/>
+            </a:pPr>
+            <a:endParaRPr lang="en-US" sz="3200" spc="-150" dirty="0">
+              <a:ln w="3175">
+                <a:noFill/>
+              </a:ln>
+              <a:gradFill flip="none" rotWithShape="1">
+                <a:gsLst>
+                  <a:gs pos="0">
+                    <a:srgbClr val="FFFFB9"/>
+                  </a:gs>
+                  <a:gs pos="36000">
+                    <a:srgbClr val="FFFF99"/>
+                  </a:gs>
+                  <a:gs pos="86000">
+                    <a:srgbClr val="F6AE1E"/>
+                  </a:gs>
+                </a:gsLst>
+                <a:lin ang="5400000" scaled="0"/>
+                <a:tileRect/>
+              </a:gradFill>
+              <a:effectLst>
+                <a:outerShdw blurRad="50800" dist="38100" dir="2700000" algn="tl" rotWithShape="0">
+                  <a:prstClr val="black">
+                    <a:alpha val="40000"/>
+                  </a:prstClr>
+                </a:outerShdw>
+              </a:effectLst>
+              <a:latin typeface="Segoe UI"/>
+              <a:cs typeface="Arial" charset="0"/>
+            </a:endParaRPr>
+          </a:p>
+          <a:p>
+            <a:pPr algn="ctr" defTabSz="914363">
+              <a:defRPr/>
+            </a:pPr>
+            <a:r>
+              <a:rPr lang="en-US" sz="3200" spc="-150" dirty="0">
+                <a:ln w="3175">
+                  <a:noFill/>
+                </a:ln>
+                <a:gradFill flip="none" rotWithShape="1">
+                  <a:gsLst>
+                    <a:gs pos="0">
+                      <a:srgbClr val="FFFFB9"/>
+                    </a:gs>
+                    <a:gs pos="36000">
+                      <a:srgbClr val="FFFF99"/>
+                    </a:gs>
+                    <a:gs pos="86000">
+                      <a:srgbClr val="F6AE1E"/>
+                    </a:gs>
+                  </a:gsLst>
+                  <a:lin ang="5400000" scaled="0"/>
+                  <a:tileRect/>
+                </a:gradFill>
+                <a:effectLst>
+                  <a:outerShdw blurRad="50800" dist="38100" dir="2700000" algn="tl" rotWithShape="0">
+                    <a:prstClr val="black">
+                      <a:alpha val="40000"/>
+                    </a:prstClr>
+                  </a:outerShdw>
+                </a:effectLst>
+                <a:latin typeface="Segoe UI"/>
+                <a:cs typeface="Arial" charset="0"/>
+              </a:rPr>
+              <a:t>Winner drawn – Midnight, Sun Jul 22nd!</a:t>
+            </a:r>
+          </a:p>
+          <a:p>
+            <a:pPr algn="ctr" defTabSz="914363">
+              <a:defRPr/>
+            </a:pPr>
+            <a:endParaRPr lang="en-US" sz="3200" spc="-150" dirty="0">
+              <a:ln w="3175">
+                <a:noFill/>
+              </a:ln>
+              <a:gradFill flip="none" rotWithShape="1">
+                <a:gsLst>
+                  <a:gs pos="0">
+                    <a:srgbClr val="FFFFB9"/>
+                  </a:gs>
+                  <a:gs pos="36000">
+                    <a:srgbClr val="FFFF99"/>
+                  </a:gs>
+                  <a:gs pos="86000">
+                    <a:srgbClr val="F6AE1E"/>
+                  </a:gs>
+                </a:gsLst>
+                <a:lin ang="5400000" scaled="0"/>
+                <a:tileRect/>
+              </a:gradFill>
+              <a:effectLst>
+                <a:outerShdw blurRad="50800" dist="38100" dir="2700000" algn="tl" rotWithShape="0">
+                  <a:prstClr val="black">
+                    <a:alpha val="40000"/>
+                  </a:prstClr>
+                </a:outerShdw>
+              </a:effectLst>
+              <a:latin typeface="Segoe UI"/>
+              <a:cs typeface="Arial" charset="0"/>
+            </a:endParaRPr>
+          </a:p>
+        </p:txBody>
+      </p:sp>
+    </p:spTree>
+  </p:cSld>
+  <p:clrMapOvr>
+    <a:masterClrMapping/>
+  </p:clrMapOvr>
+  <p:transition>
+    <p:fade/>
+  </p:transition>
+</p:sld>
+</file>
+
 <file path=ppt/slides/slide2.xml><?xml version="1.0" encoding="utf-8"?>
+<p:sld xmlns:a="http://schemas.openxmlformats.org/drawingml/2006/main" xmlns:r="http://schemas.openxmlformats.org/officeDocument/2006/relationships" xmlns:p="http://schemas.openxmlformats.org/presentationml/2006/main">
+  <p:cSld>
+    <p:spTree>
+      <p:nvGrpSpPr>
+        <p:cNvPr id="1" name=""/>
+        <p:cNvGrpSpPr/>
+        <p:nvPr/>
+      </p:nvGrpSpPr>
+      <p:grpSpPr>
+        <a:xfrm>
+          <a:off x="0" y="0"/>
+          <a:ext cx="0" cy="0"/>
+          <a:chOff x="0" y="0"/>
+          <a:chExt cx="0" cy="0"/>
+        </a:xfrm>
+      </p:grpSpPr>
+      <p:sp>
+        <p:nvSpPr>
+          <p:cNvPr id="3" name="TextBox 2"/>
+          <p:cNvSpPr txBox="1"/>
+          <p:nvPr/>
+        </p:nvSpPr>
+        <p:spPr>
+          <a:xfrm>
+            <a:off x="6516250" y="76200"/>
+            <a:ext cx="4074911" cy="738664"/>
+          </a:xfrm>
+          <a:prstGeom prst="rect">
+            <a:avLst/>
+          </a:prstGeom>
+          <a:noFill/>
+        </p:spPr>
+        <p:txBody>
+          <a:bodyPr wrap="square" lIns="0" tIns="0" rIns="0" bIns="0" rtlCol="0">
+            <a:spAutoFit/>
+          </a:bodyPr>
+          <a:lstStyle/>
+          <a:p>
+            <a:pPr algn="ctr"/>
+            <a:r>
+              <a:rPr lang="en-US" sz="2400" b="1" dirty="0">
+                <a:gradFill>
+                  <a:gsLst>
+                    <a:gs pos="0">
+                      <a:schemeClr val="tx1"/>
+                    </a:gs>
+                    <a:gs pos="86000">
+                      <a:schemeClr val="tx1"/>
+                    </a:gs>
+                  </a:gsLst>
+                  <a:lin ang="5400000" scaled="0"/>
+                </a:gradFill>
+              </a:rPr>
+              <a:t>Please help us!</a:t>
+            </a:r>
+          </a:p>
+          <a:p>
+            <a:pPr algn="ctr"/>
+            <a:r>
+              <a:rPr lang="en-US" sz="2400" b="1" dirty="0">
+                <a:gradFill>
+                  <a:gsLst>
+                    <a:gs pos="0">
+                      <a:schemeClr val="tx1"/>
+                    </a:gs>
+                    <a:gs pos="86000">
+                      <a:schemeClr val="tx1"/>
+                    </a:gs>
+                  </a:gsLst>
+                  <a:lin ang="5400000" scaled="0"/>
+                </a:gradFill>
+              </a:rPr>
+              <a:t>Thank our Sponsors:</a:t>
+            </a:r>
+          </a:p>
+        </p:txBody>
+      </p:sp>
+      <p:pic>
+        <p:nvPicPr>
+          <p:cNvPr id="8" name="Picture 7"/>
+          <p:cNvPicPr>
+            <a:picLocks noChangeAspect="1"/>
+          </p:cNvPicPr>
+          <p:nvPr/>
+        </p:nvPicPr>
+        <p:blipFill>
+          <a:blip r:embed="rId3"/>
+          <a:stretch>
+            <a:fillRect/>
+          </a:stretch>
+        </p:blipFill>
+        <p:spPr>
+          <a:xfrm>
+            <a:off x="2361699" y="1143000"/>
+            <a:ext cx="4748210" cy="3038854"/>
+          </a:xfrm>
+          <a:prstGeom prst="rect">
+            <a:avLst/>
+          </a:prstGeom>
+        </p:spPr>
+      </p:pic>
+      <p:pic>
+        <p:nvPicPr>
+          <p:cNvPr id="9" name="Picture 8"/>
+          <p:cNvPicPr>
+            <a:picLocks noChangeAspect="1"/>
+          </p:cNvPicPr>
+          <p:nvPr/>
+        </p:nvPicPr>
+        <p:blipFill>
+          <a:blip r:embed="rId4"/>
+          <a:stretch>
+            <a:fillRect/>
+          </a:stretch>
+        </p:blipFill>
+        <p:spPr>
+          <a:xfrm>
+            <a:off x="2368215" y="4725236"/>
+            <a:ext cx="4741846" cy="607929"/>
+          </a:xfrm>
+          <a:prstGeom prst="rect">
+            <a:avLst/>
+          </a:prstGeom>
+        </p:spPr>
+      </p:pic>
+      <p:pic>
+        <p:nvPicPr>
+          <p:cNvPr id="2" name="Picture 1"/>
+          <p:cNvPicPr>
+            <a:picLocks noChangeAspect="1"/>
+          </p:cNvPicPr>
+          <p:nvPr/>
+        </p:nvPicPr>
+        <p:blipFill>
+          <a:blip r:embed="rId5"/>
+          <a:stretch>
+            <a:fillRect/>
+          </a:stretch>
+        </p:blipFill>
+        <p:spPr>
+          <a:xfrm>
+            <a:off x="8077200" y="914400"/>
+            <a:ext cx="1516436" cy="5474428"/>
+          </a:xfrm>
+          <a:prstGeom prst="rect">
+            <a:avLst/>
+          </a:prstGeom>
+        </p:spPr>
+      </p:pic>
+    </p:spTree>
+  </p:cSld>
+  <p:clrMapOvr>
+    <a:masterClrMapping/>
+  </p:clrMapOvr>
+  <p:transition>
+    <p:fade/>
+  </p:transition>
+</p:sld>
+</file>
+
+<file path=ppt/slides/slide3.xml><?xml version="1.0" encoding="utf-8"?>
 <p:sld xmlns:a="http://schemas.openxmlformats.org/drawingml/2006/main" xmlns:r="http://schemas.openxmlformats.org/officeDocument/2006/relationships" xmlns:p="http://schemas.openxmlformats.org/presentationml/2006/main">
   <p:cSld>
     <p:spTree>
@@ -6848,7 +11364,7 @@
 </p:sld>
 </file>
 
-<file path=ppt/slides/slide3.xml><?xml version="1.0" encoding="utf-8"?>
+<file path=ppt/slides/slide4.xml><?xml version="1.0" encoding="utf-8"?>
 <p:sld xmlns:a="http://schemas.openxmlformats.org/drawingml/2006/main" xmlns:r="http://schemas.openxmlformats.org/officeDocument/2006/relationships" xmlns:p="http://schemas.openxmlformats.org/presentationml/2006/main">
   <p:cSld>
     <p:spTree>
@@ -6940,7 +11456,7 @@
 </p:sld>
 </file>
 
-<file path=ppt/slides/slide4.xml><?xml version="1.0" encoding="utf-8"?>
+<file path=ppt/slides/slide5.xml><?xml version="1.0" encoding="utf-8"?>
 <p:sld xmlns:a="http://schemas.openxmlformats.org/drawingml/2006/main" xmlns:r="http://schemas.openxmlformats.org/officeDocument/2006/relationships" xmlns:p="http://schemas.openxmlformats.org/presentationml/2006/main">
   <p:cSld>
     <p:spTree>
@@ -7057,7 +11573,7 @@
 </p:sld>
 </file>
 
-<file path=ppt/slides/slide5.xml><?xml version="1.0" encoding="utf-8"?>
+<file path=ppt/slides/slide6.xml><?xml version="1.0" encoding="utf-8"?>
 <p:sld xmlns:a="http://schemas.openxmlformats.org/drawingml/2006/main" xmlns:r="http://schemas.openxmlformats.org/officeDocument/2006/relationships" xmlns:p="http://schemas.openxmlformats.org/presentationml/2006/main">
   <p:cSld>
     <p:spTree>
@@ -7183,7 +11699,7 @@
 </p:sld>
 </file>
 
-<file path=ppt/slides/slide6.xml><?xml version="1.0" encoding="utf-8"?>
+<file path=ppt/slides/slide7.xml><?xml version="1.0" encoding="utf-8"?>
 <p:sld xmlns:a="http://schemas.openxmlformats.org/drawingml/2006/main" xmlns:r="http://schemas.openxmlformats.org/officeDocument/2006/relationships" xmlns:p="http://schemas.openxmlformats.org/presentationml/2006/main">
   <p:cSld>
     <p:spTree>
@@ -7339,7 +11855,7 @@
 </p:sld>
 </file>
 
-<file path=ppt/slides/slide7.xml><?xml version="1.0" encoding="utf-8"?>
+<file path=ppt/slides/slide8.xml><?xml version="1.0" encoding="utf-8"?>
 <p:sld xmlns:a="http://schemas.openxmlformats.org/drawingml/2006/main" xmlns:r="http://schemas.openxmlformats.org/officeDocument/2006/relationships" xmlns:p="http://schemas.openxmlformats.org/presentationml/2006/main">
   <p:cSld>
     <p:spTree>
@@ -7465,7 +11981,7 @@
 </p:sld>
 </file>
 
-<file path=ppt/slides/slide8.xml><?xml version="1.0" encoding="utf-8"?>
+<file path=ppt/slides/slide9.xml><?xml version="1.0" encoding="utf-8"?>
 <p:sld xmlns:a="http://schemas.openxmlformats.org/drawingml/2006/main" xmlns:r="http://schemas.openxmlformats.org/officeDocument/2006/relationships" xmlns:p="http://schemas.openxmlformats.org/presentationml/2006/main">
   <p:cSld>
     <p:spTree>
@@ -7549,94 +12065,6 @@
     <p:extLst>
       <p:ext uri="{BB962C8B-B14F-4D97-AF65-F5344CB8AC3E}">
         <p14:creationId xmlns:p14="http://schemas.microsoft.com/office/powerpoint/2010/main" val="840592331"/>
-      </p:ext>
-    </p:extLst>
-  </p:cSld>
-  <p:clrMapOvr>
-    <a:masterClrMapping/>
-  </p:clrMapOvr>
-</p:sld>
-</file>
-
-<file path=ppt/slides/slide9.xml><?xml version="1.0" encoding="utf-8"?>
-<p:sld xmlns:a="http://schemas.openxmlformats.org/drawingml/2006/main" xmlns:r="http://schemas.openxmlformats.org/officeDocument/2006/relationships" xmlns:p="http://schemas.openxmlformats.org/presentationml/2006/main">
-  <p:cSld>
-    <p:spTree>
-      <p:nvGrpSpPr>
-        <p:cNvPr id="1" name=""/>
-        <p:cNvGrpSpPr/>
-        <p:nvPr/>
-      </p:nvGrpSpPr>
-      <p:grpSpPr>
-        <a:xfrm>
-          <a:off x="0" y="0"/>
-          <a:ext cx="0" cy="0"/>
-          <a:chOff x="0" y="0"/>
-          <a:chExt cx="0" cy="0"/>
-        </a:xfrm>
-      </p:grpSpPr>
-      <p:sp>
-        <p:nvSpPr>
-          <p:cNvPr id="2" name="Title 1">
-            <a:extLst>
-              <a:ext uri="{FF2B5EF4-FFF2-40B4-BE49-F238E27FC236}">
-                <a16:creationId xmlns:a16="http://schemas.microsoft.com/office/drawing/2014/main" id="{EBBB8782-3F3D-47EE-849B-408F0CC020F7}"/>
-              </a:ext>
-            </a:extLst>
-          </p:cNvPr>
-          <p:cNvSpPr>
-            <a:spLocks noGrp="1"/>
-          </p:cNvSpPr>
-          <p:nvPr>
-            <p:ph type="title"/>
-          </p:nvPr>
-        </p:nvSpPr>
-        <p:spPr/>
-        <p:txBody>
-          <a:bodyPr/>
-          <a:lstStyle/>
-          <a:p>
-            <a:r>
-              <a:rPr lang="en-US" dirty="0"/>
-              <a:t>What types of info can they detect</a:t>
-            </a:r>
-          </a:p>
-        </p:txBody>
-      </p:sp>
-      <p:pic>
-        <p:nvPicPr>
-          <p:cNvPr id="6" name="Picture 5">
-            <a:extLst>
-              <a:ext uri="{FF2B5EF4-FFF2-40B4-BE49-F238E27FC236}">
-                <a16:creationId xmlns:a16="http://schemas.microsoft.com/office/drawing/2014/main" id="{2E261715-0500-48D2-8A73-CA915C6EE466}"/>
-              </a:ext>
-            </a:extLst>
-          </p:cNvPr>
-          <p:cNvPicPr>
-            <a:picLocks noChangeAspect="1"/>
-          </p:cNvPicPr>
-          <p:nvPr/>
-        </p:nvPicPr>
-        <p:blipFill>
-          <a:blip r:embed="rId2"/>
-          <a:stretch>
-            <a:fillRect/>
-          </a:stretch>
-        </p:blipFill>
-        <p:spPr>
-          <a:xfrm>
-            <a:off x="1454797" y="1270000"/>
-            <a:ext cx="6177643" cy="5785600"/>
-          </a:xfrm>
-          <a:prstGeom prst="rect">
-            <a:avLst/>
-          </a:prstGeom>
-        </p:spPr>
-      </p:pic>
-    </p:spTree>
-    <p:extLst>
-      <p:ext uri="{BB962C8B-B14F-4D97-AF65-F5344CB8AC3E}">
-        <p14:creationId xmlns:p14="http://schemas.microsoft.com/office/powerpoint/2010/main" val="4211904472"/>
       </p:ext>
     </p:extLst>
   </p:cSld>
@@ -7901,4 +12329,599 @@
     </a:ext>
   </a:extLst>
 </a:theme>
+</file>
+
+<file path=ppt/theme/theme2.xml><?xml version="1.0" encoding="utf-8"?>
+<a:theme xmlns:a="http://schemas.openxmlformats.org/drawingml/2006/main" name="NWA TechFest 2010 Presentation Template">
+  <a:themeElements>
+    <a:clrScheme name="Custom 5">
+      <a:dk1>
+        <a:srgbClr val="000000"/>
+      </a:dk1>
+      <a:lt1>
+        <a:srgbClr val="FFFFFF"/>
+      </a:lt1>
+      <a:dk2>
+        <a:srgbClr val="2570A3"/>
+      </a:dk2>
+      <a:lt2>
+        <a:srgbClr val="FFE784"/>
+      </a:lt2>
+      <a:accent1>
+        <a:srgbClr val="3A94D2"/>
+      </a:accent1>
+      <a:accent2>
+        <a:srgbClr val="F38C37"/>
+      </a:accent2>
+      <a:accent3>
+        <a:srgbClr val="8CA923"/>
+      </a:accent3>
+      <a:accent4>
+        <a:srgbClr val="FED45C"/>
+      </a:accent4>
+      <a:accent5>
+        <a:srgbClr val="8557C9"/>
+      </a:accent5>
+      <a:accent6>
+        <a:srgbClr val="274085"/>
+      </a:accent6>
+      <a:hlink>
+        <a:srgbClr val="FED45C"/>
+      </a:hlink>
+      <a:folHlink>
+        <a:srgbClr val="3A94D2"/>
+      </a:folHlink>
+    </a:clrScheme>
+    <a:fontScheme name="Segoe UI">
+      <a:majorFont>
+        <a:latin typeface="Segoe UI"/>
+        <a:ea typeface=""/>
+        <a:cs typeface=""/>
+      </a:majorFont>
+      <a:minorFont>
+        <a:latin typeface="Segoe UI"/>
+        <a:ea typeface=""/>
+        <a:cs typeface=""/>
+      </a:minorFont>
+    </a:fontScheme>
+    <a:fmtScheme name="Aspect">
+      <a:fillStyleLst>
+        <a:solidFill>
+          <a:schemeClr val="phClr"/>
+        </a:solidFill>
+        <a:gradFill rotWithShape="1">
+          <a:gsLst>
+            <a:gs pos="0">
+              <a:schemeClr val="phClr">
+                <a:tint val="65000"/>
+                <a:satMod val="270000"/>
+              </a:schemeClr>
+            </a:gs>
+            <a:gs pos="25000">
+              <a:schemeClr val="phClr">
+                <a:tint val="60000"/>
+                <a:satMod val="300000"/>
+              </a:schemeClr>
+            </a:gs>
+            <a:gs pos="100000">
+              <a:schemeClr val="phClr">
+                <a:tint val="29000"/>
+                <a:satMod val="400000"/>
+              </a:schemeClr>
+            </a:gs>
+          </a:gsLst>
+          <a:lin ang="16200000" scaled="1"/>
+        </a:gradFill>
+        <a:gradFill rotWithShape="1">
+          <a:gsLst>
+            <a:gs pos="0">
+              <a:schemeClr val="phClr">
+                <a:shade val="45000"/>
+                <a:satMod val="155000"/>
+              </a:schemeClr>
+            </a:gs>
+            <a:gs pos="60000">
+              <a:schemeClr val="phClr">
+                <a:shade val="95000"/>
+                <a:satMod val="150000"/>
+              </a:schemeClr>
+            </a:gs>
+            <a:gs pos="100000">
+              <a:schemeClr val="phClr">
+                <a:tint val="87000"/>
+                <a:satMod val="250000"/>
+              </a:schemeClr>
+            </a:gs>
+          </a:gsLst>
+          <a:lin ang="16200000" scaled="0"/>
+        </a:gradFill>
+      </a:fillStyleLst>
+      <a:lnStyleLst>
+        <a:ln w="9525" cap="flat" cmpd="sng" algn="ctr">
+          <a:solidFill>
+            <a:schemeClr val="phClr">
+              <a:satMod val="150000"/>
+            </a:schemeClr>
+          </a:solidFill>
+          <a:prstDash val="solid"/>
+        </a:ln>
+        <a:ln w="42500" cap="flat" cmpd="sng" algn="ctr">
+          <a:solidFill>
+            <a:schemeClr val="phClr"/>
+          </a:solidFill>
+          <a:prstDash val="solid"/>
+        </a:ln>
+        <a:ln w="38100" cap="flat" cmpd="sng" algn="ctr">
+          <a:solidFill>
+            <a:schemeClr val="phClr"/>
+          </a:solidFill>
+          <a:prstDash val="solid"/>
+        </a:ln>
+      </a:lnStyleLst>
+      <a:effectStyleLst>
+        <a:effectStyle>
+          <a:effectLst>
+            <a:outerShdw blurRad="65500" dist="38100" dir="5400000" rotWithShape="0">
+              <a:srgbClr val="000000">
+                <a:alpha val="40000"/>
+              </a:srgbClr>
+            </a:outerShdw>
+          </a:effectLst>
+        </a:effectStyle>
+        <a:effectStyle>
+          <a:effectLst>
+            <a:outerShdw blurRad="65500" dist="38100" dir="5400000" rotWithShape="0">
+              <a:srgbClr val="000000">
+                <a:alpha val="40000"/>
+              </a:srgbClr>
+            </a:outerShdw>
+          </a:effectLst>
+        </a:effectStyle>
+        <a:effectStyle>
+          <a:effectLst>
+            <a:outerShdw blurRad="65500" dist="38100" dir="5400000" rotWithShape="0">
+              <a:srgbClr val="000000">
+                <a:alpha val="40000"/>
+              </a:srgbClr>
+            </a:outerShdw>
+          </a:effectLst>
+          <a:scene3d>
+            <a:camera prst="orthographicFront" fov="0">
+              <a:rot lat="0" lon="0" rev="0"/>
+            </a:camera>
+            <a:lightRig rig="contrasting" dir="t">
+              <a:rot lat="0" lon="0" rev="12000000"/>
+            </a:lightRig>
+          </a:scene3d>
+          <a:sp3d prstMaterial="powder">
+            <a:bevelT h="50800"/>
+          </a:sp3d>
+        </a:effectStyle>
+      </a:effectStyleLst>
+      <a:bgFillStyleLst>
+        <a:solidFill>
+          <a:schemeClr val="phClr"/>
+        </a:solidFill>
+        <a:gradFill rotWithShape="1">
+          <a:gsLst>
+            <a:gs pos="0">
+              <a:schemeClr val="phClr">
+                <a:tint val="40000"/>
+                <a:satMod val="350000"/>
+              </a:schemeClr>
+            </a:gs>
+            <a:gs pos="40000">
+              <a:schemeClr val="phClr">
+                <a:tint val="45000"/>
+                <a:shade val="99000"/>
+                <a:satMod val="350000"/>
+              </a:schemeClr>
+            </a:gs>
+            <a:gs pos="100000">
+              <a:schemeClr val="phClr">
+                <a:shade val="20000"/>
+                <a:satMod val="255000"/>
+              </a:schemeClr>
+            </a:gs>
+          </a:gsLst>
+          <a:path path="circle">
+            <a:fillToRect l="50000" t="-80000" r="50000" b="180000"/>
+          </a:path>
+        </a:gradFill>
+        <a:gradFill rotWithShape="1">
+          <a:gsLst>
+            <a:gs pos="0">
+              <a:schemeClr val="phClr">
+                <a:tint val="80000"/>
+                <a:satMod val="300000"/>
+              </a:schemeClr>
+            </a:gs>
+            <a:gs pos="100000">
+              <a:schemeClr val="phClr">
+                <a:shade val="30000"/>
+                <a:satMod val="200000"/>
+              </a:schemeClr>
+            </a:gs>
+          </a:gsLst>
+          <a:path path="circle">
+            <a:fillToRect l="50000" t="50000" r="50000" b="50000"/>
+          </a:path>
+        </a:gradFill>
+      </a:bgFillStyleLst>
+    </a:fmtScheme>
+  </a:themeElements>
+  <a:objectDefaults>
+    <a:spDef>
+      <a:spPr bwMode="auto">
+        <a:ln>
+          <a:headEnd type="none" w="med" len="med"/>
+          <a:tailEnd type="none" w="med" len="med"/>
+        </a:ln>
+      </a:spPr>
+      <a:bodyPr vert="horz" wrap="square" lIns="91436" tIns="45718" rIns="91436" bIns="45718" numCol="1" rtlCol="0" anchor="ctr" anchorCtr="0" compatLnSpc="1">
+        <a:prstTxWarp prst="textNoShape">
+          <a:avLst/>
+        </a:prstTxWarp>
+      </a:bodyPr>
+      <a:lstStyle>
+        <a:defPPr algn="ctr" defTabSz="914099" fontAlgn="base">
+          <a:spcBef>
+            <a:spcPct val="0"/>
+          </a:spcBef>
+          <a:spcAft>
+            <a:spcPct val="0"/>
+          </a:spcAft>
+          <a:defRPr sz="2000" dirty="0" smtClean="0">
+            <a:gradFill>
+              <a:gsLst>
+                <a:gs pos="0">
+                  <a:srgbClr val="FFFFFF"/>
+                </a:gs>
+                <a:gs pos="100000">
+                  <a:srgbClr val="FFFFFF"/>
+                </a:gs>
+              </a:gsLst>
+              <a:lin ang="5400000" scaled="0"/>
+            </a:gradFill>
+          </a:defRPr>
+        </a:defPPr>
+      </a:lstStyle>
+      <a:style>
+        <a:lnRef idx="1">
+          <a:schemeClr val="accent2"/>
+        </a:lnRef>
+        <a:fillRef idx="3">
+          <a:schemeClr val="accent2"/>
+        </a:fillRef>
+        <a:effectRef idx="2">
+          <a:schemeClr val="accent2"/>
+        </a:effectRef>
+        <a:fontRef idx="minor">
+          <a:schemeClr val="lt1"/>
+        </a:fontRef>
+      </a:style>
+    </a:spDef>
+    <a:txDef>
+      <a:spPr>
+        <a:noFill/>
+      </a:spPr>
+      <a:bodyPr wrap="square" lIns="0" tIns="0" rIns="0" bIns="0" rtlCol="0">
+        <a:spAutoFit/>
+      </a:bodyPr>
+      <a:lstStyle>
+        <a:defPPr>
+          <a:defRPr sz="2400" dirty="0" err="1" smtClean="0">
+            <a:gradFill>
+              <a:gsLst>
+                <a:gs pos="0">
+                  <a:schemeClr val="tx1"/>
+                </a:gs>
+                <a:gs pos="86000">
+                  <a:schemeClr val="tx1"/>
+                </a:gs>
+              </a:gsLst>
+              <a:lin ang="5400000" scaled="0"/>
+            </a:gradFill>
+          </a:defRPr>
+        </a:defPPr>
+      </a:lstStyle>
+    </a:txDef>
+  </a:objectDefaults>
+  <a:extraClrSchemeLst/>
+</a:theme>
+</file>
+
+<file path=ppt/theme/theme3.xml><?xml version="1.0" encoding="utf-8"?>
+<a:theme xmlns:a="http://schemas.openxmlformats.org/drawingml/2006/main" name="Office Theme">
+  <a:themeElements>
+    <a:clrScheme name="Office">
+      <a:dk1>
+        <a:sysClr val="windowText" lastClr="000000"/>
+      </a:dk1>
+      <a:lt1>
+        <a:sysClr val="window" lastClr="FFFFFF"/>
+      </a:lt1>
+      <a:dk2>
+        <a:srgbClr val="44546A"/>
+      </a:dk2>
+      <a:lt2>
+        <a:srgbClr val="E7E6E6"/>
+      </a:lt2>
+      <a:accent1>
+        <a:srgbClr val="4472C4"/>
+      </a:accent1>
+      <a:accent2>
+        <a:srgbClr val="ED7D31"/>
+      </a:accent2>
+      <a:accent3>
+        <a:srgbClr val="A5A5A5"/>
+      </a:accent3>
+      <a:accent4>
+        <a:srgbClr val="FFC000"/>
+      </a:accent4>
+      <a:accent5>
+        <a:srgbClr val="5B9BD5"/>
+      </a:accent5>
+      <a:accent6>
+        <a:srgbClr val="70AD47"/>
+      </a:accent6>
+      <a:hlink>
+        <a:srgbClr val="0563C1"/>
+      </a:hlink>
+      <a:folHlink>
+        <a:srgbClr val="954F72"/>
+      </a:folHlink>
+    </a:clrScheme>
+    <a:fontScheme name="Office">
+      <a:majorFont>
+        <a:latin typeface="Calibri Light" panose="020F0302020204030204"/>
+        <a:ea typeface=""/>
+        <a:cs typeface=""/>
+        <a:font script="Jpan" typeface="游ゴシック Light"/>
+        <a:font script="Hang" typeface="맑은 고딕"/>
+        <a:font script="Hans" typeface="等线 Light"/>
+        <a:font script="Hant" typeface="新細明體"/>
+        <a:font script="Arab" typeface="Times New Roman"/>
+        <a:font script="Hebr" typeface="Times New Roman"/>
+        <a:font script="Thai" typeface="Angsana New"/>
+        <a:font script="Ethi" typeface="Nyala"/>
+        <a:font script="Beng" typeface="Vrinda"/>
+        <a:font script="Gujr" typeface="Shruti"/>
+        <a:font script="Khmr" typeface="MoolBoran"/>
+        <a:font script="Knda" typeface="Tunga"/>
+        <a:font script="Guru" typeface="Raavi"/>
+        <a:font script="Cans" typeface="Euphemia"/>
+        <a:font script="Cher" typeface="Plantagenet Cherokee"/>
+        <a:font script="Yiii" typeface="Microsoft Yi Baiti"/>
+        <a:font script="Tibt" typeface="Microsoft Himalaya"/>
+        <a:font script="Thaa" typeface="MV Boli"/>
+        <a:font script="Deva" typeface="Mangal"/>
+        <a:font script="Telu" typeface="Gautami"/>
+        <a:font script="Taml" typeface="Latha"/>
+        <a:font script="Syrc" typeface="Estrangelo Edessa"/>
+        <a:font script="Orya" typeface="Kalinga"/>
+        <a:font script="Mlym" typeface="Kartika"/>
+        <a:font script="Laoo" typeface="DokChampa"/>
+        <a:font script="Sinh" typeface="Iskoola Pota"/>
+        <a:font script="Mong" typeface="Mongolian Baiti"/>
+        <a:font script="Viet" typeface="Times New Roman"/>
+        <a:font script="Uigh" typeface="Microsoft Uighur"/>
+        <a:font script="Geor" typeface="Sylfaen"/>
+        <a:font script="Armn" typeface="Arial"/>
+        <a:font script="Bugi" typeface="Leelawadee UI"/>
+        <a:font script="Bopo" typeface="Microsoft JhengHei"/>
+        <a:font script="Java" typeface="Javanese Text"/>
+        <a:font script="Lisu" typeface="Segoe UI"/>
+        <a:font script="Mymr" typeface="Myanmar Text"/>
+        <a:font script="Nkoo" typeface="Ebrima"/>
+        <a:font script="Olck" typeface="Nirmala UI"/>
+        <a:font script="Osma" typeface="Ebrima"/>
+        <a:font script="Phag" typeface="Phagspa"/>
+        <a:font script="Syrn" typeface="Estrangelo Edessa"/>
+        <a:font script="Syrj" typeface="Estrangelo Edessa"/>
+        <a:font script="Syre" typeface="Estrangelo Edessa"/>
+        <a:font script="Sora" typeface="Nirmala UI"/>
+        <a:font script="Tale" typeface="Microsoft Tai Le"/>
+        <a:font script="Talu" typeface="Microsoft New Tai Lue"/>
+        <a:font script="Tfng" typeface="Ebrima"/>
+      </a:majorFont>
+      <a:minorFont>
+        <a:latin typeface="Calibri" panose="020F0502020204030204"/>
+        <a:ea typeface=""/>
+        <a:cs typeface=""/>
+        <a:font script="Jpan" typeface="游ゴシック"/>
+        <a:font script="Hang" typeface="맑은 고딕"/>
+        <a:font script="Hans" typeface="等线"/>
+        <a:font script="Hant" typeface="新細明體"/>
+        <a:font script="Arab" typeface="Arial"/>
+        <a:font script="Hebr" typeface="Arial"/>
+        <a:font script="Thai" typeface="Cordia New"/>
+        <a:font script="Ethi" typeface="Nyala"/>
+        <a:font script="Beng" typeface="Vrinda"/>
+        <a:font script="Gujr" typeface="Shruti"/>
+        <a:font script="Khmr" typeface="DaunPenh"/>
+        <a:font script="Knda" typeface="Tunga"/>
+        <a:font script="Guru" typeface="Raavi"/>
+        <a:font script="Cans" typeface="Euphemia"/>
+        <a:font script="Cher" typeface="Plantagenet Cherokee"/>
+        <a:font script="Yiii" typeface="Microsoft Yi Baiti"/>
+        <a:font script="Tibt" typeface="Microsoft Himalaya"/>
+        <a:font script="Thaa" typeface="MV Boli"/>
+        <a:font script="Deva" typeface="Mangal"/>
+        <a:font script="Telu" typeface="Gautami"/>
+        <a:font script="Taml" typeface="Latha"/>
+        <a:font script="Syrc" typeface="Estrangelo Edessa"/>
+        <a:font script="Orya" typeface="Kalinga"/>
+        <a:font script="Mlym" typeface="Kartika"/>
+        <a:font script="Laoo" typeface="DokChampa"/>
+        <a:font script="Sinh" typeface="Iskoola Pota"/>
+        <a:font script="Mong" typeface="Mongolian Baiti"/>
+        <a:font script="Viet" typeface="Arial"/>
+        <a:font script="Uigh" typeface="Microsoft Uighur"/>
+        <a:font script="Geor" typeface="Sylfaen"/>
+        <a:font script="Armn" typeface="Arial"/>
+        <a:font script="Bugi" typeface="Leelawadee UI"/>
+        <a:font script="Bopo" typeface="Microsoft JhengHei"/>
+        <a:font script="Java" typeface="Javanese Text"/>
+        <a:font script="Lisu" typeface="Segoe UI"/>
+        <a:font script="Mymr" typeface="Myanmar Text"/>
+        <a:font script="Nkoo" typeface="Ebrima"/>
+        <a:font script="Olck" typeface="Nirmala UI"/>
+        <a:font script="Osma" typeface="Ebrima"/>
+        <a:font script="Phag" typeface="Phagspa"/>
+        <a:font script="Syrn" typeface="Estrangelo Edessa"/>
+        <a:font script="Syrj" typeface="Estrangelo Edessa"/>
+        <a:font script="Syre" typeface="Estrangelo Edessa"/>
+        <a:font script="Sora" typeface="Nirmala UI"/>
+        <a:font script="Tale" typeface="Microsoft Tai Le"/>
+        <a:font script="Talu" typeface="Microsoft New Tai Lue"/>
+        <a:font script="Tfng" typeface="Ebrima"/>
+      </a:minorFont>
+    </a:fontScheme>
+    <a:fmtScheme name="Office">
+      <a:fillStyleLst>
+        <a:solidFill>
+          <a:schemeClr val="phClr"/>
+        </a:solidFill>
+        <a:gradFill rotWithShape="1">
+          <a:gsLst>
+            <a:gs pos="0">
+              <a:schemeClr val="phClr">
+                <a:lumMod val="110000"/>
+                <a:satMod val="105000"/>
+                <a:tint val="67000"/>
+              </a:schemeClr>
+            </a:gs>
+            <a:gs pos="50000">
+              <a:schemeClr val="phClr">
+                <a:lumMod val="105000"/>
+                <a:satMod val="103000"/>
+                <a:tint val="73000"/>
+              </a:schemeClr>
+            </a:gs>
+            <a:gs pos="100000">
+              <a:schemeClr val="phClr">
+                <a:lumMod val="105000"/>
+                <a:satMod val="109000"/>
+                <a:tint val="81000"/>
+              </a:schemeClr>
+            </a:gs>
+          </a:gsLst>
+          <a:lin ang="5400000" scaled="0"/>
+        </a:gradFill>
+        <a:gradFill rotWithShape="1">
+          <a:gsLst>
+            <a:gs pos="0">
+              <a:schemeClr val="phClr">
+                <a:satMod val="103000"/>
+                <a:lumMod val="102000"/>
+                <a:tint val="94000"/>
+              </a:schemeClr>
+            </a:gs>
+            <a:gs pos="50000">
+              <a:schemeClr val="phClr">
+                <a:satMod val="110000"/>
+                <a:lumMod val="100000"/>
+                <a:shade val="100000"/>
+              </a:schemeClr>
+            </a:gs>
+            <a:gs pos="100000">
+              <a:schemeClr val="phClr">
+                <a:lumMod val="99000"/>
+                <a:satMod val="120000"/>
+                <a:shade val="78000"/>
+              </a:schemeClr>
+            </a:gs>
+          </a:gsLst>
+          <a:lin ang="5400000" scaled="0"/>
+        </a:gradFill>
+      </a:fillStyleLst>
+      <a:lnStyleLst>
+        <a:ln w="6350" cap="flat" cmpd="sng" algn="ctr">
+          <a:solidFill>
+            <a:schemeClr val="phClr"/>
+          </a:solidFill>
+          <a:prstDash val="solid"/>
+          <a:miter lim="800000"/>
+        </a:ln>
+        <a:ln w="12700" cap="flat" cmpd="sng" algn="ctr">
+          <a:solidFill>
+            <a:schemeClr val="phClr"/>
+          </a:solidFill>
+          <a:prstDash val="solid"/>
+          <a:miter lim="800000"/>
+        </a:ln>
+        <a:ln w="19050" cap="flat" cmpd="sng" algn="ctr">
+          <a:solidFill>
+            <a:schemeClr val="phClr"/>
+          </a:solidFill>
+          <a:prstDash val="solid"/>
+          <a:miter lim="800000"/>
+        </a:ln>
+      </a:lnStyleLst>
+      <a:effectStyleLst>
+        <a:effectStyle>
+          <a:effectLst/>
+        </a:effectStyle>
+        <a:effectStyle>
+          <a:effectLst/>
+        </a:effectStyle>
+        <a:effectStyle>
+          <a:effectLst>
+            <a:outerShdw blurRad="57150" dist="19050" dir="5400000" algn="ctr" rotWithShape="0">
+              <a:srgbClr val="000000">
+                <a:alpha val="63000"/>
+              </a:srgbClr>
+            </a:outerShdw>
+          </a:effectLst>
+        </a:effectStyle>
+      </a:effectStyleLst>
+      <a:bgFillStyleLst>
+        <a:solidFill>
+          <a:schemeClr val="phClr"/>
+        </a:solidFill>
+        <a:solidFill>
+          <a:schemeClr val="phClr">
+            <a:tint val="95000"/>
+            <a:satMod val="170000"/>
+          </a:schemeClr>
+        </a:solidFill>
+        <a:gradFill rotWithShape="1">
+          <a:gsLst>
+            <a:gs pos="0">
+              <a:schemeClr val="phClr">
+                <a:tint val="93000"/>
+                <a:satMod val="150000"/>
+                <a:shade val="98000"/>
+                <a:lumMod val="102000"/>
+              </a:schemeClr>
+            </a:gs>
+            <a:gs pos="50000">
+              <a:schemeClr val="phClr">
+                <a:tint val="98000"/>
+                <a:satMod val="130000"/>
+                <a:shade val="90000"/>
+                <a:lumMod val="103000"/>
+              </a:schemeClr>
+            </a:gs>
+            <a:gs pos="100000">
+              <a:schemeClr val="phClr">
+                <a:shade val="63000"/>
+                <a:satMod val="120000"/>
+              </a:schemeClr>
+            </a:gs>
+          </a:gsLst>
+          <a:lin ang="5400000" scaled="0"/>
+        </a:gradFill>
+      </a:bgFillStyleLst>
+    </a:fmtScheme>
+  </a:themeElements>
+  <a:objectDefaults/>
+  <a:extraClrSchemeLst/>
+  <a:extLst>
+    <a:ext uri="{05A4C25C-085E-4340-85A3-A5531E510DB2}">
+      <thm15:themeFamily xmlns:thm15="http://schemas.microsoft.com/office/thememl/2012/main" name="Office Theme" id="{62F939B6-93AF-4DB8-9C6B-D6C7DFDC589F}" vid="{4A3C46E8-61CC-4603-A589-7422A47A8E4A}"/>
+    </a:ext>
+  </a:extLst>
+</a:theme>
 </file>
--- a/roltv.pptx
+++ b/roltv.pptx
@@ -153,6 +153,9 @@
         </p14:section>
       </p14:sectionLst>
     </p:ext>
+    <p:ext uri="{EFAFB233-063F-42B5-8137-9DF3F51BA10A}">
+      <p15:sldGuideLst xmlns:p15="http://schemas.microsoft.com/office/powerpoint/2012/main"/>
+    </p:ext>
   </p:extLst>
 </p:presentation>
 </file>
@@ -687,7 +690,7 @@
             <a:fld id="{81331B57-0BE5-4F82-AA58-76F53EFF3ADA}" type="datetime8">
               <a:rPr lang="en-US" smtClean="0"/>
               <a:pPr/>
-              <a:t>7/20/18 8:11 AM</a:t>
+              <a:t>7/20/18 1:01 PM</a:t>
             </a:fld>
             <a:endParaRPr lang="en-US" dirty="0"/>
           </a:p>
@@ -1972,7 +1975,7 @@
             <a:fld id="{B61BEF0D-F0BB-DE4B-95CE-6DB70DBA9567}" type="datetimeFigureOut">
               <a:rPr lang="en-US" dirty="0"/>
               <a:pPr/>
-              <a:t>7/17/18</a:t>
+              <a:t>7/20/18</a:t>
             </a:fld>
             <a:endParaRPr lang="en-US" dirty="0"/>
           </a:p>
@@ -2220,7 +2223,7 @@
             <a:fld id="{B61BEF0D-F0BB-DE4B-95CE-6DB70DBA9567}" type="datetimeFigureOut">
               <a:rPr lang="en-US" dirty="0"/>
               <a:pPr/>
-              <a:t>7/17/18</a:t>
+              <a:t>7/20/18</a:t>
             </a:fld>
             <a:endParaRPr lang="en-US" dirty="0"/>
           </a:p>
@@ -2531,7 +2534,7 @@
             <a:fld id="{B61BEF0D-F0BB-DE4B-95CE-6DB70DBA9567}" type="datetimeFigureOut">
               <a:rPr lang="en-US" dirty="0"/>
               <a:pPr/>
-              <a:t>7/17/18</a:t>
+              <a:t>7/20/18</a:t>
             </a:fld>
             <a:endParaRPr lang="en-US" dirty="0"/>
           </a:p>
@@ -2861,7 +2864,7 @@
             <a:fld id="{B61BEF0D-F0BB-DE4B-95CE-6DB70DBA9567}" type="datetimeFigureOut">
               <a:rPr lang="en-US" dirty="0"/>
               <a:pPr/>
-              <a:t>7/17/18</a:t>
+              <a:t>7/20/18</a:t>
             </a:fld>
             <a:endParaRPr lang="en-US" dirty="0"/>
           </a:p>
@@ -3172,7 +3175,7 @@
             <a:fld id="{B61BEF0D-F0BB-DE4B-95CE-6DB70DBA9567}" type="datetimeFigureOut">
               <a:rPr lang="en-US" dirty="0"/>
               <a:pPr/>
-              <a:t>7/17/18</a:t>
+              <a:t>7/20/18</a:t>
             </a:fld>
             <a:endParaRPr lang="en-US" dirty="0"/>
           </a:p>
@@ -3562,7 +3565,7 @@
             <a:fld id="{B61BEF0D-F0BB-DE4B-95CE-6DB70DBA9567}" type="datetimeFigureOut">
               <a:rPr lang="en-US" dirty="0"/>
               <a:pPr/>
-              <a:t>7/17/18</a:t>
+              <a:t>7/20/18</a:t>
             </a:fld>
             <a:endParaRPr lang="en-US" dirty="0"/>
           </a:p>
@@ -3728,7 +3731,7 @@
           <a:p>
             <a:fld id="{55C6B4A9-1611-4792-9094-5F34BCA07E0B}" type="datetimeFigureOut">
               <a:rPr lang="en-US" dirty="0"/>
-              <a:t>7/17/18</a:t>
+              <a:t>7/20/18</a:t>
             </a:fld>
             <a:endParaRPr lang="en-US" dirty="0"/>
           </a:p>
@@ -3904,7 +3907,7 @@
             <a:fld id="{B61BEF0D-F0BB-DE4B-95CE-6DB70DBA9567}" type="datetimeFigureOut">
               <a:rPr lang="en-US" dirty="0"/>
               <a:pPr/>
-              <a:t>7/17/18</a:t>
+              <a:t>7/20/18</a:t>
             </a:fld>
             <a:endParaRPr lang="en-US" dirty="0"/>
           </a:p>
@@ -4646,7 +4649,7 @@
           <a:p>
             <a:fld id="{42A54C80-263E-416B-A8E0-580EDEADCBDC}" type="datetimeFigureOut">
               <a:rPr lang="en-US" dirty="0"/>
-              <a:t>7/17/18</a:t>
+              <a:t>7/20/18</a:t>
             </a:fld>
             <a:endParaRPr lang="en-US" dirty="0"/>
           </a:p>
@@ -6412,7 +6415,7 @@
             <a:fld id="{B61BEF0D-F0BB-DE4B-95CE-6DB70DBA9567}" type="datetimeFigureOut">
               <a:rPr lang="en-US" dirty="0"/>
               <a:pPr/>
-              <a:t>7/17/18</a:t>
+              <a:t>7/20/18</a:t>
             </a:fld>
             <a:endParaRPr lang="en-US" dirty="0"/>
           </a:p>
@@ -6640,7 +6643,7 @@
           <a:p>
             <a:fld id="{42A54C80-263E-416B-A8E0-580EDEADCBDC}" type="datetimeFigureOut">
               <a:rPr lang="en-US" dirty="0"/>
-              <a:t>7/17/18</a:t>
+              <a:t>7/20/18</a:t>
             </a:fld>
             <a:endParaRPr lang="en-US" dirty="0"/>
           </a:p>
@@ -7010,7 +7013,7 @@
             <a:fld id="{B61BEF0D-F0BB-DE4B-95CE-6DB70DBA9567}" type="datetimeFigureOut">
               <a:rPr lang="en-US" dirty="0"/>
               <a:pPr/>
-              <a:t>7/17/18</a:t>
+              <a:t>7/20/18</a:t>
             </a:fld>
             <a:endParaRPr lang="en-US" dirty="0"/>
           </a:p>
@@ -7130,7 +7133,7 @@
             <a:fld id="{B61BEF0D-F0BB-DE4B-95CE-6DB70DBA9567}" type="datetimeFigureOut">
               <a:rPr lang="en-US" dirty="0"/>
               <a:pPr/>
-              <a:t>7/17/18</a:t>
+              <a:t>7/20/18</a:t>
             </a:fld>
             <a:endParaRPr lang="en-US" dirty="0"/>
           </a:p>
@@ -7222,7 +7225,7 @@
             <a:fld id="{B61BEF0D-F0BB-DE4B-95CE-6DB70DBA9567}" type="datetimeFigureOut">
               <a:rPr lang="en-US" dirty="0"/>
               <a:pPr/>
-              <a:t>7/17/18</a:t>
+              <a:t>7/20/18</a:t>
             </a:fld>
             <a:endParaRPr lang="en-US" dirty="0"/>
           </a:p>
@@ -7473,7 +7476,7 @@
           <a:p>
             <a:fld id="{42A54C80-263E-416B-A8E0-580EDEADCBDC}" type="datetimeFigureOut">
               <a:rPr lang="en-US" dirty="0"/>
-              <a:t>7/17/18</a:t>
+              <a:t>7/20/18</a:t>
             </a:fld>
             <a:endParaRPr lang="en-US" dirty="0"/>
           </a:p>
@@ -7775,7 +7778,7 @@
             <a:fld id="{B61BEF0D-F0BB-DE4B-95CE-6DB70DBA9567}" type="datetimeFigureOut">
               <a:rPr lang="en-US" dirty="0"/>
               <a:pPr/>
-              <a:t>7/17/18</a:t>
+              <a:t>7/20/18</a:t>
             </a:fld>
             <a:endParaRPr lang="en-US" dirty="0"/>
           </a:p>
@@ -8473,7 +8476,7 @@
             <a:fld id="{B61BEF0D-F0BB-DE4B-95CE-6DB70DBA9567}" type="datetimeFigureOut">
               <a:rPr lang="en-US" dirty="0"/>
               <a:pPr/>
-              <a:t>7/17/18</a:t>
+              <a:t>7/20/18</a:t>
             </a:fld>
             <a:endParaRPr lang="en-US" dirty="0"/>
           </a:p>
@@ -10105,6 +10108,12 @@
           <a:p>
             <a:r>
               <a:rPr lang="en-US" dirty="0"/>
+              <a:t>Play around in the online playground.</a:t>
+            </a:r>
+          </a:p>
+          <a:p>
+            <a:r>
+              <a:rPr lang="en-US" dirty="0"/>
               <a:t>Get to coding….</a:t>
             </a:r>
           </a:p>
@@ -11613,7 +11622,7 @@
           <a:p>
             <a:r>
               <a:rPr lang="en-US" dirty="0"/>
-              <a:t>What can of things can the Overlords do?</a:t>
+              <a:t>What kind of things can the Overlords do?</a:t>
             </a:r>
           </a:p>
         </p:txBody>
